--- a/25HR07.pptx
+++ b/25HR07.pptx
@@ -1,47 +1,47 @@
 
 <file path=ppt/presentation.xml><?xml version="1.0" encoding="utf-8"?>
-<p:presentation xmlns:a="http://schemas.openxmlformats.org/drawingml/2006/main" xmlns:r="http://schemas.openxmlformats.org/officeDocument/2006/relationships" xmlns:p="http://schemas.openxmlformats.org/presentationml/2006/main" saveSubsetFonts="1" embedTrueTypeFonts="true">
+<p:presentation xmlns:a="http://schemas.openxmlformats.org/drawingml/2006/main" xmlns:r="http://schemas.openxmlformats.org/officeDocument/2006/relationships" xmlns:p="http://schemas.openxmlformats.org/presentationml/2006/main" embedTrueTypeFonts="1" saveSubsetFonts="1">
   <p:sldMasterIdLst>
     <p:sldMasterId id="2147483648" r:id="rId1"/>
   </p:sldMasterIdLst>
   <p:sldIdLst>
-    <p:sldId id="256" r:id="rId6"/>
-    <p:sldId id="257" r:id="rId7"/>
-    <p:sldId id="258" r:id="rId8"/>
-    <p:sldId id="259" r:id="rId9"/>
-    <p:sldId id="260" r:id="rId10"/>
-    <p:sldId id="261" r:id="rId11"/>
-    <p:sldId id="262" r:id="rId12"/>
-    <p:sldId id="263" r:id="rId13"/>
-    <p:sldId id="264" r:id="rId14"/>
-    <p:sldId id="265" r:id="rId15"/>
-    <p:sldId id="266" r:id="rId16"/>
-    <p:sldId id="267" r:id="rId17"/>
-    <p:sldId id="268" r:id="rId18"/>
-    <p:sldId id="269" r:id="rId19"/>
+    <p:sldId id="256" r:id="rId2"/>
+    <p:sldId id="257" r:id="rId3"/>
+    <p:sldId id="258" r:id="rId4"/>
+    <p:sldId id="259" r:id="rId5"/>
+    <p:sldId id="260" r:id="rId6"/>
+    <p:sldId id="261" r:id="rId7"/>
+    <p:sldId id="262" r:id="rId8"/>
+    <p:sldId id="263" r:id="rId9"/>
+    <p:sldId id="264" r:id="rId10"/>
+    <p:sldId id="265" r:id="rId11"/>
+    <p:sldId id="266" r:id="rId12"/>
+    <p:sldId id="267" r:id="rId13"/>
+    <p:sldId id="268" r:id="rId14"/>
+    <p:sldId id="269" r:id="rId15"/>
   </p:sldIdLst>
   <p:sldSz cx="18288000" cy="10287000"/>
   <p:notesSz cx="6858000" cy="9144000"/>
   <p:embeddedFontLst>
     <p:embeddedFont>
-      <p:font typeface="Telegraf Bold" charset="1" panose="00000800000000000000"/>
-      <p:regular r:id="rId20"/>
+      <p:font typeface="Arial MT Pro" panose="020B0604020202020204" charset="0"/>
+      <p:regular r:id="rId16"/>
     </p:embeddedFont>
     <p:embeddedFont>
-      <p:font typeface="Canva Sans Bold" charset="1" panose="020B0803030501040103"/>
-      <p:regular r:id="rId21"/>
+      <p:font typeface="Arial MT Pro Bold" panose="020B0604020202020204" charset="0"/>
+      <p:regular r:id="rId17"/>
     </p:embeddedFont>
     <p:embeddedFont>
-      <p:font typeface="Arial MT Pro" charset="1" panose="020B0502020202020204"/>
-      <p:regular r:id="rId22"/>
+      <p:font typeface="Arial MT Pro Bold Italics" panose="020B0604020202020204" charset="0"/>
+      <p:regular r:id="rId18"/>
     </p:embeddedFont>
     <p:embeddedFont>
-      <p:font typeface="Arial MT Pro Bold" charset="1" panose="020B0802020202020204"/>
-      <p:regular r:id="rId23"/>
+      <p:font typeface="Canva Sans Bold" panose="020B0604020202020204" charset="0"/>
+      <p:regular r:id="rId19"/>
     </p:embeddedFont>
     <p:embeddedFont>
-      <p:font typeface="Arial MT Pro Bold Italics" charset="1" panose="020B0802020202090204"/>
-      <p:regular r:id="rId24"/>
+      <p:font typeface="Telegraf Bold" panose="020B0604020202020204" charset="0"/>
+      <p:regular r:id="rId20"/>
     </p:embeddedFont>
   </p:embeddedFontLst>
   <p:defaultTextStyle>
@@ -139,6 +139,22 @@
       </a:defRPr>
     </a:lvl9pPr>
   </p:defaultTextStyle>
+  <p:extLst>
+    <p:ext uri="{EFAFB233-063F-42B5-8137-9DF3F51BA10A}">
+      <p15:sldGuideLst xmlns:p15="http://schemas.microsoft.com/office/powerpoint/2012/main">
+        <p15:guide id="1" orient="horz" pos="2160">
+          <p15:clr>
+            <a:srgbClr val="A4A3A4"/>
+          </p15:clr>
+        </p15:guide>
+        <p15:guide id="2" pos="2880">
+          <p15:clr>
+            <a:srgbClr val="A4A3A4"/>
+          </p15:clr>
+        </p15:guide>
+      </p15:sldGuideLst>
+    </p:ext>
+  </p:extLst>
 </p:presentation>
 </file>
 
@@ -180,10 +196,9 @@
           <a:lstStyle/>
           <a:p>
             <a:r>
-              <a:rPr lang="en-US" smtClean="0"/>
+              <a:rPr lang="en-US"/>
               <a:t>Click to edit Master title style</a:t>
             </a:r>
-            <a:endParaRPr lang="en-US"/>
           </a:p>
         </p:txBody>
       </p:sp>
@@ -299,10 +314,9 @@
           </a:lstStyle>
           <a:p>
             <a:r>
-              <a:rPr lang="en-US" smtClean="0"/>
+              <a:rPr lang="en-US"/>
               <a:t>Click to edit Master subtitle style</a:t>
             </a:r>
-            <a:endParaRPr lang="en-US"/>
           </a:p>
         </p:txBody>
       </p:sp>
@@ -324,7 +338,7 @@
             <a:fld id="{1D8BD707-D9CF-40AE-B4C6-C98DA3205C09}" type="datetimeFigureOut">
               <a:rPr lang="en-US" smtClean="0"/>
               <a:pPr/>
-              <a:t>8/1/2011</a:t>
+              <a:t>11/9/2025</a:t>
             </a:fld>
             <a:endParaRPr lang="en-US"/>
           </a:p>
@@ -414,10 +428,9 @@
           <a:lstStyle/>
           <a:p>
             <a:r>
-              <a:rPr lang="en-US" smtClean="0"/>
+              <a:rPr lang="en-US"/>
               <a:t>Click to edit Master title style</a:t>
             </a:r>
-            <a:endParaRPr lang="en-US"/>
           </a:p>
         </p:txBody>
       </p:sp>
@@ -438,38 +451,37 @@
           <a:p>
             <a:pPr lvl="0"/>
             <a:r>
-              <a:rPr lang="en-US" smtClean="0"/>
+              <a:rPr lang="en-US"/>
               <a:t>Click to edit Master text styles</a:t>
             </a:r>
           </a:p>
           <a:p>
             <a:pPr lvl="1"/>
             <a:r>
-              <a:rPr lang="en-US" smtClean="0"/>
+              <a:rPr lang="en-US"/>
               <a:t>Second level</a:t>
             </a:r>
           </a:p>
           <a:p>
             <a:pPr lvl="2"/>
             <a:r>
-              <a:rPr lang="en-US" smtClean="0"/>
+              <a:rPr lang="en-US"/>
               <a:t>Third level</a:t>
             </a:r>
           </a:p>
           <a:p>
             <a:pPr lvl="3"/>
             <a:r>
-              <a:rPr lang="en-US" smtClean="0"/>
+              <a:rPr lang="en-US"/>
               <a:t>Fourth level</a:t>
             </a:r>
           </a:p>
           <a:p>
             <a:pPr lvl="4"/>
             <a:r>
-              <a:rPr lang="en-US" smtClean="0"/>
+              <a:rPr lang="en-US"/>
               <a:t>Fifth level</a:t>
             </a:r>
-            <a:endParaRPr lang="en-US"/>
           </a:p>
         </p:txBody>
       </p:sp>
@@ -491,7 +503,7 @@
             <a:fld id="{1D8BD707-D9CF-40AE-B4C6-C98DA3205C09}" type="datetimeFigureOut">
               <a:rPr lang="en-US" smtClean="0"/>
               <a:pPr/>
-              <a:t>8/1/2011</a:t>
+              <a:t>11/9/2025</a:t>
             </a:fld>
             <a:endParaRPr lang="en-US"/>
           </a:p>
@@ -586,10 +598,9 @@
           <a:lstStyle/>
           <a:p>
             <a:r>
-              <a:rPr lang="en-US" smtClean="0"/>
+              <a:rPr lang="en-US"/>
               <a:t>Click to edit Master title style</a:t>
             </a:r>
-            <a:endParaRPr lang="en-US"/>
           </a:p>
         </p:txBody>
       </p:sp>
@@ -615,38 +626,37 @@
           <a:p>
             <a:pPr lvl="0"/>
             <a:r>
-              <a:rPr lang="en-US" smtClean="0"/>
+              <a:rPr lang="en-US"/>
               <a:t>Click to edit Master text styles</a:t>
             </a:r>
           </a:p>
           <a:p>
             <a:pPr lvl="1"/>
             <a:r>
-              <a:rPr lang="en-US" smtClean="0"/>
+              <a:rPr lang="en-US"/>
               <a:t>Second level</a:t>
             </a:r>
           </a:p>
           <a:p>
             <a:pPr lvl="2"/>
             <a:r>
-              <a:rPr lang="en-US" smtClean="0"/>
+              <a:rPr lang="en-US"/>
               <a:t>Third level</a:t>
             </a:r>
           </a:p>
           <a:p>
             <a:pPr lvl="3"/>
             <a:r>
-              <a:rPr lang="en-US" smtClean="0"/>
+              <a:rPr lang="en-US"/>
               <a:t>Fourth level</a:t>
             </a:r>
           </a:p>
           <a:p>
             <a:pPr lvl="4"/>
             <a:r>
-              <a:rPr lang="en-US" smtClean="0"/>
+              <a:rPr lang="en-US"/>
               <a:t>Fifth level</a:t>
             </a:r>
-            <a:endParaRPr lang="en-US"/>
           </a:p>
         </p:txBody>
       </p:sp>
@@ -668,7 +678,7 @@
             <a:fld id="{1D8BD707-D9CF-40AE-B4C6-C98DA3205C09}" type="datetimeFigureOut">
               <a:rPr lang="en-US" smtClean="0"/>
               <a:pPr/>
-              <a:t>8/1/2011</a:t>
+              <a:t>11/9/2025</a:t>
             </a:fld>
             <a:endParaRPr lang="en-US"/>
           </a:p>
@@ -758,10 +768,9 @@
           <a:lstStyle/>
           <a:p>
             <a:r>
-              <a:rPr lang="en-US" smtClean="0"/>
+              <a:rPr lang="en-US"/>
               <a:t>Click to edit Master title style</a:t>
             </a:r>
-            <a:endParaRPr lang="en-US"/>
           </a:p>
         </p:txBody>
       </p:sp>
@@ -782,38 +791,37 @@
           <a:p>
             <a:pPr lvl="0"/>
             <a:r>
-              <a:rPr lang="en-US" smtClean="0"/>
+              <a:rPr lang="en-US"/>
               <a:t>Click to edit Master text styles</a:t>
             </a:r>
           </a:p>
           <a:p>
             <a:pPr lvl="1"/>
             <a:r>
-              <a:rPr lang="en-US" smtClean="0"/>
+              <a:rPr lang="en-US"/>
               <a:t>Second level</a:t>
             </a:r>
           </a:p>
           <a:p>
             <a:pPr lvl="2"/>
             <a:r>
-              <a:rPr lang="en-US" smtClean="0"/>
+              <a:rPr lang="en-US"/>
               <a:t>Third level</a:t>
             </a:r>
           </a:p>
           <a:p>
             <a:pPr lvl="3"/>
             <a:r>
-              <a:rPr lang="en-US" smtClean="0"/>
+              <a:rPr lang="en-US"/>
               <a:t>Fourth level</a:t>
             </a:r>
           </a:p>
           <a:p>
             <a:pPr lvl="4"/>
             <a:r>
-              <a:rPr lang="en-US" smtClean="0"/>
+              <a:rPr lang="en-US"/>
               <a:t>Fifth level</a:t>
             </a:r>
-            <a:endParaRPr lang="en-US"/>
           </a:p>
         </p:txBody>
       </p:sp>
@@ -835,7 +843,7 @@
             <a:fld id="{1D8BD707-D9CF-40AE-B4C6-C98DA3205C09}" type="datetimeFigureOut">
               <a:rPr lang="en-US" smtClean="0"/>
               <a:pPr/>
-              <a:t>8/1/2011</a:t>
+              <a:t>11/9/2025</a:t>
             </a:fld>
             <a:endParaRPr lang="en-US"/>
           </a:p>
@@ -934,10 +942,9 @@
           </a:lstStyle>
           <a:p>
             <a:r>
-              <a:rPr lang="en-US" smtClean="0"/>
+              <a:rPr lang="en-US"/>
               <a:t>Click to edit Master title style</a:t>
             </a:r>
-            <a:endParaRPr lang="en-US"/>
           </a:p>
         </p:txBody>
       </p:sp>
@@ -1054,7 +1061,7 @@
           <a:p>
             <a:pPr lvl="0"/>
             <a:r>
-              <a:rPr lang="en-US" smtClean="0"/>
+              <a:rPr lang="en-US"/>
               <a:t>Click to edit Master text styles</a:t>
             </a:r>
           </a:p>
@@ -1078,7 +1085,7 @@
             <a:fld id="{1D8BD707-D9CF-40AE-B4C6-C98DA3205C09}" type="datetimeFigureOut">
               <a:rPr lang="en-US" smtClean="0"/>
               <a:pPr/>
-              <a:t>8/1/2011</a:t>
+              <a:t>11/9/2025</a:t>
             </a:fld>
             <a:endParaRPr lang="en-US"/>
           </a:p>
@@ -1168,10 +1175,9 @@
           <a:lstStyle/>
           <a:p>
             <a:r>
-              <a:rPr lang="en-US" smtClean="0"/>
+              <a:rPr lang="en-US"/>
               <a:t>Click to edit Master title style</a:t>
             </a:r>
-            <a:endParaRPr lang="en-US"/>
           </a:p>
         </p:txBody>
       </p:sp>
@@ -1225,38 +1231,37 @@
           <a:p>
             <a:pPr lvl="0"/>
             <a:r>
-              <a:rPr lang="en-US" smtClean="0"/>
+              <a:rPr lang="en-US"/>
               <a:t>Click to edit Master text styles</a:t>
             </a:r>
           </a:p>
           <a:p>
             <a:pPr lvl="1"/>
             <a:r>
-              <a:rPr lang="en-US" smtClean="0"/>
+              <a:rPr lang="en-US"/>
               <a:t>Second level</a:t>
             </a:r>
           </a:p>
           <a:p>
             <a:pPr lvl="2"/>
             <a:r>
-              <a:rPr lang="en-US" smtClean="0"/>
+              <a:rPr lang="en-US"/>
               <a:t>Third level</a:t>
             </a:r>
           </a:p>
           <a:p>
             <a:pPr lvl="3"/>
             <a:r>
-              <a:rPr lang="en-US" smtClean="0"/>
+              <a:rPr lang="en-US"/>
               <a:t>Fourth level</a:t>
             </a:r>
           </a:p>
           <a:p>
             <a:pPr lvl="4"/>
             <a:r>
-              <a:rPr lang="en-US" smtClean="0"/>
+              <a:rPr lang="en-US"/>
               <a:t>Fifth level</a:t>
             </a:r>
-            <a:endParaRPr lang="en-US"/>
           </a:p>
         </p:txBody>
       </p:sp>
@@ -1310,38 +1315,37 @@
           <a:p>
             <a:pPr lvl="0"/>
             <a:r>
-              <a:rPr lang="en-US" smtClean="0"/>
+              <a:rPr lang="en-US"/>
               <a:t>Click to edit Master text styles</a:t>
             </a:r>
           </a:p>
           <a:p>
             <a:pPr lvl="1"/>
             <a:r>
-              <a:rPr lang="en-US" smtClean="0"/>
+              <a:rPr lang="en-US"/>
               <a:t>Second level</a:t>
             </a:r>
           </a:p>
           <a:p>
             <a:pPr lvl="2"/>
             <a:r>
-              <a:rPr lang="en-US" smtClean="0"/>
+              <a:rPr lang="en-US"/>
               <a:t>Third level</a:t>
             </a:r>
           </a:p>
           <a:p>
             <a:pPr lvl="3"/>
             <a:r>
-              <a:rPr lang="en-US" smtClean="0"/>
+              <a:rPr lang="en-US"/>
               <a:t>Fourth level</a:t>
             </a:r>
           </a:p>
           <a:p>
             <a:pPr lvl="4"/>
             <a:r>
-              <a:rPr lang="en-US" smtClean="0"/>
+              <a:rPr lang="en-US"/>
               <a:t>Fifth level</a:t>
             </a:r>
-            <a:endParaRPr lang="en-US"/>
           </a:p>
         </p:txBody>
       </p:sp>
@@ -1363,7 +1367,7 @@
             <a:fld id="{1D8BD707-D9CF-40AE-B4C6-C98DA3205C09}" type="datetimeFigureOut">
               <a:rPr lang="en-US" smtClean="0"/>
               <a:pPr/>
-              <a:t>8/1/2011</a:t>
+              <a:t>11/9/2025</a:t>
             </a:fld>
             <a:endParaRPr lang="en-US"/>
           </a:p>
@@ -1457,10 +1461,9 @@
           </a:lstStyle>
           <a:p>
             <a:r>
-              <a:rPr lang="en-US" smtClean="0"/>
+              <a:rPr lang="en-US"/>
               <a:t>Click to edit Master title style</a:t>
             </a:r>
-            <a:endParaRPr lang="en-US"/>
           </a:p>
         </p:txBody>
       </p:sp>
@@ -1523,7 +1526,7 @@
           <a:p>
             <a:pPr lvl="0"/>
             <a:r>
-              <a:rPr lang="en-US" smtClean="0"/>
+              <a:rPr lang="en-US"/>
               <a:t>Click to edit Master text styles</a:t>
             </a:r>
           </a:p>
@@ -1579,38 +1582,37 @@
           <a:p>
             <a:pPr lvl="0"/>
             <a:r>
-              <a:rPr lang="en-US" smtClean="0"/>
+              <a:rPr lang="en-US"/>
               <a:t>Click to edit Master text styles</a:t>
             </a:r>
           </a:p>
           <a:p>
             <a:pPr lvl="1"/>
             <a:r>
-              <a:rPr lang="en-US" smtClean="0"/>
+              <a:rPr lang="en-US"/>
               <a:t>Second level</a:t>
             </a:r>
           </a:p>
           <a:p>
             <a:pPr lvl="2"/>
             <a:r>
-              <a:rPr lang="en-US" smtClean="0"/>
+              <a:rPr lang="en-US"/>
               <a:t>Third level</a:t>
             </a:r>
           </a:p>
           <a:p>
             <a:pPr lvl="3"/>
             <a:r>
-              <a:rPr lang="en-US" smtClean="0"/>
+              <a:rPr lang="en-US"/>
               <a:t>Fourth level</a:t>
             </a:r>
           </a:p>
           <a:p>
             <a:pPr lvl="4"/>
             <a:r>
-              <a:rPr lang="en-US" smtClean="0"/>
+              <a:rPr lang="en-US"/>
               <a:t>Fifth level</a:t>
             </a:r>
-            <a:endParaRPr lang="en-US"/>
           </a:p>
         </p:txBody>
       </p:sp>
@@ -1673,7 +1675,7 @@
           <a:p>
             <a:pPr lvl="0"/>
             <a:r>
-              <a:rPr lang="en-US" smtClean="0"/>
+              <a:rPr lang="en-US"/>
               <a:t>Click to edit Master text styles</a:t>
             </a:r>
           </a:p>
@@ -1729,38 +1731,37 @@
           <a:p>
             <a:pPr lvl="0"/>
             <a:r>
-              <a:rPr lang="en-US" smtClean="0"/>
+              <a:rPr lang="en-US"/>
               <a:t>Click to edit Master text styles</a:t>
             </a:r>
           </a:p>
           <a:p>
             <a:pPr lvl="1"/>
             <a:r>
-              <a:rPr lang="en-US" smtClean="0"/>
+              <a:rPr lang="en-US"/>
               <a:t>Second level</a:t>
             </a:r>
           </a:p>
           <a:p>
             <a:pPr lvl="2"/>
             <a:r>
-              <a:rPr lang="en-US" smtClean="0"/>
+              <a:rPr lang="en-US"/>
               <a:t>Third level</a:t>
             </a:r>
           </a:p>
           <a:p>
             <a:pPr lvl="3"/>
             <a:r>
-              <a:rPr lang="en-US" smtClean="0"/>
+              <a:rPr lang="en-US"/>
               <a:t>Fourth level</a:t>
             </a:r>
           </a:p>
           <a:p>
             <a:pPr lvl="4"/>
             <a:r>
-              <a:rPr lang="en-US" smtClean="0"/>
+              <a:rPr lang="en-US"/>
               <a:t>Fifth level</a:t>
             </a:r>
-            <a:endParaRPr lang="en-US"/>
           </a:p>
         </p:txBody>
       </p:sp>
@@ -1782,7 +1783,7 @@
             <a:fld id="{1D8BD707-D9CF-40AE-B4C6-C98DA3205C09}" type="datetimeFigureOut">
               <a:rPr lang="en-US" smtClean="0"/>
               <a:pPr/>
-              <a:t>8/1/2011</a:t>
+              <a:t>11/9/2025</a:t>
             </a:fld>
             <a:endParaRPr lang="en-US"/>
           </a:p>
@@ -1872,10 +1873,9 @@
           <a:lstStyle/>
           <a:p>
             <a:r>
-              <a:rPr lang="en-US" smtClean="0"/>
+              <a:rPr lang="en-US"/>
               <a:t>Click to edit Master title style</a:t>
             </a:r>
-            <a:endParaRPr lang="en-US"/>
           </a:p>
         </p:txBody>
       </p:sp>
@@ -1897,7 +1897,7 @@
             <a:fld id="{1D8BD707-D9CF-40AE-B4C6-C98DA3205C09}" type="datetimeFigureOut">
               <a:rPr lang="en-US" smtClean="0"/>
               <a:pPr/>
-              <a:t>8/1/2011</a:t>
+              <a:t>11/9/2025</a:t>
             </a:fld>
             <a:endParaRPr lang="en-US"/>
           </a:p>
@@ -1989,7 +1989,7 @@
             <a:fld id="{1D8BD707-D9CF-40AE-B4C6-C98DA3205C09}" type="datetimeFigureOut">
               <a:rPr lang="en-US" smtClean="0"/>
               <a:pPr/>
-              <a:t>8/1/2011</a:t>
+              <a:t>11/9/2025</a:t>
             </a:fld>
             <a:endParaRPr lang="en-US"/>
           </a:p>
@@ -2088,10 +2088,9 @@
           </a:lstStyle>
           <a:p>
             <a:r>
-              <a:rPr lang="en-US" smtClean="0"/>
+              <a:rPr lang="en-US"/>
               <a:t>Click to edit Master title style</a:t>
             </a:r>
-            <a:endParaRPr lang="en-US"/>
           </a:p>
         </p:txBody>
       </p:sp>
@@ -2145,38 +2144,37 @@
           <a:p>
             <a:pPr lvl="0"/>
             <a:r>
-              <a:rPr lang="en-US" smtClean="0"/>
+              <a:rPr lang="en-US"/>
               <a:t>Click to edit Master text styles</a:t>
             </a:r>
           </a:p>
           <a:p>
             <a:pPr lvl="1"/>
             <a:r>
-              <a:rPr lang="en-US" smtClean="0"/>
+              <a:rPr lang="en-US"/>
               <a:t>Second level</a:t>
             </a:r>
           </a:p>
           <a:p>
             <a:pPr lvl="2"/>
             <a:r>
-              <a:rPr lang="en-US" smtClean="0"/>
+              <a:rPr lang="en-US"/>
               <a:t>Third level</a:t>
             </a:r>
           </a:p>
           <a:p>
             <a:pPr lvl="3"/>
             <a:r>
-              <a:rPr lang="en-US" smtClean="0"/>
+              <a:rPr lang="en-US"/>
               <a:t>Fourth level</a:t>
             </a:r>
           </a:p>
           <a:p>
             <a:pPr lvl="4"/>
             <a:r>
-              <a:rPr lang="en-US" smtClean="0"/>
+              <a:rPr lang="en-US"/>
               <a:t>Fifth level</a:t>
             </a:r>
-            <a:endParaRPr lang="en-US"/>
           </a:p>
         </p:txBody>
       </p:sp>
@@ -2239,7 +2237,7 @@
           <a:p>
             <a:pPr lvl="0"/>
             <a:r>
-              <a:rPr lang="en-US" smtClean="0"/>
+              <a:rPr lang="en-US"/>
               <a:t>Click to edit Master text styles</a:t>
             </a:r>
           </a:p>
@@ -2263,7 +2261,7 @@
             <a:fld id="{1D8BD707-D9CF-40AE-B4C6-C98DA3205C09}" type="datetimeFigureOut">
               <a:rPr lang="en-US" smtClean="0"/>
               <a:pPr/>
-              <a:t>8/1/2011</a:t>
+              <a:t>11/9/2025</a:t>
             </a:fld>
             <a:endParaRPr lang="en-US"/>
           </a:p>
@@ -2362,10 +2360,9 @@
           </a:lstStyle>
           <a:p>
             <a:r>
-              <a:rPr lang="en-US" smtClean="0"/>
+              <a:rPr lang="en-US"/>
               <a:t>Click to edit Master title style</a:t>
             </a:r>
-            <a:endParaRPr lang="en-US"/>
           </a:p>
         </p:txBody>
       </p:sp>
@@ -2489,7 +2486,7 @@
           <a:p>
             <a:pPr lvl="0"/>
             <a:r>
-              <a:rPr lang="en-US" smtClean="0"/>
+              <a:rPr lang="en-US"/>
               <a:t>Click to edit Master text styles</a:t>
             </a:r>
           </a:p>
@@ -2513,7 +2510,7 @@
             <a:fld id="{1D8BD707-D9CF-40AE-B4C6-C98DA3205C09}" type="datetimeFigureOut">
               <a:rPr lang="en-US" smtClean="0"/>
               <a:pPr/>
-              <a:t>8/1/2011</a:t>
+              <a:t>11/9/2025</a:t>
             </a:fld>
             <a:endParaRPr lang="en-US"/>
           </a:p>
@@ -2618,10 +2615,9 @@
           <a:lstStyle/>
           <a:p>
             <a:r>
-              <a:rPr lang="en-US" smtClean="0"/>
+              <a:rPr lang="en-US"/>
               <a:t>Click to edit Master title style</a:t>
             </a:r>
-            <a:endParaRPr lang="en-US"/>
           </a:p>
         </p:txBody>
       </p:sp>
@@ -2652,38 +2648,37 @@
           <a:p>
             <a:pPr lvl="0"/>
             <a:r>
-              <a:rPr lang="en-US" smtClean="0"/>
+              <a:rPr lang="en-US"/>
               <a:t>Click to edit Master text styles</a:t>
             </a:r>
           </a:p>
           <a:p>
             <a:pPr lvl="1"/>
             <a:r>
-              <a:rPr lang="en-US" smtClean="0"/>
+              <a:rPr lang="en-US"/>
               <a:t>Second level</a:t>
             </a:r>
           </a:p>
           <a:p>
             <a:pPr lvl="2"/>
             <a:r>
-              <a:rPr lang="en-US" smtClean="0"/>
+              <a:rPr lang="en-US"/>
               <a:t>Third level</a:t>
             </a:r>
           </a:p>
           <a:p>
             <a:pPr lvl="3"/>
             <a:r>
-              <a:rPr lang="en-US" smtClean="0"/>
+              <a:rPr lang="en-US"/>
               <a:t>Fourth level</a:t>
             </a:r>
           </a:p>
           <a:p>
             <a:pPr lvl="4"/>
             <a:r>
-              <a:rPr lang="en-US" smtClean="0"/>
+              <a:rPr lang="en-US"/>
               <a:t>Fifth level</a:t>
             </a:r>
-            <a:endParaRPr lang="en-US"/>
           </a:p>
         </p:txBody>
       </p:sp>
@@ -2723,7 +2718,7 @@
             <a:fld id="{1D8BD707-D9CF-40AE-B4C6-C98DA3205C09}" type="datetimeFigureOut">
               <a:rPr lang="en-US" smtClean="0"/>
               <a:pPr/>
-              <a:t>8/1/2011</a:t>
+              <a:t>11/9/2025</a:t>
             </a:fld>
             <a:endParaRPr lang="en-US"/>
           </a:p>
@@ -3078,13 +3073,14 @@
 </file>
 
 <file path=ppt/slides/slide1.xml><?xml version="1.0" encoding="utf-8"?>
-<p:sld xmlns:p="http://schemas.openxmlformats.org/presentationml/2006/main" xmlns:a="http://schemas.openxmlformats.org/drawingml/2006/main">
+<p:sld xmlns:a="http://schemas.openxmlformats.org/drawingml/2006/main" xmlns:r="http://schemas.openxmlformats.org/officeDocument/2006/relationships" xmlns:p="http://schemas.openxmlformats.org/presentationml/2006/main">
   <p:cSld>
     <p:bg>
       <p:bgPr>
         <a:solidFill>
           <a:srgbClr val="F7F9FC"/>
         </a:solidFill>
+        <a:effectLst/>
       </p:bgPr>
     </p:bg>
     <p:spTree>
@@ -3103,12 +3099,12 @@
       </p:grpSpPr>
       <p:grpSp>
         <p:nvGrpSpPr>
-          <p:cNvPr name="Group 2" id="2"/>
+          <p:cNvPr id="2" name="Group 2"/>
           <p:cNvGrpSpPr/>
           <p:nvPr/>
         </p:nvGrpSpPr>
         <p:grpSpPr>
-          <a:xfrm rot="0">
+          <a:xfrm>
             <a:off x="1028700" y="361950"/>
             <a:ext cx="13839810" cy="4781550"/>
             <a:chOff x="0" y="0"/>
@@ -3117,12 +3113,12 @@
         </p:grpSpPr>
         <p:sp>
           <p:nvSpPr>
-            <p:cNvPr name="TextBox 3" id="3"/>
-            <p:cNvSpPr txBox="true"/>
+            <p:cNvPr id="3" name="TextBox 3"/>
+            <p:cNvSpPr txBox="1"/>
             <p:nvPr/>
           </p:nvSpPr>
           <p:spPr>
-            <a:xfrm rot="0">
+            <a:xfrm>
               <a:off x="0" y="1174750"/>
               <a:ext cx="18453079" cy="5200650"/>
             </a:xfrm>
@@ -3131,18 +3127,18 @@
             </a:prstGeom>
           </p:spPr>
           <p:txBody>
-            <a:bodyPr anchor="t" rtlCol="false" tIns="0" lIns="0" bIns="0" rIns="0">
+            <a:bodyPr lIns="0" tIns="0" rIns="0" bIns="0" rtlCol="0" anchor="t">
               <a:spAutoFit/>
             </a:bodyPr>
             <a:lstStyle/>
             <a:p>
-              <a:pPr algn="l" marL="0" indent="0" lvl="0">
+              <a:pPr marL="0" lvl="0" indent="0" algn="l">
                 <a:lnSpc>
                   <a:spcPts val="9900"/>
                 </a:lnSpc>
               </a:pPr>
               <a:r>
-                <a:rPr lang="en-US" b="true" sz="9000" spc="-89">
+                <a:rPr lang="en-US" sz="9000" b="1" spc="-89">
                   <a:solidFill>
                     <a:srgbClr val="2C3E50"/>
                   </a:solidFill>
@@ -3158,12 +3154,12 @@
         </p:sp>
         <p:sp>
           <p:nvSpPr>
-            <p:cNvPr name="TextBox 4" id="4"/>
-            <p:cNvSpPr txBox="true"/>
+            <p:cNvPr id="4" name="TextBox 4"/>
+            <p:cNvSpPr txBox="1"/>
             <p:nvPr/>
           </p:nvSpPr>
           <p:spPr>
-            <a:xfrm rot="0">
+            <a:xfrm>
               <a:off x="0" y="-9525"/>
               <a:ext cx="18453079" cy="606425"/>
             </a:xfrm>
@@ -3172,28 +3168,29 @@
             </a:prstGeom>
           </p:spPr>
           <p:txBody>
-            <a:bodyPr anchor="t" rtlCol="false" tIns="0" lIns="0" bIns="0" rIns="0">
+            <a:bodyPr lIns="0" tIns="0" rIns="0" bIns="0" rtlCol="0" anchor="t">
               <a:spAutoFit/>
             </a:bodyPr>
             <a:lstStyle/>
             <a:p>
-              <a:pPr algn="l" marL="0" indent="0" lvl="0">
+              <a:pPr marL="0" lvl="0" indent="0" algn="l">
                 <a:lnSpc>
                   <a:spcPts val="3299"/>
                 </a:lnSpc>
               </a:pPr>
+              <a:endParaRPr/>
             </a:p>
           </p:txBody>
         </p:sp>
       </p:grpSp>
       <p:sp>
         <p:nvSpPr>
-          <p:cNvPr name="TextBox 5" id="5"/>
-          <p:cNvSpPr txBox="true"/>
+          <p:cNvPr id="5" name="TextBox 5"/>
+          <p:cNvSpPr txBox="1"/>
           <p:nvPr/>
         </p:nvSpPr>
         <p:spPr>
-          <a:xfrm rot="0">
+          <a:xfrm>
             <a:off x="1028700" y="5228330"/>
             <a:ext cx="6686032" cy="887095"/>
           </a:xfrm>
@@ -3202,7 +3199,7 @@
           </a:prstGeom>
         </p:spPr>
         <p:txBody>
-          <a:bodyPr anchor="t" rtlCol="false" tIns="0" lIns="0" bIns="0" rIns="0">
+          <a:bodyPr lIns="0" tIns="0" rIns="0" bIns="0" rtlCol="0" anchor="t">
             <a:spAutoFit/>
           </a:bodyPr>
           <a:lstStyle/>
@@ -3213,7 +3210,7 @@
               </a:lnSpc>
             </a:pPr>
             <a:r>
-              <a:rPr lang="en-US" sz="5199" b="true">
+              <a:rPr lang="en-US" sz="5199" b="1">
                 <a:solidFill>
                   <a:srgbClr val="2C3E50"/>
                 </a:solidFill>
@@ -3229,12 +3226,12 @@
       </p:sp>
       <p:grpSp>
         <p:nvGrpSpPr>
-          <p:cNvPr name="Group 6" id="6"/>
+          <p:cNvPr id="6" name="Group 6"/>
           <p:cNvGrpSpPr/>
           <p:nvPr/>
         </p:nvGrpSpPr>
         <p:grpSpPr>
-          <a:xfrm rot="0">
+          <a:xfrm>
             <a:off x="15049500" y="0"/>
             <a:ext cx="3238500" cy="10287000"/>
             <a:chOff x="0" y="0"/>
@@ -3243,12 +3240,12 @@
         </p:grpSpPr>
         <p:sp>
           <p:nvSpPr>
-            <p:cNvPr name="Freeform 7" id="7"/>
+            <p:cNvPr id="7" name="Freeform 7"/>
             <p:cNvSpPr/>
             <p:nvPr/>
           </p:nvSpPr>
           <p:spPr>
-            <a:xfrm flipH="false" flipV="false" rot="0">
+            <a:xfrm>
               <a:off x="0" y="0"/>
               <a:ext cx="852938" cy="2709333"/>
             </a:xfrm>
@@ -3257,9 +3254,9 @@
               <a:gdLst/>
               <a:ahLst/>
               <a:cxnLst/>
-              <a:rect r="r" b="b" t="t" l="l"/>
+              <a:rect l="l" t="t" r="r" b="b"/>
               <a:pathLst>
-                <a:path h="2709333" w="852938">
+                <a:path w="852938" h="2709333">
                   <a:moveTo>
                     <a:pt x="0" y="0"/>
                   </a:moveTo>
@@ -3280,11 +3277,18 @@
               <a:srgbClr val="18BC9C"/>
             </a:solidFill>
           </p:spPr>
+          <p:txBody>
+            <a:bodyPr/>
+            <a:lstStyle/>
+            <a:p>
+              <a:endParaRPr lang="en-IN"/>
+            </a:p>
+          </p:txBody>
         </p:sp>
         <p:sp>
           <p:nvSpPr>
-            <p:cNvPr name="TextBox 8" id="8"/>
-            <p:cNvSpPr txBox="true"/>
+            <p:cNvPr id="8" name="TextBox 8"/>
+            <p:cNvSpPr txBox="1"/>
             <p:nvPr/>
           </p:nvSpPr>
           <p:spPr>
@@ -3297,14 +3301,15 @@
             </a:prstGeom>
           </p:spPr>
           <p:txBody>
-            <a:bodyPr anchor="ctr" rtlCol="false" tIns="50800" lIns="50800" bIns="50800" rIns="50800"/>
+            <a:bodyPr lIns="50800" tIns="50800" rIns="50800" bIns="50800" rtlCol="0" anchor="ctr"/>
             <a:lstStyle/>
             <a:p>
-              <a:pPr algn="ctr" marL="0" indent="0" lvl="0">
+              <a:pPr marL="0" lvl="0" indent="0" algn="ctr">
                 <a:lnSpc>
                   <a:spcPts val="2800"/>
                 </a:lnSpc>
               </a:pPr>
+              <a:endParaRPr/>
             </a:p>
           </p:txBody>
         </p:sp>
@@ -3318,13 +3323,14 @@
 </file>
 
 <file path=ppt/slides/slide10.xml><?xml version="1.0" encoding="utf-8"?>
-<p:sld xmlns:p="http://schemas.openxmlformats.org/presentationml/2006/main" xmlns:a="http://schemas.openxmlformats.org/drawingml/2006/main">
+<p:sld xmlns:a="http://schemas.openxmlformats.org/drawingml/2006/main" xmlns:r="http://schemas.openxmlformats.org/officeDocument/2006/relationships" xmlns:p="http://schemas.openxmlformats.org/presentationml/2006/main">
   <p:cSld>
     <p:bg>
       <p:bgPr>
         <a:solidFill>
           <a:srgbClr val="F7F9FC"/>
         </a:solidFill>
+        <a:effectLst/>
       </p:bgPr>
     </p:bg>
     <p:spTree>
@@ -3343,12 +3349,12 @@
       </p:grpSpPr>
       <p:grpSp>
         <p:nvGrpSpPr>
-          <p:cNvPr name="Group 2" id="2"/>
+          <p:cNvPr id="2" name="Group 2"/>
           <p:cNvGrpSpPr/>
           <p:nvPr/>
         </p:nvGrpSpPr>
         <p:grpSpPr>
-          <a:xfrm rot="0">
+          <a:xfrm>
             <a:off x="666750" y="243331"/>
             <a:ext cx="12639675" cy="1805940"/>
             <a:chOff x="0" y="0"/>
@@ -3357,12 +3363,12 @@
         </p:grpSpPr>
         <p:sp>
           <p:nvSpPr>
-            <p:cNvPr name="TextBox 3" id="3"/>
-            <p:cNvSpPr txBox="true"/>
+            <p:cNvPr id="3" name="TextBox 3"/>
+            <p:cNvSpPr txBox="1"/>
             <p:nvPr/>
           </p:nvSpPr>
           <p:spPr>
-            <a:xfrm rot="0">
+            <a:xfrm>
               <a:off x="0" y="-19050"/>
               <a:ext cx="16852900" cy="1432984"/>
             </a:xfrm>
@@ -3371,18 +3377,18 @@
             </a:prstGeom>
           </p:spPr>
           <p:txBody>
-            <a:bodyPr anchor="t" rtlCol="false" tIns="0" lIns="0" bIns="0" rIns="0">
+            <a:bodyPr lIns="0" tIns="0" rIns="0" bIns="0" rtlCol="0" anchor="t">
               <a:spAutoFit/>
             </a:bodyPr>
             <a:lstStyle/>
             <a:p>
-              <a:pPr algn="l" marL="0" indent="0" lvl="0">
+              <a:pPr marL="0" lvl="0" indent="0" algn="l">
                 <a:lnSpc>
                   <a:spcPts val="7700"/>
                 </a:lnSpc>
               </a:pPr>
               <a:r>
-                <a:rPr lang="en-US" b="true" sz="7000" spc="-70">
+                <a:rPr lang="en-US" sz="7000" b="1" spc="-70">
                   <a:solidFill>
                     <a:srgbClr val="2C3E50"/>
                   </a:solidFill>
@@ -3398,12 +3404,12 @@
         </p:sp>
         <p:sp>
           <p:nvSpPr>
-            <p:cNvPr name="TextBox 4" id="4"/>
-            <p:cNvSpPr txBox="true"/>
+            <p:cNvPr id="4" name="TextBox 4"/>
+            <p:cNvSpPr txBox="1"/>
             <p:nvPr/>
           </p:nvSpPr>
           <p:spPr>
-            <a:xfrm rot="0">
+            <a:xfrm>
               <a:off x="0" y="1760009"/>
               <a:ext cx="16852900" cy="647912"/>
             </a:xfrm>
@@ -3412,18 +3418,18 @@
             </a:prstGeom>
           </p:spPr>
           <p:txBody>
-            <a:bodyPr anchor="t" rtlCol="false" tIns="0" lIns="0" bIns="0" rIns="0">
+            <a:bodyPr lIns="0" tIns="0" rIns="0" bIns="0" rtlCol="0" anchor="t">
               <a:spAutoFit/>
             </a:bodyPr>
             <a:lstStyle/>
             <a:p>
-              <a:pPr algn="l" marL="0" indent="0" lvl="0">
+              <a:pPr marL="0" lvl="0" indent="0" algn="l">
                 <a:lnSpc>
                   <a:spcPts val="3519"/>
                 </a:lnSpc>
               </a:pPr>
               <a:r>
-                <a:rPr lang="en-US" b="true" sz="3199" spc="-31">
+                <a:rPr lang="en-US" sz="3199" b="1" spc="-31">
                   <a:solidFill>
                     <a:srgbClr val="2C3E50"/>
                   </a:solidFill>
@@ -3440,12 +3446,12 @@
       </p:grpSp>
       <p:grpSp>
         <p:nvGrpSpPr>
-          <p:cNvPr name="Group 5" id="5"/>
+          <p:cNvPr id="5" name="Group 5"/>
           <p:cNvGrpSpPr/>
           <p:nvPr/>
         </p:nvGrpSpPr>
         <p:grpSpPr>
-          <a:xfrm rot="0">
+          <a:xfrm>
             <a:off x="15049500" y="0"/>
             <a:ext cx="3238500" cy="10287000"/>
             <a:chOff x="0" y="0"/>
@@ -3454,12 +3460,12 @@
         </p:grpSpPr>
         <p:sp>
           <p:nvSpPr>
-            <p:cNvPr name="Freeform 6" id="6"/>
+            <p:cNvPr id="6" name="Freeform 6"/>
             <p:cNvSpPr/>
             <p:nvPr/>
           </p:nvSpPr>
           <p:spPr>
-            <a:xfrm flipH="false" flipV="false" rot="0">
+            <a:xfrm>
               <a:off x="0" y="0"/>
               <a:ext cx="852938" cy="2709333"/>
             </a:xfrm>
@@ -3468,9 +3474,9 @@
               <a:gdLst/>
               <a:ahLst/>
               <a:cxnLst/>
-              <a:rect r="r" b="b" t="t" l="l"/>
+              <a:rect l="l" t="t" r="r" b="b"/>
               <a:pathLst>
-                <a:path h="2709333" w="852938">
+                <a:path w="852938" h="2709333">
                   <a:moveTo>
                     <a:pt x="0" y="0"/>
                   </a:moveTo>
@@ -3491,11 +3497,18 @@
               <a:srgbClr val="18BC9C"/>
             </a:solidFill>
           </p:spPr>
+          <p:txBody>
+            <a:bodyPr/>
+            <a:lstStyle/>
+            <a:p>
+              <a:endParaRPr lang="en-IN"/>
+            </a:p>
+          </p:txBody>
         </p:sp>
         <p:sp>
           <p:nvSpPr>
-            <p:cNvPr name="TextBox 7" id="7"/>
-            <p:cNvSpPr txBox="true"/>
+            <p:cNvPr id="7" name="TextBox 7"/>
+            <p:cNvSpPr txBox="1"/>
             <p:nvPr/>
           </p:nvSpPr>
           <p:spPr>
@@ -3508,21 +3521,22 @@
             </a:prstGeom>
           </p:spPr>
           <p:txBody>
-            <a:bodyPr anchor="ctr" rtlCol="false" tIns="50800" lIns="50800" bIns="50800" rIns="50800"/>
+            <a:bodyPr lIns="50800" tIns="50800" rIns="50800" bIns="50800" rtlCol="0" anchor="ctr"/>
             <a:lstStyle/>
             <a:p>
-              <a:pPr algn="ctr" marL="0" indent="0" lvl="0">
+              <a:pPr marL="0" lvl="0" indent="0" algn="ctr">
                 <a:lnSpc>
                   <a:spcPts val="2800"/>
                 </a:lnSpc>
               </a:pPr>
+              <a:endParaRPr/>
             </a:p>
           </p:txBody>
         </p:sp>
       </p:grpSp>
       <p:sp>
         <p:nvSpPr>
-          <p:cNvPr name="AutoShape 8" id="8"/>
+          <p:cNvPr id="8" name="AutoShape 8"/>
           <p:cNvSpPr/>
           <p:nvPr/>
         </p:nvSpPr>
@@ -3534,24 +3548,31 @@
           <a:prstGeom prst="line">
             <a:avLst/>
           </a:prstGeom>
-          <a:ln cap="flat" w="9525">
+          <a:ln w="9525" cap="flat">
             <a:solidFill>
               <a:srgbClr val="2C3E50"/>
             </a:solidFill>
             <a:prstDash val="solid"/>
-            <a:headEnd type="none" len="sm" w="sm"/>
-            <a:tailEnd type="none" len="sm" w="sm"/>
+            <a:headEnd type="none" w="sm" len="sm"/>
+            <a:tailEnd type="none" w="sm" len="sm"/>
           </a:ln>
         </p:spPr>
-      </p:sp>
-      <p:sp>
-        <p:nvSpPr>
-          <p:cNvPr name="TextBox 9" id="9"/>
-          <p:cNvSpPr txBox="true"/>
+        <p:txBody>
+          <a:bodyPr/>
+          <a:lstStyle/>
+          <a:p>
+            <a:endParaRPr lang="en-IN"/>
+          </a:p>
+        </p:txBody>
+      </p:sp>
+      <p:sp>
+        <p:nvSpPr>
+          <p:cNvPr id="9" name="TextBox 9"/>
+          <p:cNvSpPr txBox="1"/>
           <p:nvPr/>
         </p:nvSpPr>
         <p:spPr>
-          <a:xfrm rot="0">
+          <a:xfrm>
             <a:off x="666750" y="1954021"/>
             <a:ext cx="12006905" cy="836931"/>
           </a:xfrm>
@@ -3560,7 +3581,7 @@
           </a:prstGeom>
         </p:spPr>
         <p:txBody>
-          <a:bodyPr anchor="t" rtlCol="false" tIns="0" lIns="0" bIns="0" rIns="0">
+          <a:bodyPr lIns="0" tIns="0" rIns="0" bIns="0" rtlCol="0" anchor="t">
             <a:spAutoFit/>
           </a:bodyPr>
           <a:lstStyle/>
@@ -3590,12 +3611,12 @@
       </p:sp>
       <p:sp>
         <p:nvSpPr>
-          <p:cNvPr name="TextBox 10" id="10"/>
-          <p:cNvSpPr txBox="true"/>
+          <p:cNvPr id="10" name="TextBox 10"/>
+          <p:cNvSpPr txBox="1"/>
           <p:nvPr/>
         </p:nvSpPr>
         <p:spPr>
-          <a:xfrm rot="0">
+          <a:xfrm>
             <a:off x="666750" y="2938590"/>
             <a:ext cx="6670203" cy="464820"/>
           </a:xfrm>
@@ -3604,7 +3625,7 @@
           </a:prstGeom>
         </p:spPr>
         <p:txBody>
-          <a:bodyPr anchor="t" rtlCol="false" tIns="0" lIns="0" bIns="0" rIns="0">
+          <a:bodyPr lIns="0" tIns="0" rIns="0" bIns="0" rtlCol="0" anchor="t">
             <a:spAutoFit/>
           </a:bodyPr>
           <a:lstStyle/>
@@ -3615,7 +3636,7 @@
               </a:lnSpc>
             </a:pPr>
             <a:r>
-              <a:rPr lang="en-US" sz="2700" b="true">
+              <a:rPr lang="en-US" sz="2700" b="1">
                 <a:solidFill>
                   <a:srgbClr val="2C3E50"/>
                 </a:solidFill>
@@ -3631,12 +3652,12 @@
       </p:sp>
       <p:sp>
         <p:nvSpPr>
-          <p:cNvPr name="TextBox 11" id="11"/>
-          <p:cNvSpPr txBox="true"/>
+          <p:cNvPr id="11" name="TextBox 11"/>
+          <p:cNvSpPr txBox="1"/>
           <p:nvPr/>
         </p:nvSpPr>
         <p:spPr>
-          <a:xfrm rot="0">
+          <a:xfrm>
             <a:off x="666750" y="3410553"/>
             <a:ext cx="12006905" cy="3637281"/>
           </a:xfrm>
@@ -3645,7 +3666,7 @@
           </a:prstGeom>
         </p:spPr>
         <p:txBody>
-          <a:bodyPr anchor="t" rtlCol="false" tIns="0" lIns="0" bIns="0" rIns="0">
+          <a:bodyPr lIns="0" tIns="0" rIns="0" bIns="0" rtlCol="0" anchor="t">
             <a:spAutoFit/>
           </a:bodyPr>
           <a:lstStyle/>
@@ -3669,11 +3690,11 @@
             </a:r>
           </a:p>
           <a:p>
-            <a:pPr algn="just" marL="496564" indent="-248282" lvl="1">
+            <a:pPr marL="496564" lvl="1" indent="-248282" algn="just">
               <a:lnSpc>
                 <a:spcPts val="3219"/>
               </a:lnSpc>
-              <a:buAutoNum type="arabicPeriod" startAt="1"/>
+              <a:buAutoNum type="arabicPeriod"/>
             </a:pPr>
             <a:r>
               <a:rPr lang="en-US" sz="2299" spc="-22">
@@ -3688,7 +3709,7 @@
               <a:t>Converted to </a:t>
             </a:r>
             <a:r>
-              <a:rPr lang="en-US" b="true" sz="2299" spc="-22">
+              <a:rPr lang="en-US" sz="2299" b="1" spc="-22">
                 <a:solidFill>
                   <a:srgbClr val="2C3E50"/>
                 </a:solidFill>
@@ -3713,11 +3734,11 @@
             </a:r>
           </a:p>
           <a:p>
-            <a:pPr algn="just" marL="496564" indent="-248282" lvl="1">
+            <a:pPr marL="496564" lvl="1" indent="-248282" algn="just">
               <a:lnSpc>
                 <a:spcPts val="3219"/>
               </a:lnSpc>
-              <a:buAutoNum type="arabicPeriod" startAt="1"/>
+              <a:buAutoNum type="arabicPeriod"/>
             </a:pPr>
             <a:r>
               <a:rPr lang="en-US" sz="2299" spc="-22">
@@ -3733,14 +3754,14 @@
             </a:r>
           </a:p>
           <a:p>
-            <a:pPr algn="just" marL="496564" indent="-248282" lvl="1">
+            <a:pPr marL="496564" lvl="1" indent="-248282" algn="just">
               <a:lnSpc>
                 <a:spcPts val="3219"/>
               </a:lnSpc>
-              <a:buAutoNum type="arabicPeriod" startAt="1"/>
+              <a:buAutoNum type="arabicPeriod"/>
             </a:pPr>
             <a:r>
-              <a:rPr lang="en-US" b="true" sz="2299" spc="-22">
+              <a:rPr lang="en-US" sz="2299" b="1" spc="-22">
                 <a:solidFill>
                   <a:srgbClr val="2C3E50"/>
                 </a:solidFill>
@@ -3765,14 +3786,14 @@
             </a:r>
           </a:p>
           <a:p>
-            <a:pPr algn="just" marL="496564" indent="-248282" lvl="1">
+            <a:pPr marL="496564" lvl="1" indent="-248282" algn="just">
               <a:lnSpc>
                 <a:spcPts val="3219"/>
               </a:lnSpc>
-              <a:buAutoNum type="arabicPeriod" startAt="1"/>
+              <a:buAutoNum type="arabicPeriod"/>
             </a:pPr>
             <a:r>
-              <a:rPr lang="en-US" b="true" sz="2299" spc="-22">
+              <a:rPr lang="en-US" sz="2299" b="1" spc="-22">
                 <a:solidFill>
                   <a:srgbClr val="2C3E50"/>
                 </a:solidFill>
@@ -3796,7 +3817,7 @@
               <a:t> </a:t>
             </a:r>
             <a:r>
-              <a:rPr lang="en-US" b="true" sz="2299" spc="-22">
+              <a:rPr lang="en-US" sz="2299" b="1" spc="-22">
                 <a:solidFill>
                   <a:srgbClr val="2C3E50"/>
                 </a:solidFill>
@@ -3821,14 +3842,14 @@
             </a:r>
           </a:p>
           <a:p>
-            <a:pPr algn="just" marL="496564" indent="-248282" lvl="1">
+            <a:pPr marL="496564" lvl="1" indent="-248282" algn="just">
               <a:lnSpc>
                 <a:spcPts val="3219"/>
               </a:lnSpc>
-              <a:buAutoNum type="arabicPeriod" startAt="1"/>
+              <a:buAutoNum type="arabicPeriod"/>
             </a:pPr>
             <a:r>
-              <a:rPr lang="en-US" b="true" sz="2299" spc="-22">
+              <a:rPr lang="en-US" sz="2299" b="1" spc="-22">
                 <a:solidFill>
                   <a:srgbClr val="2C3E50"/>
                 </a:solidFill>
@@ -3853,17 +3874,17 @@
             </a:r>
           </a:p>
           <a:p>
-            <a:pPr algn="just" marL="496564" indent="-248282" lvl="1">
+            <a:pPr marL="496564" lvl="1" indent="-248282" algn="just">
               <a:lnSpc>
                 <a:spcPts val="3219"/>
               </a:lnSpc>
               <a:spcBef>
                 <a:spcPct val="0"/>
               </a:spcBef>
-              <a:buAutoNum type="arabicPeriod" startAt="1"/>
+              <a:buAutoNum type="arabicPeriod"/>
             </a:pPr>
             <a:r>
-              <a:rPr lang="en-US" b="true" sz="2299" spc="-22">
+              <a:rPr lang="en-US" sz="2299" b="1" spc="-22">
                 <a:solidFill>
                   <a:srgbClr val="2C3E50"/>
                 </a:solidFill>
@@ -3891,12 +3912,12 @@
       </p:sp>
       <p:sp>
         <p:nvSpPr>
-          <p:cNvPr name="TextBox 12" id="12"/>
-          <p:cNvSpPr txBox="true"/>
+          <p:cNvPr id="12" name="TextBox 12"/>
+          <p:cNvSpPr txBox="1"/>
           <p:nvPr/>
         </p:nvSpPr>
         <p:spPr>
-          <a:xfrm rot="0">
+          <a:xfrm>
             <a:off x="666750" y="7150957"/>
             <a:ext cx="6670203" cy="464820"/>
           </a:xfrm>
@@ -3905,7 +3926,7 @@
           </a:prstGeom>
         </p:spPr>
         <p:txBody>
-          <a:bodyPr anchor="t" rtlCol="false" tIns="0" lIns="0" bIns="0" rIns="0">
+          <a:bodyPr lIns="0" tIns="0" rIns="0" bIns="0" rtlCol="0" anchor="t">
             <a:spAutoFit/>
           </a:bodyPr>
           <a:lstStyle/>
@@ -3916,7 +3937,7 @@
               </a:lnSpc>
             </a:pPr>
             <a:r>
-              <a:rPr lang="en-US" sz="2700" b="true">
+              <a:rPr lang="en-US" sz="2700" b="1">
                 <a:solidFill>
                   <a:srgbClr val="2C3E50"/>
                 </a:solidFill>
@@ -3925,31 +3946,19 @@
                 <a:cs typeface="Canva Sans Bold"/>
                 <a:sym typeface="Canva Sans Bold"/>
               </a:rPr>
-              <a:t>b. E</a:t>
-            </a:r>
-            <a:r>
-              <a:rPr lang="en-US" sz="2700" b="true">
-                <a:solidFill>
-                  <a:srgbClr val="2C3E50"/>
-                </a:solidFill>
-                <a:latin typeface="Canva Sans Bold"/>
-                <a:ea typeface="Canva Sans Bold"/>
-                <a:cs typeface="Canva Sans Bold"/>
-                <a:sym typeface="Canva Sans Bold"/>
-              </a:rPr>
-              <a:t>mbedding</a:t>
-            </a:r>
-          </a:p>
-        </p:txBody>
-      </p:sp>
-      <p:sp>
-        <p:nvSpPr>
-          <p:cNvPr name="TextBox 13" id="13"/>
-          <p:cNvSpPr txBox="true"/>
+              <a:t>b. Embedding</a:t>
+            </a:r>
+          </a:p>
+        </p:txBody>
+      </p:sp>
+      <p:sp>
+        <p:nvSpPr>
+          <p:cNvPr id="13" name="TextBox 13"/>
+          <p:cNvSpPr txBox="1"/>
           <p:nvPr/>
         </p:nvSpPr>
         <p:spPr>
-          <a:xfrm rot="0">
+          <a:xfrm>
             <a:off x="666750" y="7682452"/>
             <a:ext cx="12006905" cy="2037081"/>
           </a:xfrm>
@@ -3958,19 +3967,19 @@
           </a:prstGeom>
         </p:spPr>
         <p:txBody>
-          <a:bodyPr anchor="t" rtlCol="false" tIns="0" lIns="0" bIns="0" rIns="0">
+          <a:bodyPr lIns="0" tIns="0" rIns="0" bIns="0" rtlCol="0" anchor="t">
             <a:spAutoFit/>
           </a:bodyPr>
           <a:lstStyle/>
           <a:p>
-            <a:pPr algn="just" marL="496564" indent="-248282" lvl="1">
+            <a:pPr marL="496564" lvl="1" indent="-248282" algn="just">
               <a:lnSpc>
                 <a:spcPts val="3219"/>
               </a:lnSpc>
-              <a:buAutoNum type="arabicPeriod" startAt="1"/>
+              <a:buAutoNum type="arabicPeriod"/>
             </a:pPr>
             <a:r>
-              <a:rPr lang="en-US" b="true" sz="2299" spc="-22">
+              <a:rPr lang="en-US" sz="2299" b="1" spc="-22">
                 <a:solidFill>
                   <a:srgbClr val="2C3E50"/>
                 </a:solidFill>
@@ -3979,10 +3988,42 @@
                 <a:cs typeface="Arial MT Pro Bold"/>
                 <a:sym typeface="Arial MT Pro Bold"/>
               </a:rPr>
-              <a:t>Pre-trained GloVe </a:t>
-            </a:r>
-            <a:r>
-              <a:rPr lang="en-US" b="true" sz="2299" spc="-22">
+              <a:t>Pre-trained GloVe embeddings</a:t>
+            </a:r>
+            <a:r>
+              <a:rPr lang="en-US" sz="2299" spc="-22">
+                <a:solidFill>
+                  <a:srgbClr val="2C3E50"/>
+                </a:solidFill>
+                <a:latin typeface="Arial MT Pro"/>
+                <a:ea typeface="Arial MT Pro"/>
+                <a:cs typeface="Arial MT Pro"/>
+                <a:sym typeface="Arial MT Pro"/>
+              </a:rPr>
+              <a:t> (glove.6B.100d.txt) were loaded.</a:t>
+            </a:r>
+          </a:p>
+          <a:p>
+            <a:pPr marL="496564" lvl="1" indent="-248282" algn="just">
+              <a:lnSpc>
+                <a:spcPts val="3219"/>
+              </a:lnSpc>
+              <a:buAutoNum type="arabicPeriod"/>
+            </a:pPr>
+            <a:r>
+              <a:rPr lang="en-US" sz="2299" spc="-22">
+                <a:solidFill>
+                  <a:srgbClr val="2C3E50"/>
+                </a:solidFill>
+                <a:latin typeface="Arial MT Pro"/>
+                <a:ea typeface="Arial MT Pro"/>
+                <a:cs typeface="Arial MT Pro"/>
+                <a:sym typeface="Arial MT Pro"/>
+              </a:rPr>
+              <a:t>An </a:t>
+            </a:r>
+            <a:r>
+              <a:rPr lang="en-US" sz="2299" b="1" spc="-22">
                 <a:solidFill>
                   <a:srgbClr val="2C3E50"/>
                 </a:solidFill>
@@ -3991,7 +4032,7 @@
                 <a:cs typeface="Arial MT Pro Bold"/>
                 <a:sym typeface="Arial MT Pro Bold"/>
               </a:rPr>
-              <a:t>embeddings</a:t>
+              <a:t>embedding matrix</a:t>
             </a:r>
             <a:r>
               <a:rPr lang="en-US" sz="2299" spc="-22">
@@ -4003,62 +4044,18 @@
                 <a:cs typeface="Arial MT Pro"/>
                 <a:sym typeface="Arial MT Pro"/>
               </a:rPr>
-              <a:t> (glove.6B.100d.txt) were loaded.</a:t>
-            </a:r>
-          </a:p>
-          <a:p>
-            <a:pPr algn="just" marL="496564" indent="-248282" lvl="1">
-              <a:lnSpc>
-                <a:spcPts val="3219"/>
-              </a:lnSpc>
-              <a:buAutoNum type="arabicPeriod" startAt="1"/>
-            </a:pPr>
-            <a:r>
-              <a:rPr lang="en-US" sz="2299" spc="-22">
-                <a:solidFill>
-                  <a:srgbClr val="2C3E50"/>
-                </a:solidFill>
-                <a:latin typeface="Arial MT Pro"/>
-                <a:ea typeface="Arial MT Pro"/>
-                <a:cs typeface="Arial MT Pro"/>
-                <a:sym typeface="Arial MT Pro"/>
-              </a:rPr>
-              <a:t>An </a:t>
-            </a:r>
-            <a:r>
-              <a:rPr lang="en-US" b="true" sz="2299" spc="-22">
-                <a:solidFill>
-                  <a:srgbClr val="2C3E50"/>
-                </a:solidFill>
-                <a:latin typeface="Arial MT Pro Bold"/>
-                <a:ea typeface="Arial MT Pro Bold"/>
-                <a:cs typeface="Arial MT Pro Bold"/>
-                <a:sym typeface="Arial MT Pro Bold"/>
-              </a:rPr>
-              <a:t>embedding matrix</a:t>
-            </a:r>
-            <a:r>
-              <a:rPr lang="en-US" sz="2299" spc="-22">
-                <a:solidFill>
-                  <a:srgbClr val="2C3E50"/>
-                </a:solidFill>
-                <a:latin typeface="Arial MT Pro"/>
-                <a:ea typeface="Arial MT Pro"/>
-                <a:cs typeface="Arial MT Pro"/>
-                <a:sym typeface="Arial MT Pro"/>
-              </a:rPr>
               <a:t> was built, mapping words in the vocabulary to their 100-dimensional GloVe vectors.</a:t>
             </a:r>
           </a:p>
           <a:p>
-            <a:pPr algn="just" marL="496564" indent="-248282" lvl="1">
+            <a:pPr marL="496564" lvl="1" indent="-248282" algn="just">
               <a:lnSpc>
                 <a:spcPts val="3219"/>
               </a:lnSpc>
               <a:spcBef>
                 <a:spcPct val="0"/>
               </a:spcBef>
-              <a:buAutoNum type="arabicPeriod" startAt="1"/>
+              <a:buAutoNum type="arabicPeriod"/>
             </a:pPr>
             <a:r>
               <a:rPr lang="en-US" sz="2299" spc="-22">
@@ -4084,13 +4081,14 @@
 </file>
 
 <file path=ppt/slides/slide11.xml><?xml version="1.0" encoding="utf-8"?>
-<p:sld xmlns:p="http://schemas.openxmlformats.org/presentationml/2006/main" xmlns:a="http://schemas.openxmlformats.org/drawingml/2006/main" xmlns:r="http://schemas.openxmlformats.org/officeDocument/2006/relationships">
+<p:sld xmlns:a="http://schemas.openxmlformats.org/drawingml/2006/main" xmlns:r="http://schemas.openxmlformats.org/officeDocument/2006/relationships" xmlns:p="http://schemas.openxmlformats.org/presentationml/2006/main">
   <p:cSld>
     <p:bg>
       <p:bgPr>
         <a:solidFill>
           <a:srgbClr val="F7F9FC"/>
         </a:solidFill>
+        <a:effectLst/>
       </p:bgPr>
     </p:bg>
     <p:spTree>
@@ -4109,12 +4107,12 @@
       </p:grpSpPr>
       <p:grpSp>
         <p:nvGrpSpPr>
-          <p:cNvPr name="Group 2" id="2"/>
+          <p:cNvPr id="2" name="Group 2"/>
           <p:cNvGrpSpPr/>
           <p:nvPr/>
         </p:nvGrpSpPr>
         <p:grpSpPr>
-          <a:xfrm rot="0">
+          <a:xfrm>
             <a:off x="15049500" y="0"/>
             <a:ext cx="3238500" cy="10287000"/>
             <a:chOff x="0" y="0"/>
@@ -4123,12 +4121,12 @@
         </p:grpSpPr>
         <p:sp>
           <p:nvSpPr>
-            <p:cNvPr name="Freeform 3" id="3"/>
+            <p:cNvPr id="3" name="Freeform 3"/>
             <p:cNvSpPr/>
             <p:nvPr/>
           </p:nvSpPr>
           <p:spPr>
-            <a:xfrm flipH="false" flipV="false" rot="0">
+            <a:xfrm>
               <a:off x="0" y="0"/>
               <a:ext cx="852938" cy="2709333"/>
             </a:xfrm>
@@ -4137,9 +4135,9 @@
               <a:gdLst/>
               <a:ahLst/>
               <a:cxnLst/>
-              <a:rect r="r" b="b" t="t" l="l"/>
+              <a:rect l="l" t="t" r="r" b="b"/>
               <a:pathLst>
-                <a:path h="2709333" w="852938">
+                <a:path w="852938" h="2709333">
                   <a:moveTo>
                     <a:pt x="0" y="0"/>
                   </a:moveTo>
@@ -4160,11 +4158,18 @@
               <a:srgbClr val="18BC9C"/>
             </a:solidFill>
           </p:spPr>
+          <p:txBody>
+            <a:bodyPr/>
+            <a:lstStyle/>
+            <a:p>
+              <a:endParaRPr lang="en-IN"/>
+            </a:p>
+          </p:txBody>
         </p:sp>
         <p:sp>
           <p:nvSpPr>
-            <p:cNvPr name="TextBox 4" id="4"/>
-            <p:cNvSpPr txBox="true"/>
+            <p:cNvPr id="4" name="TextBox 4"/>
+            <p:cNvSpPr txBox="1"/>
             <p:nvPr/>
           </p:nvSpPr>
           <p:spPr>
@@ -4177,21 +4182,22 @@
             </a:prstGeom>
           </p:spPr>
           <p:txBody>
-            <a:bodyPr anchor="ctr" rtlCol="false" tIns="50800" lIns="50800" bIns="50800" rIns="50800"/>
+            <a:bodyPr lIns="50800" tIns="50800" rIns="50800" bIns="50800" rtlCol="0" anchor="ctr"/>
             <a:lstStyle/>
             <a:p>
-              <a:pPr algn="ctr" marL="0" indent="0" lvl="0">
+              <a:pPr marL="0" lvl="0" indent="0" algn="ctr">
                 <a:lnSpc>
                   <a:spcPts val="2800"/>
                 </a:lnSpc>
               </a:pPr>
+              <a:endParaRPr/>
             </a:p>
           </p:txBody>
         </p:sp>
       </p:grpSp>
       <p:sp>
         <p:nvSpPr>
-          <p:cNvPr name="AutoShape 5" id="5"/>
+          <p:cNvPr id="5" name="AutoShape 5"/>
           <p:cNvSpPr/>
           <p:nvPr/>
         </p:nvSpPr>
@@ -4203,24 +4209,31 @@
           <a:prstGeom prst="line">
             <a:avLst/>
           </a:prstGeom>
-          <a:ln cap="flat" w="9525">
+          <a:ln w="9525" cap="flat">
             <a:solidFill>
               <a:srgbClr val="2C3E50"/>
             </a:solidFill>
             <a:prstDash val="solid"/>
-            <a:headEnd type="none" len="sm" w="sm"/>
-            <a:tailEnd type="none" len="sm" w="sm"/>
+            <a:headEnd type="none" w="sm" len="sm"/>
+            <a:tailEnd type="none" w="sm" len="sm"/>
           </a:ln>
         </p:spPr>
-      </p:sp>
-      <p:sp>
-        <p:nvSpPr>
-          <p:cNvPr name="Freeform 6" id="6"/>
+        <p:txBody>
+          <a:bodyPr/>
+          <a:lstStyle/>
+          <a:p>
+            <a:endParaRPr lang="en-IN"/>
+          </a:p>
+        </p:txBody>
+      </p:sp>
+      <p:sp>
+        <p:nvSpPr>
+          <p:cNvPr id="6" name="Freeform 6"/>
           <p:cNvSpPr/>
           <p:nvPr/>
         </p:nvSpPr>
         <p:spPr>
-          <a:xfrm flipH="false" flipV="false" rot="0">
+          <a:xfrm>
             <a:off x="666750" y="6253438"/>
             <a:ext cx="13947486" cy="3382265"/>
           </a:xfrm>
@@ -4229,9 +4242,9 @@
             <a:gdLst/>
             <a:ahLst/>
             <a:cxnLst/>
-            <a:rect r="r" b="b" t="t" l="l"/>
+            <a:rect l="l" t="t" r="r" b="b"/>
             <a:pathLst>
-              <a:path h="3382265" w="13947486">
+              <a:path w="13947486" h="3382265">
                 <a:moveTo>
                   <a:pt x="0" y="0"/>
                 </a:moveTo>
@@ -4254,19 +4267,26 @@
           <a:blipFill>
             <a:blip r:embed="rId2"/>
             <a:stretch>
-              <a:fillRect l="0" t="0" r="0" b="0"/>
+              <a:fillRect/>
             </a:stretch>
           </a:blipFill>
         </p:spPr>
+        <p:txBody>
+          <a:bodyPr/>
+          <a:lstStyle/>
+          <a:p>
+            <a:endParaRPr lang="en-IN"/>
+          </a:p>
+        </p:txBody>
       </p:sp>
       <p:grpSp>
         <p:nvGrpSpPr>
-          <p:cNvPr name="Group 7" id="7"/>
+          <p:cNvPr id="7" name="Group 7"/>
           <p:cNvGrpSpPr/>
           <p:nvPr/>
         </p:nvGrpSpPr>
         <p:grpSpPr>
-          <a:xfrm rot="0">
+          <a:xfrm>
             <a:off x="666750" y="243331"/>
             <a:ext cx="12639675" cy="1805940"/>
             <a:chOff x="0" y="0"/>
@@ -4275,12 +4295,12 @@
         </p:grpSpPr>
         <p:sp>
           <p:nvSpPr>
-            <p:cNvPr name="TextBox 8" id="8"/>
-            <p:cNvSpPr txBox="true"/>
+            <p:cNvPr id="8" name="TextBox 8"/>
+            <p:cNvSpPr txBox="1"/>
             <p:nvPr/>
           </p:nvSpPr>
           <p:spPr>
-            <a:xfrm rot="0">
+            <a:xfrm>
               <a:off x="0" y="-19050"/>
               <a:ext cx="16852900" cy="1432984"/>
             </a:xfrm>
@@ -4289,18 +4309,18 @@
             </a:prstGeom>
           </p:spPr>
           <p:txBody>
-            <a:bodyPr anchor="t" rtlCol="false" tIns="0" lIns="0" bIns="0" rIns="0">
+            <a:bodyPr lIns="0" tIns="0" rIns="0" bIns="0" rtlCol="0" anchor="t">
               <a:spAutoFit/>
             </a:bodyPr>
             <a:lstStyle/>
             <a:p>
-              <a:pPr algn="l" marL="0" indent="0" lvl="0">
+              <a:pPr marL="0" lvl="0" indent="0" algn="l">
                 <a:lnSpc>
                   <a:spcPts val="7700"/>
                 </a:lnSpc>
               </a:pPr>
               <a:r>
-                <a:rPr lang="en-US" b="true" sz="7000" spc="-70">
+                <a:rPr lang="en-US" sz="7000" b="1" spc="-70">
                   <a:solidFill>
                     <a:srgbClr val="2C3E50"/>
                   </a:solidFill>
@@ -4316,12 +4336,12 @@
         </p:sp>
         <p:sp>
           <p:nvSpPr>
-            <p:cNvPr name="TextBox 9" id="9"/>
-            <p:cNvSpPr txBox="true"/>
+            <p:cNvPr id="9" name="TextBox 9"/>
+            <p:cNvSpPr txBox="1"/>
             <p:nvPr/>
           </p:nvSpPr>
           <p:spPr>
-            <a:xfrm rot="0">
+            <a:xfrm>
               <a:off x="0" y="1760009"/>
               <a:ext cx="16852900" cy="647912"/>
             </a:xfrm>
@@ -4330,18 +4350,18 @@
             </a:prstGeom>
           </p:spPr>
           <p:txBody>
-            <a:bodyPr anchor="t" rtlCol="false" tIns="0" lIns="0" bIns="0" rIns="0">
+            <a:bodyPr lIns="0" tIns="0" rIns="0" bIns="0" rtlCol="0" anchor="t">
               <a:spAutoFit/>
             </a:bodyPr>
             <a:lstStyle/>
             <a:p>
-              <a:pPr algn="l" marL="0" indent="0" lvl="0">
+              <a:pPr marL="0" lvl="0" indent="0" algn="l">
                 <a:lnSpc>
                   <a:spcPts val="3519"/>
                 </a:lnSpc>
               </a:pPr>
               <a:r>
-                <a:rPr lang="en-US" b="true" sz="3199" spc="-31">
+                <a:rPr lang="en-US" sz="3199" b="1" spc="-31">
                   <a:solidFill>
                     <a:srgbClr val="2C3E50"/>
                   </a:solidFill>
@@ -4358,12 +4378,12 @@
       </p:grpSp>
       <p:sp>
         <p:nvSpPr>
-          <p:cNvPr name="TextBox 10" id="10"/>
-          <p:cNvSpPr txBox="true"/>
+          <p:cNvPr id="10" name="TextBox 10"/>
+          <p:cNvSpPr txBox="1"/>
           <p:nvPr/>
         </p:nvSpPr>
         <p:spPr>
-          <a:xfrm rot="0">
+          <a:xfrm>
             <a:off x="666750" y="2181309"/>
             <a:ext cx="12006905" cy="3776854"/>
           </a:xfrm>
@@ -4372,7 +4392,7 @@
           </a:prstGeom>
         </p:spPr>
         <p:txBody>
-          <a:bodyPr anchor="t" rtlCol="false" tIns="0" lIns="0" bIns="0" rIns="0">
+          <a:bodyPr lIns="0" tIns="0" rIns="0" bIns="0" rtlCol="0" anchor="t">
             <a:spAutoFit/>
           </a:bodyPr>
           <a:lstStyle/>
@@ -4463,13 +4483,14 @@
 </file>
 
 <file path=ppt/slides/slide12.xml><?xml version="1.0" encoding="utf-8"?>
-<p:sld xmlns:p="http://schemas.openxmlformats.org/presentationml/2006/main" xmlns:a="http://schemas.openxmlformats.org/drawingml/2006/main">
+<p:sld xmlns:a="http://schemas.openxmlformats.org/drawingml/2006/main" xmlns:r="http://schemas.openxmlformats.org/officeDocument/2006/relationships" xmlns:p="http://schemas.openxmlformats.org/presentationml/2006/main">
   <p:cSld>
     <p:bg>
       <p:bgPr>
         <a:solidFill>
           <a:srgbClr val="F7F9FC"/>
         </a:solidFill>
+        <a:effectLst/>
       </p:bgPr>
     </p:bg>
     <p:spTree>
@@ -4488,12 +4509,12 @@
       </p:grpSpPr>
       <p:grpSp>
         <p:nvGrpSpPr>
-          <p:cNvPr name="Group 2" id="2"/>
+          <p:cNvPr id="2" name="Group 2"/>
           <p:cNvGrpSpPr/>
           <p:nvPr/>
         </p:nvGrpSpPr>
         <p:grpSpPr>
-          <a:xfrm rot="0">
+          <a:xfrm>
             <a:off x="15049500" y="0"/>
             <a:ext cx="3238500" cy="10287000"/>
             <a:chOff x="0" y="0"/>
@@ -4502,12 +4523,12 @@
         </p:grpSpPr>
         <p:sp>
           <p:nvSpPr>
-            <p:cNvPr name="Freeform 3" id="3"/>
+            <p:cNvPr id="3" name="Freeform 3"/>
             <p:cNvSpPr/>
             <p:nvPr/>
           </p:nvSpPr>
           <p:spPr>
-            <a:xfrm flipH="false" flipV="false" rot="0">
+            <a:xfrm>
               <a:off x="0" y="0"/>
               <a:ext cx="852938" cy="2709333"/>
             </a:xfrm>
@@ -4516,9 +4537,9 @@
               <a:gdLst/>
               <a:ahLst/>
               <a:cxnLst/>
-              <a:rect r="r" b="b" t="t" l="l"/>
+              <a:rect l="l" t="t" r="r" b="b"/>
               <a:pathLst>
-                <a:path h="2709333" w="852938">
+                <a:path w="852938" h="2709333">
                   <a:moveTo>
                     <a:pt x="0" y="0"/>
                   </a:moveTo>
@@ -4539,11 +4560,18 @@
               <a:srgbClr val="18BC9C"/>
             </a:solidFill>
           </p:spPr>
+          <p:txBody>
+            <a:bodyPr/>
+            <a:lstStyle/>
+            <a:p>
+              <a:endParaRPr lang="en-IN"/>
+            </a:p>
+          </p:txBody>
         </p:sp>
         <p:sp>
           <p:nvSpPr>
-            <p:cNvPr name="TextBox 4" id="4"/>
-            <p:cNvSpPr txBox="true"/>
+            <p:cNvPr id="4" name="TextBox 4"/>
+            <p:cNvSpPr txBox="1"/>
             <p:nvPr/>
           </p:nvSpPr>
           <p:spPr>
@@ -4556,21 +4584,22 @@
             </a:prstGeom>
           </p:spPr>
           <p:txBody>
-            <a:bodyPr anchor="ctr" rtlCol="false" tIns="50800" lIns="50800" bIns="50800" rIns="50800"/>
+            <a:bodyPr lIns="50800" tIns="50800" rIns="50800" bIns="50800" rtlCol="0" anchor="ctr"/>
             <a:lstStyle/>
             <a:p>
-              <a:pPr algn="ctr" marL="0" indent="0" lvl="0">
+              <a:pPr marL="0" lvl="0" indent="0" algn="ctr">
                 <a:lnSpc>
                   <a:spcPts val="2800"/>
                 </a:lnSpc>
               </a:pPr>
+              <a:endParaRPr/>
             </a:p>
           </p:txBody>
         </p:sp>
       </p:grpSp>
       <p:sp>
         <p:nvSpPr>
-          <p:cNvPr name="AutoShape 5" id="5"/>
+          <p:cNvPr id="5" name="AutoShape 5"/>
           <p:cNvSpPr/>
           <p:nvPr/>
         </p:nvSpPr>
@@ -4582,24 +4611,31 @@
           <a:prstGeom prst="line">
             <a:avLst/>
           </a:prstGeom>
-          <a:ln cap="flat" w="9525">
+          <a:ln w="9525" cap="flat">
             <a:solidFill>
               <a:srgbClr val="2C3E50"/>
             </a:solidFill>
             <a:prstDash val="solid"/>
-            <a:headEnd type="none" len="sm" w="sm"/>
-            <a:tailEnd type="none" len="sm" w="sm"/>
+            <a:headEnd type="none" w="sm" len="sm"/>
+            <a:tailEnd type="none" w="sm" len="sm"/>
           </a:ln>
         </p:spPr>
+        <p:txBody>
+          <a:bodyPr/>
+          <a:lstStyle/>
+          <a:p>
+            <a:endParaRPr lang="en-IN"/>
+          </a:p>
+        </p:txBody>
       </p:sp>
       <p:grpSp>
         <p:nvGrpSpPr>
-          <p:cNvPr name="Group 6" id="6"/>
+          <p:cNvPr id="6" name="Group 6"/>
           <p:cNvGrpSpPr/>
           <p:nvPr/>
         </p:nvGrpSpPr>
         <p:grpSpPr>
-          <a:xfrm rot="0">
+          <a:xfrm>
             <a:off x="666750" y="423279"/>
             <a:ext cx="12639675" cy="1764030"/>
             <a:chOff x="0" y="0"/>
@@ -4608,12 +4644,12 @@
         </p:grpSpPr>
         <p:sp>
           <p:nvSpPr>
-            <p:cNvPr name="TextBox 7" id="7"/>
-            <p:cNvSpPr txBox="true"/>
+            <p:cNvPr id="7" name="TextBox 7"/>
+            <p:cNvSpPr txBox="1"/>
             <p:nvPr/>
           </p:nvSpPr>
           <p:spPr>
-            <a:xfrm rot="0">
+            <a:xfrm>
               <a:off x="0" y="-19050"/>
               <a:ext cx="16852900" cy="1432984"/>
             </a:xfrm>
@@ -4622,18 +4658,18 @@
             </a:prstGeom>
           </p:spPr>
           <p:txBody>
-            <a:bodyPr anchor="t" rtlCol="false" tIns="0" lIns="0" bIns="0" rIns="0">
+            <a:bodyPr lIns="0" tIns="0" rIns="0" bIns="0" rtlCol="0" anchor="t">
               <a:spAutoFit/>
             </a:bodyPr>
             <a:lstStyle/>
             <a:p>
-              <a:pPr algn="l" marL="0" indent="0" lvl="0">
+              <a:pPr marL="0" lvl="0" indent="0" algn="l">
                 <a:lnSpc>
                   <a:spcPts val="7700"/>
                 </a:lnSpc>
               </a:pPr>
               <a:r>
-                <a:rPr lang="en-US" b="true" sz="7000" spc="-70">
+                <a:rPr lang="en-US" sz="7000" b="1" spc="-70">
                   <a:solidFill>
                     <a:srgbClr val="2C3E50"/>
                   </a:solidFill>
@@ -4649,12 +4685,12 @@
         </p:sp>
         <p:sp>
           <p:nvSpPr>
-            <p:cNvPr name="TextBox 8" id="8"/>
-            <p:cNvSpPr txBox="true"/>
+            <p:cNvPr id="8" name="TextBox 8"/>
+            <p:cNvSpPr txBox="1"/>
             <p:nvPr/>
           </p:nvSpPr>
           <p:spPr>
-            <a:xfrm rot="0">
+            <a:xfrm>
               <a:off x="0" y="1769534"/>
               <a:ext cx="16852900" cy="582507"/>
             </a:xfrm>
@@ -4663,18 +4699,18 @@
             </a:prstGeom>
           </p:spPr>
           <p:txBody>
-            <a:bodyPr anchor="t" rtlCol="false" tIns="0" lIns="0" bIns="0" rIns="0">
+            <a:bodyPr lIns="0" tIns="0" rIns="0" bIns="0" rtlCol="0" anchor="t">
               <a:spAutoFit/>
             </a:bodyPr>
             <a:lstStyle/>
             <a:p>
-              <a:pPr algn="l" marL="0" indent="0" lvl="0">
+              <a:pPr marL="0" lvl="0" indent="0" algn="l">
                 <a:lnSpc>
                   <a:spcPts val="3190"/>
                 </a:lnSpc>
               </a:pPr>
               <a:r>
-                <a:rPr lang="en-US" b="true" sz="2900" spc="-29">
+                <a:rPr lang="en-US" sz="2900" b="1" spc="-29">
                   <a:solidFill>
                     <a:srgbClr val="2C3E50"/>
                   </a:solidFill>
@@ -4691,12 +4727,12 @@
       </p:grpSp>
       <p:sp>
         <p:nvSpPr>
-          <p:cNvPr name="TextBox 9" id="9"/>
-          <p:cNvSpPr txBox="true"/>
+          <p:cNvPr id="9" name="TextBox 9"/>
+          <p:cNvSpPr txBox="1"/>
           <p:nvPr/>
         </p:nvSpPr>
         <p:spPr>
-          <a:xfrm rot="0">
+          <a:xfrm>
             <a:off x="666750" y="2265219"/>
             <a:ext cx="6670203" cy="431799"/>
           </a:xfrm>
@@ -4705,7 +4741,7 @@
           </a:prstGeom>
         </p:spPr>
         <p:txBody>
-          <a:bodyPr anchor="t" rtlCol="false" tIns="0" lIns="0" bIns="0" rIns="0">
+          <a:bodyPr lIns="0" tIns="0" rIns="0" bIns="0" rtlCol="0" anchor="t">
             <a:spAutoFit/>
           </a:bodyPr>
           <a:lstStyle/>
@@ -4716,7 +4752,7 @@
               </a:lnSpc>
             </a:pPr>
             <a:r>
-              <a:rPr lang="en-US" sz="2500" b="true">
+              <a:rPr lang="en-US" sz="2500" b="1">
                 <a:solidFill>
                   <a:srgbClr val="2C3E50"/>
                 </a:solidFill>
@@ -4732,12 +4768,12 @@
       </p:sp>
       <p:sp>
         <p:nvSpPr>
-          <p:cNvPr name="TextBox 10" id="10"/>
-          <p:cNvSpPr txBox="true"/>
+          <p:cNvPr id="10" name="TextBox 10"/>
+          <p:cNvSpPr txBox="1"/>
           <p:nvPr/>
         </p:nvSpPr>
         <p:spPr>
-          <a:xfrm rot="0">
+          <a:xfrm>
             <a:off x="666750" y="2684124"/>
             <a:ext cx="12006905" cy="1236981"/>
           </a:xfrm>
@@ -4746,7 +4782,7 @@
           </a:prstGeom>
         </p:spPr>
         <p:txBody>
-          <a:bodyPr anchor="t" rtlCol="false" tIns="0" lIns="0" bIns="0" rIns="0">
+          <a:bodyPr lIns="0" tIns="0" rIns="0" bIns="0" rtlCol="0" anchor="t">
             <a:spAutoFit/>
           </a:bodyPr>
           <a:lstStyle/>
@@ -4769,31 +4805,19 @@
                 <a:cs typeface="Arial MT Pro"/>
                 <a:sym typeface="Arial MT Pro"/>
               </a:rPr>
-              <a:t>The 221 URL features were used to train 5 classic ML models. </a:t>
-            </a:r>
-            <a:r>
-              <a:rPr lang="en-US" sz="2299" spc="-22">
-                <a:solidFill>
-                  <a:srgbClr val="2C3E50"/>
-                </a:solidFill>
-                <a:latin typeface="Arial MT Pro"/>
-                <a:ea typeface="Arial MT Pro"/>
-                <a:cs typeface="Arial MT Pro"/>
-                <a:sym typeface="Arial MT Pro"/>
-              </a:rPr>
-              <a:t>XGBoost was the top performer with 92.4% accuracy and the lowest false negatives (674), outperforming Random Forest (91.4%) and SVC (88.2%).</a:t>
-            </a:r>
-          </a:p>
-        </p:txBody>
-      </p:sp>
-      <p:sp>
-        <p:nvSpPr>
-          <p:cNvPr name="TextBox 11" id="11"/>
-          <p:cNvSpPr txBox="true"/>
+              <a:t>The 221 URL features were used to train 5 classic ML models. XGBoost was the top performer with 92.4% accuracy and the lowest false negatives (674), outperforming Random Forest (91.4%) and SVC (88.2%).</a:t>
+            </a:r>
+          </a:p>
+        </p:txBody>
+      </p:sp>
+      <p:sp>
+        <p:nvSpPr>
+          <p:cNvPr id="11" name="TextBox 11"/>
+          <p:cNvSpPr txBox="1"/>
           <p:nvPr/>
         </p:nvSpPr>
         <p:spPr>
-          <a:xfrm rot="0">
+          <a:xfrm>
             <a:off x="666750" y="3968730"/>
             <a:ext cx="6670203" cy="396239"/>
           </a:xfrm>
@@ -4802,7 +4826,7 @@
           </a:prstGeom>
         </p:spPr>
         <p:txBody>
-          <a:bodyPr anchor="t" rtlCol="false" tIns="0" lIns="0" bIns="0" rIns="0">
+          <a:bodyPr lIns="0" tIns="0" rIns="0" bIns="0" rtlCol="0" anchor="t">
             <a:spAutoFit/>
           </a:bodyPr>
           <a:lstStyle/>
@@ -4813,7 +4837,7 @@
               </a:lnSpc>
             </a:pPr>
             <a:r>
-              <a:rPr lang="en-US" sz="2400" b="true">
+              <a:rPr lang="en-US" sz="2400" b="1">
                 <a:solidFill>
                   <a:srgbClr val="2C3E50"/>
                 </a:solidFill>
@@ -4829,12 +4853,12 @@
       </p:sp>
       <p:sp>
         <p:nvSpPr>
-          <p:cNvPr name="TextBox 12" id="12"/>
-          <p:cNvSpPr txBox="true"/>
+          <p:cNvPr id="12" name="TextBox 12"/>
+          <p:cNvSpPr txBox="1"/>
           <p:nvPr/>
         </p:nvSpPr>
         <p:spPr>
-          <a:xfrm rot="0">
+          <a:xfrm>
             <a:off x="666750" y="4269719"/>
             <a:ext cx="12006905" cy="2037081"/>
           </a:xfrm>
@@ -4843,7 +4867,7 @@
           </a:prstGeom>
         </p:spPr>
         <p:txBody>
-          <a:bodyPr anchor="t" rtlCol="false" tIns="0" lIns="0" bIns="0" rIns="0">
+          <a:bodyPr lIns="0" tIns="0" rIns="0" bIns="0" rtlCol="0" anchor="t">
             <a:spAutoFit/>
           </a:bodyPr>
           <a:lstStyle/>
@@ -4866,31 +4890,19 @@
                 <a:cs typeface="Arial MT Pro"/>
                 <a:sym typeface="Arial MT Pro"/>
               </a:rPr>
-              <a:t>An 8-model comparison was run on the hyperlink features (without percentages). Rand</a:t>
-            </a:r>
-            <a:r>
-              <a:rPr lang="en-US" sz="2299" spc="-22">
-                <a:solidFill>
-                  <a:srgbClr val="2C3E50"/>
-                </a:solidFill>
-                <a:latin typeface="Arial MT Pro"/>
-                <a:ea typeface="Arial MT Pro"/>
-                <a:cs typeface="Arial MT Pro"/>
-                <a:sym typeface="Arial MT Pro"/>
-              </a:rPr>
-              <a:t>om Forest was the clear winner with 91.2% accuracy and an F1-Score of 88.88%. Naive Bayes performed very poorly (57.5% accuracy), indicating the features are not conditionally independent. A separate deep learning model (a simple ANN) was trained on the features with percentages. This achieved 87.2% accuracy.</a:t>
-            </a:r>
-          </a:p>
-        </p:txBody>
-      </p:sp>
-      <p:sp>
-        <p:nvSpPr>
-          <p:cNvPr name="TextBox 13" id="13"/>
-          <p:cNvSpPr txBox="true"/>
+              <a:t>An 8-model comparison was run on the hyperlink features (without percentages). Random Forest was the clear winner with 91.2% accuracy and an F1-Score of 88.88%. Naive Bayes performed very poorly (57.5% accuracy), indicating the features are not conditionally independent. A separate deep learning model (a simple ANN) was trained on the features with percentages. This achieved 87.2% accuracy.</a:t>
+            </a:r>
+          </a:p>
+        </p:txBody>
+      </p:sp>
+      <p:sp>
+        <p:nvSpPr>
+          <p:cNvPr id="13" name="TextBox 13"/>
+          <p:cNvSpPr txBox="1"/>
           <p:nvPr/>
         </p:nvSpPr>
         <p:spPr>
-          <a:xfrm rot="0">
+          <a:xfrm>
             <a:off x="666750" y="6340529"/>
             <a:ext cx="6670203" cy="396239"/>
           </a:xfrm>
@@ -4899,7 +4911,7 @@
           </a:prstGeom>
         </p:spPr>
         <p:txBody>
-          <a:bodyPr anchor="t" rtlCol="false" tIns="0" lIns="0" bIns="0" rIns="0">
+          <a:bodyPr lIns="0" tIns="0" rIns="0" bIns="0" rtlCol="0" anchor="t">
             <a:spAutoFit/>
           </a:bodyPr>
           <a:lstStyle/>
@@ -4910,7 +4922,7 @@
               </a:lnSpc>
             </a:pPr>
             <a:r>
-              <a:rPr lang="en-US" sz="2400" b="true">
+              <a:rPr lang="en-US" sz="2400" b="1">
                 <a:solidFill>
                   <a:srgbClr val="2C3E50"/>
                 </a:solidFill>
@@ -4926,12 +4938,12 @@
       </p:sp>
       <p:sp>
         <p:nvSpPr>
-          <p:cNvPr name="TextBox 14" id="14"/>
-          <p:cNvSpPr txBox="true"/>
+          <p:cNvPr id="14" name="TextBox 14"/>
+          <p:cNvSpPr txBox="1"/>
           <p:nvPr/>
         </p:nvSpPr>
         <p:spPr>
-          <a:xfrm rot="0">
+          <a:xfrm>
             <a:off x="666750" y="6691048"/>
             <a:ext cx="12006905" cy="2837181"/>
           </a:xfrm>
@@ -4940,7 +4952,7 @@
           </a:prstGeom>
         </p:spPr>
         <p:txBody>
-          <a:bodyPr anchor="t" rtlCol="false" tIns="0" lIns="0" bIns="0" rIns="0">
+          <a:bodyPr lIns="0" tIns="0" rIns="0" bIns="0" rtlCol="0" anchor="t">
             <a:spAutoFit/>
           </a:bodyPr>
           <a:lstStyle/>
@@ -4960,19 +4972,7 @@
                 <a:cs typeface="Arial MT Pro"/>
                 <a:sym typeface="Arial MT Pro"/>
               </a:rPr>
-              <a:t>A comparison on the </a:t>
-            </a:r>
-            <a:r>
-              <a:rPr lang="en-US" sz="2299" spc="-22">
-                <a:solidFill>
-                  <a:srgbClr val="2C3E50"/>
-                </a:solidFill>
-                <a:latin typeface="Arial MT Pro"/>
-                <a:ea typeface="Arial MT Pro"/>
-                <a:cs typeface="Arial MT Pro"/>
-                <a:sym typeface="Arial MT Pro"/>
-              </a:rPr>
-              <a:t>110-feature concatenated vectors showed that Random Forest was the top performer with an accuracy of 93.7 % accuracy and an F1-Score of 91.7 %.</a:t>
+              <a:t>A comparison on the 110-feature concatenated vectors showed that Random Forest was the top performer with an accuracy of 93.7 % accuracy and an F1-Score of 91.7 %.</a:t>
             </a:r>
           </a:p>
           <a:p>
@@ -5008,13 +5008,14 @@
 </file>
 
 <file path=ppt/slides/slide13.xml><?xml version="1.0" encoding="utf-8"?>
-<p:sld xmlns:p="http://schemas.openxmlformats.org/presentationml/2006/main" xmlns:a="http://schemas.openxmlformats.org/drawingml/2006/main">
+<p:sld xmlns:a="http://schemas.openxmlformats.org/drawingml/2006/main" xmlns:r="http://schemas.openxmlformats.org/officeDocument/2006/relationships" xmlns:p="http://schemas.openxmlformats.org/presentationml/2006/main">
   <p:cSld>
     <p:bg>
       <p:bgPr>
         <a:solidFill>
           <a:srgbClr val="F7F9FC"/>
         </a:solidFill>
+        <a:effectLst/>
       </p:bgPr>
     </p:bg>
     <p:spTree>
@@ -5033,12 +5034,12 @@
       </p:grpSpPr>
       <p:grpSp>
         <p:nvGrpSpPr>
-          <p:cNvPr name="Group 2" id="2"/>
+          <p:cNvPr id="2" name="Group 2"/>
           <p:cNvGrpSpPr/>
           <p:nvPr/>
         </p:nvGrpSpPr>
         <p:grpSpPr>
-          <a:xfrm rot="0">
+          <a:xfrm>
             <a:off x="15049500" y="0"/>
             <a:ext cx="3238500" cy="10287000"/>
             <a:chOff x="0" y="0"/>
@@ -5047,12 +5048,12 @@
         </p:grpSpPr>
         <p:sp>
           <p:nvSpPr>
-            <p:cNvPr name="Freeform 3" id="3"/>
+            <p:cNvPr id="3" name="Freeform 3"/>
             <p:cNvSpPr/>
             <p:nvPr/>
           </p:nvSpPr>
           <p:spPr>
-            <a:xfrm flipH="false" flipV="false" rot="0">
+            <a:xfrm>
               <a:off x="0" y="0"/>
               <a:ext cx="852938" cy="2709333"/>
             </a:xfrm>
@@ -5061,9 +5062,9 @@
               <a:gdLst/>
               <a:ahLst/>
               <a:cxnLst/>
-              <a:rect r="r" b="b" t="t" l="l"/>
+              <a:rect l="l" t="t" r="r" b="b"/>
               <a:pathLst>
-                <a:path h="2709333" w="852938">
+                <a:path w="852938" h="2709333">
                   <a:moveTo>
                     <a:pt x="0" y="0"/>
                   </a:moveTo>
@@ -5084,11 +5085,18 @@
               <a:srgbClr val="18BC9C"/>
             </a:solidFill>
           </p:spPr>
+          <p:txBody>
+            <a:bodyPr/>
+            <a:lstStyle/>
+            <a:p>
+              <a:endParaRPr lang="en-IN"/>
+            </a:p>
+          </p:txBody>
         </p:sp>
         <p:sp>
           <p:nvSpPr>
-            <p:cNvPr name="TextBox 4" id="4"/>
-            <p:cNvSpPr txBox="true"/>
+            <p:cNvPr id="4" name="TextBox 4"/>
+            <p:cNvSpPr txBox="1"/>
             <p:nvPr/>
           </p:nvSpPr>
           <p:spPr>
@@ -5101,21 +5109,22 @@
             </a:prstGeom>
           </p:spPr>
           <p:txBody>
-            <a:bodyPr anchor="ctr" rtlCol="false" tIns="50800" lIns="50800" bIns="50800" rIns="50800"/>
+            <a:bodyPr lIns="50800" tIns="50800" rIns="50800" bIns="50800" rtlCol="0" anchor="ctr"/>
             <a:lstStyle/>
             <a:p>
-              <a:pPr algn="ctr" marL="0" indent="0" lvl="0">
+              <a:pPr marL="0" lvl="0" indent="0" algn="ctr">
                 <a:lnSpc>
                   <a:spcPts val="2800"/>
                 </a:lnSpc>
               </a:pPr>
+              <a:endParaRPr/>
             </a:p>
           </p:txBody>
         </p:sp>
       </p:grpSp>
       <p:sp>
         <p:nvSpPr>
-          <p:cNvPr name="AutoShape 5" id="5"/>
+          <p:cNvPr id="5" name="AutoShape 5"/>
           <p:cNvSpPr/>
           <p:nvPr/>
         </p:nvSpPr>
@@ -5127,24 +5136,31 @@
           <a:prstGeom prst="line">
             <a:avLst/>
           </a:prstGeom>
-          <a:ln cap="flat" w="9525">
+          <a:ln w="9525" cap="flat">
             <a:solidFill>
               <a:srgbClr val="2C3E50"/>
             </a:solidFill>
             <a:prstDash val="solid"/>
-            <a:headEnd type="none" len="sm" w="sm"/>
-            <a:tailEnd type="none" len="sm" w="sm"/>
+            <a:headEnd type="none" w="sm" len="sm"/>
+            <a:tailEnd type="none" w="sm" len="sm"/>
           </a:ln>
         </p:spPr>
+        <p:txBody>
+          <a:bodyPr/>
+          <a:lstStyle/>
+          <a:p>
+            <a:endParaRPr lang="en-IN"/>
+          </a:p>
+        </p:txBody>
       </p:sp>
       <p:grpSp>
         <p:nvGrpSpPr>
-          <p:cNvPr name="Group 6" id="6"/>
+          <p:cNvPr id="6" name="Group 6"/>
           <p:cNvGrpSpPr/>
           <p:nvPr/>
         </p:nvGrpSpPr>
         <p:grpSpPr>
-          <a:xfrm rot="0">
+          <a:xfrm>
             <a:off x="666750" y="693399"/>
             <a:ext cx="12639675" cy="1764030"/>
             <a:chOff x="0" y="0"/>
@@ -5153,12 +5169,12 @@
         </p:grpSpPr>
         <p:sp>
           <p:nvSpPr>
-            <p:cNvPr name="TextBox 7" id="7"/>
-            <p:cNvSpPr txBox="true"/>
+            <p:cNvPr id="7" name="TextBox 7"/>
+            <p:cNvSpPr txBox="1"/>
             <p:nvPr/>
           </p:nvSpPr>
           <p:spPr>
-            <a:xfrm rot="0">
+            <a:xfrm>
               <a:off x="0" y="-19050"/>
               <a:ext cx="16852900" cy="1432984"/>
             </a:xfrm>
@@ -5167,18 +5183,18 @@
             </a:prstGeom>
           </p:spPr>
           <p:txBody>
-            <a:bodyPr anchor="t" rtlCol="false" tIns="0" lIns="0" bIns="0" rIns="0">
+            <a:bodyPr lIns="0" tIns="0" rIns="0" bIns="0" rtlCol="0" anchor="t">
               <a:spAutoFit/>
             </a:bodyPr>
             <a:lstStyle/>
             <a:p>
-              <a:pPr algn="l" marL="0" indent="0" lvl="0">
+              <a:pPr marL="0" lvl="0" indent="0" algn="l">
                 <a:lnSpc>
                   <a:spcPts val="7700"/>
                 </a:lnSpc>
               </a:pPr>
               <a:r>
-                <a:rPr lang="en-US" b="true" sz="7000" spc="-70">
+                <a:rPr lang="en-US" sz="7000" b="1" spc="-70">
                   <a:solidFill>
                     <a:srgbClr val="2C3E50"/>
                   </a:solidFill>
@@ -5194,12 +5210,12 @@
         </p:sp>
         <p:sp>
           <p:nvSpPr>
-            <p:cNvPr name="TextBox 8" id="8"/>
-            <p:cNvSpPr txBox="true"/>
+            <p:cNvPr id="8" name="TextBox 8"/>
+            <p:cNvSpPr txBox="1"/>
             <p:nvPr/>
           </p:nvSpPr>
           <p:spPr>
-            <a:xfrm rot="0">
+            <a:xfrm>
               <a:off x="0" y="1769534"/>
               <a:ext cx="16852900" cy="582507"/>
             </a:xfrm>
@@ -5208,18 +5224,18 @@
             </a:prstGeom>
           </p:spPr>
           <p:txBody>
-            <a:bodyPr anchor="t" rtlCol="false" tIns="0" lIns="0" bIns="0" rIns="0">
+            <a:bodyPr lIns="0" tIns="0" rIns="0" bIns="0" rtlCol="0" anchor="t">
               <a:spAutoFit/>
             </a:bodyPr>
             <a:lstStyle/>
             <a:p>
-              <a:pPr algn="l" marL="0" indent="0" lvl="0">
+              <a:pPr marL="0" lvl="0" indent="0" algn="l">
                 <a:lnSpc>
                   <a:spcPts val="3190"/>
                 </a:lnSpc>
               </a:pPr>
               <a:r>
-                <a:rPr lang="en-US" b="true" sz="2900" spc="-29">
+                <a:rPr lang="en-US" sz="2900" b="1" spc="-29">
                   <a:solidFill>
                     <a:srgbClr val="2C3E50"/>
                   </a:solidFill>
@@ -5236,12 +5252,12 @@
       </p:grpSp>
       <p:sp>
         <p:nvSpPr>
-          <p:cNvPr name="TextBox 9" id="9"/>
-          <p:cNvSpPr txBox="true"/>
+          <p:cNvPr id="9" name="TextBox 9"/>
+          <p:cNvSpPr txBox="1"/>
           <p:nvPr/>
         </p:nvSpPr>
         <p:spPr>
-          <a:xfrm rot="0">
+          <a:xfrm>
             <a:off x="666750" y="2594020"/>
             <a:ext cx="12006905" cy="4837431"/>
           </a:xfrm>
@@ -5250,7 +5266,7 @@
           </a:prstGeom>
         </p:spPr>
         <p:txBody>
-          <a:bodyPr anchor="t" rtlCol="false" tIns="0" lIns="0" bIns="0" rIns="0">
+          <a:bodyPr lIns="0" tIns="0" rIns="0" bIns="0" rtlCol="0" anchor="t">
             <a:spAutoFit/>
           </a:bodyPr>
           <a:lstStyle/>
@@ -5279,6 +5295,15 @@
                 <a:spcPts val="3219"/>
               </a:lnSpc>
             </a:pPr>
+            <a:endParaRPr lang="en-US" sz="2299" spc="-22">
+              <a:solidFill>
+                <a:srgbClr val="2C3E50"/>
+              </a:solidFill>
+              <a:latin typeface="Arial MT Pro"/>
+              <a:ea typeface="Arial MT Pro"/>
+              <a:cs typeface="Arial MT Pro"/>
+              <a:sym typeface="Arial MT Pro"/>
+            </a:endParaRPr>
           </a:p>
           <a:p>
             <a:pPr algn="just">
@@ -5299,19 +5324,7 @@
                 <a:cs typeface="Arial MT Pro"/>
                 <a:sym typeface="Arial MT Pro"/>
               </a:rPr>
-              <a:t>A key finding of this report is the remarkable standalone performance of deep learning models. The Content-Based BiGRU (97.8%) and the URL-Based CNN (95%) both performed at a level comparable to, or even exceeding, the final hybr</a:t>
-            </a:r>
-            <a:r>
-              <a:rPr lang="en-US" sz="2299" spc="-22">
-                <a:solidFill>
-                  <a:srgbClr val="2C3E50"/>
-                </a:solidFill>
-                <a:latin typeface="Arial MT Pro"/>
-                <a:ea typeface="Arial MT Pro"/>
-                <a:cs typeface="Arial MT Pro"/>
-                <a:sym typeface="Arial MT Pro"/>
-              </a:rPr>
-              <a:t>id model (96.32%). The most significant insight from our work is the apparent feature redundancy. The standalone performance of the BiGRU and CNN models suggests that these deep learning architectures are implicitly learning the same complex patterns that we sought to capture manually with heuristic and structural features.</a:t>
+              <a:t>A key finding of this report is the remarkable standalone performance of deep learning models. The Content-Based BiGRU (97.8%) and the URL-Based CNN (95%) both performed at a level comparable to, or even exceeding, the final hybrid model (96.32%). The most significant insight from our work is the apparent feature redundancy. The standalone performance of the BiGRU and CNN models suggests that these deep learning architectures are implicitly learning the same complex patterns that we sought to capture manually with heuristic and structural features.</a:t>
             </a:r>
           </a:p>
         </p:txBody>
@@ -5325,13 +5338,14 @@
 </file>
 
 <file path=ppt/slides/slide14.xml><?xml version="1.0" encoding="utf-8"?>
-<p:sld xmlns:p="http://schemas.openxmlformats.org/presentationml/2006/main" xmlns:a="http://schemas.openxmlformats.org/drawingml/2006/main">
+<p:sld xmlns:a="http://schemas.openxmlformats.org/drawingml/2006/main" xmlns:r="http://schemas.openxmlformats.org/officeDocument/2006/relationships" xmlns:p="http://schemas.openxmlformats.org/presentationml/2006/main">
   <p:cSld>
     <p:bg>
       <p:bgPr>
         <a:solidFill>
           <a:srgbClr val="F7F9FC"/>
         </a:solidFill>
+        <a:effectLst/>
       </p:bgPr>
     </p:bg>
     <p:spTree>
@@ -5350,12 +5364,12 @@
       </p:grpSpPr>
       <p:grpSp>
         <p:nvGrpSpPr>
-          <p:cNvPr name="Group 2" id="2"/>
+          <p:cNvPr id="2" name="Group 2"/>
           <p:cNvGrpSpPr/>
           <p:nvPr/>
         </p:nvGrpSpPr>
         <p:grpSpPr>
-          <a:xfrm rot="0">
+          <a:xfrm>
             <a:off x="15049500" y="0"/>
             <a:ext cx="3238500" cy="10287000"/>
             <a:chOff x="0" y="0"/>
@@ -5364,12 +5378,12 @@
         </p:grpSpPr>
         <p:sp>
           <p:nvSpPr>
-            <p:cNvPr name="Freeform 3" id="3"/>
+            <p:cNvPr id="3" name="Freeform 3"/>
             <p:cNvSpPr/>
             <p:nvPr/>
           </p:nvSpPr>
           <p:spPr>
-            <a:xfrm flipH="false" flipV="false" rot="0">
+            <a:xfrm>
               <a:off x="0" y="0"/>
               <a:ext cx="852938" cy="2709333"/>
             </a:xfrm>
@@ -5378,9 +5392,9 @@
               <a:gdLst/>
               <a:ahLst/>
               <a:cxnLst/>
-              <a:rect r="r" b="b" t="t" l="l"/>
+              <a:rect l="l" t="t" r="r" b="b"/>
               <a:pathLst>
-                <a:path h="2709333" w="852938">
+                <a:path w="852938" h="2709333">
                   <a:moveTo>
                     <a:pt x="0" y="0"/>
                   </a:moveTo>
@@ -5401,11 +5415,18 @@
               <a:srgbClr val="18BC9C"/>
             </a:solidFill>
           </p:spPr>
+          <p:txBody>
+            <a:bodyPr/>
+            <a:lstStyle/>
+            <a:p>
+              <a:endParaRPr lang="en-IN"/>
+            </a:p>
+          </p:txBody>
         </p:sp>
         <p:sp>
           <p:nvSpPr>
-            <p:cNvPr name="TextBox 4" id="4"/>
-            <p:cNvSpPr txBox="true"/>
+            <p:cNvPr id="4" name="TextBox 4"/>
+            <p:cNvSpPr txBox="1"/>
             <p:nvPr/>
           </p:nvSpPr>
           <p:spPr>
@@ -5418,21 +5439,22 @@
             </a:prstGeom>
           </p:spPr>
           <p:txBody>
-            <a:bodyPr anchor="ctr" rtlCol="false" tIns="50800" lIns="50800" bIns="50800" rIns="50800"/>
+            <a:bodyPr lIns="50800" tIns="50800" rIns="50800" bIns="50800" rtlCol="0" anchor="ctr"/>
             <a:lstStyle/>
             <a:p>
-              <a:pPr algn="ctr" marL="0" indent="0" lvl="0">
+              <a:pPr marL="0" lvl="0" indent="0" algn="ctr">
                 <a:lnSpc>
                   <a:spcPts val="2800"/>
                 </a:lnSpc>
               </a:pPr>
+              <a:endParaRPr/>
             </a:p>
           </p:txBody>
         </p:sp>
       </p:grpSp>
       <p:sp>
         <p:nvSpPr>
-          <p:cNvPr name="AutoShape 5" id="5"/>
+          <p:cNvPr id="5" name="AutoShape 5"/>
           <p:cNvSpPr/>
           <p:nvPr/>
         </p:nvSpPr>
@@ -5444,24 +5466,31 @@
           <a:prstGeom prst="line">
             <a:avLst/>
           </a:prstGeom>
-          <a:ln cap="flat" w="9525">
+          <a:ln w="9525" cap="flat">
             <a:solidFill>
               <a:srgbClr val="2C3E50"/>
             </a:solidFill>
             <a:prstDash val="solid"/>
-            <a:headEnd type="none" len="sm" w="sm"/>
-            <a:tailEnd type="none" len="sm" w="sm"/>
+            <a:headEnd type="none" w="sm" len="sm"/>
+            <a:tailEnd type="none" w="sm" len="sm"/>
           </a:ln>
         </p:spPr>
-      </p:sp>
-      <p:sp>
-        <p:nvSpPr>
-          <p:cNvPr name="TextBox 6" id="6"/>
-          <p:cNvSpPr txBox="true"/>
+        <p:txBody>
+          <a:bodyPr/>
+          <a:lstStyle/>
+          <a:p>
+            <a:endParaRPr lang="en-IN"/>
+          </a:p>
+        </p:txBody>
+      </p:sp>
+      <p:sp>
+        <p:nvSpPr>
+          <p:cNvPr id="6" name="TextBox 6"/>
+          <p:cNvSpPr txBox="1"/>
           <p:nvPr/>
         </p:nvSpPr>
         <p:spPr>
-          <a:xfrm rot="0">
+          <a:xfrm>
             <a:off x="666750" y="674349"/>
             <a:ext cx="12639675" cy="1079500"/>
           </a:xfrm>
@@ -5470,18 +5499,18 @@
           </a:prstGeom>
         </p:spPr>
         <p:txBody>
-          <a:bodyPr anchor="t" rtlCol="false" tIns="0" lIns="0" bIns="0" rIns="0">
+          <a:bodyPr lIns="0" tIns="0" rIns="0" bIns="0" rtlCol="0" anchor="t">
             <a:spAutoFit/>
           </a:bodyPr>
           <a:lstStyle/>
           <a:p>
-            <a:pPr algn="l" marL="0" indent="0" lvl="0">
+            <a:pPr marL="0" lvl="0" indent="0" algn="l">
               <a:lnSpc>
                 <a:spcPts val="7700"/>
               </a:lnSpc>
             </a:pPr>
             <a:r>
-              <a:rPr lang="en-US" b="true" sz="7000" spc="-70">
+              <a:rPr lang="en-US" sz="7000" b="1" spc="-70">
                 <a:solidFill>
                   <a:srgbClr val="2C3E50"/>
                 </a:solidFill>
@@ -5497,12 +5526,12 @@
       </p:sp>
       <p:sp>
         <p:nvSpPr>
-          <p:cNvPr name="TextBox 7" id="7"/>
-          <p:cNvSpPr txBox="true"/>
+          <p:cNvPr id="7" name="TextBox 7"/>
+          <p:cNvSpPr txBox="1"/>
           <p:nvPr/>
         </p:nvSpPr>
         <p:spPr>
-          <a:xfrm rot="0">
+          <a:xfrm>
             <a:off x="666750" y="1658600"/>
             <a:ext cx="12006905" cy="6437631"/>
           </a:xfrm>
@@ -5511,16 +5540,16 @@
           </a:prstGeom>
         </p:spPr>
         <p:txBody>
-          <a:bodyPr anchor="t" rtlCol="false" tIns="0" lIns="0" bIns="0" rIns="0">
+          <a:bodyPr lIns="0" tIns="0" rIns="0" bIns="0" rtlCol="0" anchor="t">
             <a:spAutoFit/>
           </a:bodyPr>
           <a:lstStyle/>
           <a:p>
-            <a:pPr algn="just" marL="496564" indent="-248282" lvl="1">
+            <a:pPr marL="496564" lvl="1" indent="-248282" algn="just">
               <a:lnSpc>
                 <a:spcPts val="3219"/>
               </a:lnSpc>
-              <a:buAutoNum type="arabicPeriod" startAt="1"/>
+              <a:buAutoNum type="arabicPeriod"/>
             </a:pPr>
             <a:r>
               <a:rPr lang="en-US" sz="2299" spc="-22">
@@ -5536,11 +5565,11 @@
             </a:r>
           </a:p>
           <a:p>
-            <a:pPr algn="just" marL="496564" indent="-248282" lvl="1">
+            <a:pPr marL="496564" lvl="1" indent="-248282" algn="just">
               <a:lnSpc>
                 <a:spcPts val="3219"/>
               </a:lnSpc>
-              <a:buAutoNum type="arabicPeriod" startAt="1"/>
+              <a:buAutoNum type="arabicPeriod"/>
             </a:pPr>
             <a:r>
               <a:rPr lang="en-US" sz="2299" spc="-22">
@@ -5556,11 +5585,11 @@
             </a:r>
           </a:p>
           <a:p>
-            <a:pPr algn="just" marL="496564" indent="-248282" lvl="1">
+            <a:pPr marL="496564" lvl="1" indent="-248282" algn="just">
               <a:lnSpc>
                 <a:spcPts val="3219"/>
               </a:lnSpc>
-              <a:buAutoNum type="arabicPeriod" startAt="1"/>
+              <a:buAutoNum type="arabicPeriod"/>
             </a:pPr>
             <a:r>
               <a:rPr lang="en-US" sz="2299" spc="-22">
@@ -5576,11 +5605,11 @@
             </a:r>
           </a:p>
           <a:p>
-            <a:pPr algn="just" marL="496564" indent="-248282" lvl="1">
+            <a:pPr marL="496564" lvl="1" indent="-248282" algn="just">
               <a:lnSpc>
                 <a:spcPts val="3219"/>
               </a:lnSpc>
-              <a:buAutoNum type="arabicPeriod" startAt="1"/>
+              <a:buAutoNum type="arabicPeriod"/>
             </a:pPr>
             <a:r>
               <a:rPr lang="en-US" sz="2299" spc="-22">
@@ -5596,14 +5625,14 @@
             </a:r>
           </a:p>
           <a:p>
-            <a:pPr algn="just" marL="496564" indent="-248282" lvl="1">
+            <a:pPr marL="496564" lvl="1" indent="-248282" algn="just">
               <a:lnSpc>
                 <a:spcPts val="3219"/>
               </a:lnSpc>
               <a:spcBef>
                 <a:spcPct val="0"/>
               </a:spcBef>
-              <a:buAutoNum type="arabicPeriod" startAt="1"/>
+              <a:buAutoNum type="arabicPeriod"/>
             </a:pPr>
             <a:r>
               <a:rPr lang="en-US" sz="2299" spc="-22">
@@ -5629,13 +5658,14 @@
 </file>
 
 <file path=ppt/slides/slide2.xml><?xml version="1.0" encoding="utf-8"?>
-<p:sld xmlns:p="http://schemas.openxmlformats.org/presentationml/2006/main" xmlns:a="http://schemas.openxmlformats.org/drawingml/2006/main" xmlns:r="http://schemas.openxmlformats.org/officeDocument/2006/relationships">
+<p:sld xmlns:a="http://schemas.openxmlformats.org/drawingml/2006/main" xmlns:r="http://schemas.openxmlformats.org/officeDocument/2006/relationships" xmlns:p="http://schemas.openxmlformats.org/presentationml/2006/main">
   <p:cSld>
     <p:bg>
       <p:bgPr>
         <a:solidFill>
           <a:srgbClr val="F7F9FC"/>
         </a:solidFill>
+        <a:effectLst/>
       </p:bgPr>
     </p:bg>
     <p:spTree>
@@ -5654,12 +5684,12 @@
       </p:grpSpPr>
       <p:grpSp>
         <p:nvGrpSpPr>
-          <p:cNvPr name="Group 2" id="2"/>
+          <p:cNvPr id="2" name="Group 2"/>
           <p:cNvGrpSpPr/>
           <p:nvPr/>
         </p:nvGrpSpPr>
         <p:grpSpPr>
-          <a:xfrm rot="0">
+          <a:xfrm>
             <a:off x="15049500" y="0"/>
             <a:ext cx="3238500" cy="10287000"/>
             <a:chOff x="0" y="0"/>
@@ -5668,12 +5698,12 @@
         </p:grpSpPr>
         <p:sp>
           <p:nvSpPr>
-            <p:cNvPr name="Freeform 3" id="3"/>
+            <p:cNvPr id="3" name="Freeform 3"/>
             <p:cNvSpPr/>
             <p:nvPr/>
           </p:nvSpPr>
           <p:spPr>
-            <a:xfrm flipH="false" flipV="false" rot="0">
+            <a:xfrm>
               <a:off x="0" y="0"/>
               <a:ext cx="852938" cy="2709333"/>
             </a:xfrm>
@@ -5682,9 +5712,9 @@
               <a:gdLst/>
               <a:ahLst/>
               <a:cxnLst/>
-              <a:rect r="r" b="b" t="t" l="l"/>
+              <a:rect l="l" t="t" r="r" b="b"/>
               <a:pathLst>
-                <a:path h="2709333" w="852938">
+                <a:path w="852938" h="2709333">
                   <a:moveTo>
                     <a:pt x="0" y="0"/>
                   </a:moveTo>
@@ -5705,11 +5735,18 @@
               <a:srgbClr val="18BC9C"/>
             </a:solidFill>
           </p:spPr>
+          <p:txBody>
+            <a:bodyPr/>
+            <a:lstStyle/>
+            <a:p>
+              <a:endParaRPr lang="en-IN"/>
+            </a:p>
+          </p:txBody>
         </p:sp>
         <p:sp>
           <p:nvSpPr>
-            <p:cNvPr name="TextBox 4" id="4"/>
-            <p:cNvSpPr txBox="true"/>
+            <p:cNvPr id="4" name="TextBox 4"/>
+            <p:cNvSpPr txBox="1"/>
             <p:nvPr/>
           </p:nvSpPr>
           <p:spPr>
@@ -5722,21 +5759,22 @@
             </a:prstGeom>
           </p:spPr>
           <p:txBody>
-            <a:bodyPr anchor="ctr" rtlCol="false" tIns="50800" lIns="50800" bIns="50800" rIns="50800"/>
+            <a:bodyPr lIns="50800" tIns="50800" rIns="50800" bIns="50800" rtlCol="0" anchor="ctr"/>
             <a:lstStyle/>
             <a:p>
-              <a:pPr algn="ctr" marL="0" indent="0" lvl="0">
+              <a:pPr marL="0" lvl="0" indent="0" algn="ctr">
                 <a:lnSpc>
                   <a:spcPts val="2800"/>
                 </a:lnSpc>
               </a:pPr>
+              <a:endParaRPr/>
             </a:p>
           </p:txBody>
         </p:sp>
       </p:grpSp>
       <p:sp>
         <p:nvSpPr>
-          <p:cNvPr name="AutoShape 5" id="5"/>
+          <p:cNvPr id="5" name="AutoShape 5"/>
           <p:cNvSpPr/>
           <p:nvPr/>
         </p:nvSpPr>
@@ -5748,24 +5786,31 @@
           <a:prstGeom prst="line">
             <a:avLst/>
           </a:prstGeom>
-          <a:ln cap="flat" w="9525">
+          <a:ln w="9525" cap="flat">
             <a:solidFill>
               <a:srgbClr val="2C3E50"/>
             </a:solidFill>
             <a:prstDash val="solid"/>
-            <a:headEnd type="none" len="sm" w="sm"/>
-            <a:tailEnd type="none" len="sm" w="sm"/>
+            <a:headEnd type="none" w="sm" len="sm"/>
+            <a:tailEnd type="none" w="sm" len="sm"/>
           </a:ln>
         </p:spPr>
-      </p:sp>
-      <p:sp>
-        <p:nvSpPr>
-          <p:cNvPr name="Freeform 6" id="6"/>
+        <p:txBody>
+          <a:bodyPr/>
+          <a:lstStyle/>
+          <a:p>
+            <a:endParaRPr lang="en-IN"/>
+          </a:p>
+        </p:txBody>
+      </p:sp>
+      <p:sp>
+        <p:nvSpPr>
+          <p:cNvPr id="6" name="Freeform 6"/>
           <p:cNvSpPr/>
           <p:nvPr/>
         </p:nvSpPr>
         <p:spPr>
-          <a:xfrm flipH="false" flipV="false" rot="0">
+          <a:xfrm>
             <a:off x="666750" y="4080637"/>
             <a:ext cx="14382750" cy="3775472"/>
           </a:xfrm>
@@ -5774,9 +5819,9 @@
             <a:gdLst/>
             <a:ahLst/>
             <a:cxnLst/>
-            <a:rect r="r" b="b" t="t" l="l"/>
+            <a:rect l="l" t="t" r="r" b="b"/>
             <a:pathLst>
-              <a:path h="3775472" w="14382750">
+              <a:path w="14382750" h="3775472">
                 <a:moveTo>
                   <a:pt x="0" y="0"/>
                 </a:moveTo>
@@ -5799,19 +5844,26 @@
           <a:blipFill>
             <a:blip r:embed="rId2"/>
             <a:stretch>
-              <a:fillRect l="0" t="0" r="0" b="0"/>
+              <a:fillRect/>
             </a:stretch>
           </a:blipFill>
         </p:spPr>
+        <p:txBody>
+          <a:bodyPr/>
+          <a:lstStyle/>
+          <a:p>
+            <a:endParaRPr lang="en-IN"/>
+          </a:p>
+        </p:txBody>
       </p:sp>
       <p:grpSp>
         <p:nvGrpSpPr>
-          <p:cNvPr name="Group 7" id="7"/>
+          <p:cNvPr id="7" name="Group 7"/>
           <p:cNvGrpSpPr/>
           <p:nvPr/>
         </p:nvGrpSpPr>
         <p:grpSpPr>
-          <a:xfrm rot="0">
+          <a:xfrm>
             <a:off x="666750" y="683081"/>
             <a:ext cx="12639675" cy="1774349"/>
             <a:chOff x="0" y="0"/>
@@ -5820,12 +5872,12 @@
         </p:grpSpPr>
         <p:sp>
           <p:nvSpPr>
-            <p:cNvPr name="TextBox 8" id="8"/>
-            <p:cNvSpPr txBox="true"/>
+            <p:cNvPr id="8" name="TextBox 8"/>
+            <p:cNvSpPr txBox="1"/>
             <p:nvPr/>
           </p:nvSpPr>
           <p:spPr>
-            <a:xfrm rot="0">
+            <a:xfrm>
               <a:off x="0" y="-19050"/>
               <a:ext cx="16852900" cy="1432984"/>
             </a:xfrm>
@@ -5834,18 +5886,18 @@
             </a:prstGeom>
           </p:spPr>
           <p:txBody>
-            <a:bodyPr anchor="t" rtlCol="false" tIns="0" lIns="0" bIns="0" rIns="0">
+            <a:bodyPr lIns="0" tIns="0" rIns="0" bIns="0" rtlCol="0" anchor="t">
               <a:spAutoFit/>
             </a:bodyPr>
             <a:lstStyle/>
             <a:p>
-              <a:pPr algn="l" marL="0" indent="0" lvl="0">
+              <a:pPr marL="0" lvl="0" indent="0" algn="l">
                 <a:lnSpc>
                   <a:spcPts val="7700"/>
                 </a:lnSpc>
               </a:pPr>
               <a:r>
-                <a:rPr lang="en-US" b="true" sz="7000" spc="-70">
+                <a:rPr lang="en-US" sz="7000" b="1" spc="-70">
                   <a:solidFill>
                     <a:srgbClr val="2C3E50"/>
                   </a:solidFill>
@@ -5861,12 +5913,12 @@
         </p:sp>
         <p:sp>
           <p:nvSpPr>
-            <p:cNvPr name="TextBox 9" id="9"/>
-            <p:cNvSpPr txBox="true"/>
+            <p:cNvPr id="9" name="TextBox 9"/>
+            <p:cNvSpPr txBox="1"/>
             <p:nvPr/>
           </p:nvSpPr>
           <p:spPr>
-            <a:xfrm rot="0">
+            <a:xfrm>
               <a:off x="0" y="1760009"/>
               <a:ext cx="16852900" cy="605790"/>
             </a:xfrm>
@@ -5875,18 +5927,18 @@
             </a:prstGeom>
           </p:spPr>
           <p:txBody>
-            <a:bodyPr anchor="t" rtlCol="false" tIns="0" lIns="0" bIns="0" rIns="0">
+            <a:bodyPr lIns="0" tIns="0" rIns="0" bIns="0" rtlCol="0" anchor="t">
               <a:spAutoFit/>
             </a:bodyPr>
             <a:lstStyle/>
             <a:p>
-              <a:pPr algn="l" marL="0" indent="0" lvl="0">
+              <a:pPr marL="0" lvl="0" indent="0" algn="l">
                 <a:lnSpc>
                   <a:spcPts val="3258"/>
                 </a:lnSpc>
               </a:pPr>
               <a:r>
-                <a:rPr lang="en-US" b="true" sz="2962" spc="-29">
+                <a:rPr lang="en-US" sz="2962" b="1" spc="-29">
                   <a:solidFill>
                     <a:srgbClr val="2C3E50"/>
                   </a:solidFill>
@@ -5910,13 +5962,14 @@
 </file>
 
 <file path=ppt/slides/slide3.xml><?xml version="1.0" encoding="utf-8"?>
-<p:sld xmlns:p="http://schemas.openxmlformats.org/presentationml/2006/main" xmlns:a="http://schemas.openxmlformats.org/drawingml/2006/main">
+<p:sld xmlns:a="http://schemas.openxmlformats.org/drawingml/2006/main" xmlns:r="http://schemas.openxmlformats.org/officeDocument/2006/relationships" xmlns:p="http://schemas.openxmlformats.org/presentationml/2006/main">
   <p:cSld>
     <p:bg>
       <p:bgPr>
         <a:solidFill>
           <a:srgbClr val="F7F9FC"/>
         </a:solidFill>
+        <a:effectLst/>
       </p:bgPr>
     </p:bg>
     <p:spTree>
@@ -5935,12 +5988,12 @@
       </p:grpSpPr>
       <p:grpSp>
         <p:nvGrpSpPr>
-          <p:cNvPr name="Group 2" id="2"/>
+          <p:cNvPr id="2" name="Group 2"/>
           <p:cNvGrpSpPr/>
           <p:nvPr/>
         </p:nvGrpSpPr>
         <p:grpSpPr>
-          <a:xfrm rot="0">
+          <a:xfrm>
             <a:off x="666750" y="693399"/>
             <a:ext cx="12639675" cy="1764030"/>
             <a:chOff x="0" y="0"/>
@@ -5949,12 +6002,12 @@
         </p:grpSpPr>
         <p:sp>
           <p:nvSpPr>
-            <p:cNvPr name="TextBox 3" id="3"/>
-            <p:cNvSpPr txBox="true"/>
+            <p:cNvPr id="3" name="TextBox 3"/>
+            <p:cNvSpPr txBox="1"/>
             <p:nvPr/>
           </p:nvSpPr>
           <p:spPr>
-            <a:xfrm rot="0">
+            <a:xfrm>
               <a:off x="0" y="-19050"/>
               <a:ext cx="16852900" cy="1432984"/>
             </a:xfrm>
@@ -5963,18 +6016,18 @@
             </a:prstGeom>
           </p:spPr>
           <p:txBody>
-            <a:bodyPr anchor="t" rtlCol="false" tIns="0" lIns="0" bIns="0" rIns="0">
+            <a:bodyPr lIns="0" tIns="0" rIns="0" bIns="0" rtlCol="0" anchor="t">
               <a:spAutoFit/>
             </a:bodyPr>
             <a:lstStyle/>
             <a:p>
-              <a:pPr algn="l" marL="0" indent="0" lvl="0">
+              <a:pPr marL="0" lvl="0" indent="0" algn="l">
                 <a:lnSpc>
                   <a:spcPts val="7700"/>
                 </a:lnSpc>
               </a:pPr>
               <a:r>
-                <a:rPr lang="en-US" b="true" sz="7000" spc="-70">
+                <a:rPr lang="en-US" sz="7000" b="1" spc="-70">
                   <a:solidFill>
                     <a:srgbClr val="2C3E50"/>
                   </a:solidFill>
@@ -5990,12 +6043,12 @@
         </p:sp>
         <p:sp>
           <p:nvSpPr>
-            <p:cNvPr name="TextBox 4" id="4"/>
-            <p:cNvSpPr txBox="true"/>
+            <p:cNvPr id="4" name="TextBox 4"/>
+            <p:cNvSpPr txBox="1"/>
             <p:nvPr/>
           </p:nvSpPr>
           <p:spPr>
-            <a:xfrm rot="0">
+            <a:xfrm>
               <a:off x="0" y="1769534"/>
               <a:ext cx="16852900" cy="582507"/>
             </a:xfrm>
@@ -6004,18 +6057,18 @@
             </a:prstGeom>
           </p:spPr>
           <p:txBody>
-            <a:bodyPr anchor="t" rtlCol="false" tIns="0" lIns="0" bIns="0" rIns="0">
+            <a:bodyPr lIns="0" tIns="0" rIns="0" bIns="0" rtlCol="0" anchor="t">
               <a:spAutoFit/>
             </a:bodyPr>
             <a:lstStyle/>
             <a:p>
-              <a:pPr algn="l" marL="0" indent="0" lvl="0">
+              <a:pPr marL="0" lvl="0" indent="0" algn="l">
                 <a:lnSpc>
                   <a:spcPts val="3190"/>
                 </a:lnSpc>
               </a:pPr>
               <a:r>
-                <a:rPr lang="en-US" b="true" sz="2900" spc="-29">
+                <a:rPr lang="en-US" sz="2900" b="1" spc="-29">
                   <a:solidFill>
                     <a:srgbClr val="2C3E50"/>
                   </a:solidFill>
@@ -6032,12 +6085,12 @@
       </p:grpSp>
       <p:grpSp>
         <p:nvGrpSpPr>
-          <p:cNvPr name="Group 5" id="5"/>
+          <p:cNvPr id="5" name="Group 5"/>
           <p:cNvGrpSpPr/>
           <p:nvPr/>
         </p:nvGrpSpPr>
         <p:grpSpPr>
-          <a:xfrm rot="0">
+          <a:xfrm>
             <a:off x="15049500" y="0"/>
             <a:ext cx="3238500" cy="10287000"/>
             <a:chOff x="0" y="0"/>
@@ -6046,12 +6099,12 @@
         </p:grpSpPr>
         <p:sp>
           <p:nvSpPr>
-            <p:cNvPr name="Freeform 6" id="6"/>
+            <p:cNvPr id="6" name="Freeform 6"/>
             <p:cNvSpPr/>
             <p:nvPr/>
           </p:nvSpPr>
           <p:spPr>
-            <a:xfrm flipH="false" flipV="false" rot="0">
+            <a:xfrm>
               <a:off x="0" y="0"/>
               <a:ext cx="852938" cy="2709333"/>
             </a:xfrm>
@@ -6060,9 +6113,9 @@
               <a:gdLst/>
               <a:ahLst/>
               <a:cxnLst/>
-              <a:rect r="r" b="b" t="t" l="l"/>
+              <a:rect l="l" t="t" r="r" b="b"/>
               <a:pathLst>
-                <a:path h="2709333" w="852938">
+                <a:path w="852938" h="2709333">
                   <a:moveTo>
                     <a:pt x="0" y="0"/>
                   </a:moveTo>
@@ -6083,11 +6136,18 @@
               <a:srgbClr val="18BC9C"/>
             </a:solidFill>
           </p:spPr>
+          <p:txBody>
+            <a:bodyPr/>
+            <a:lstStyle/>
+            <a:p>
+              <a:endParaRPr lang="en-IN"/>
+            </a:p>
+          </p:txBody>
         </p:sp>
         <p:sp>
           <p:nvSpPr>
-            <p:cNvPr name="TextBox 7" id="7"/>
-            <p:cNvSpPr txBox="true"/>
+            <p:cNvPr id="7" name="TextBox 7"/>
+            <p:cNvSpPr txBox="1"/>
             <p:nvPr/>
           </p:nvSpPr>
           <p:spPr>
@@ -6100,21 +6160,22 @@
             </a:prstGeom>
           </p:spPr>
           <p:txBody>
-            <a:bodyPr anchor="ctr" rtlCol="false" tIns="50800" lIns="50800" bIns="50800" rIns="50800"/>
+            <a:bodyPr lIns="50800" tIns="50800" rIns="50800" bIns="50800" rtlCol="0" anchor="ctr"/>
             <a:lstStyle/>
             <a:p>
-              <a:pPr algn="ctr" marL="0" indent="0" lvl="0">
+              <a:pPr marL="0" lvl="0" indent="0" algn="ctr">
                 <a:lnSpc>
                   <a:spcPts val="2800"/>
                 </a:lnSpc>
               </a:pPr>
+              <a:endParaRPr/>
             </a:p>
           </p:txBody>
         </p:sp>
       </p:grpSp>
       <p:sp>
         <p:nvSpPr>
-          <p:cNvPr name="AutoShape 8" id="8"/>
+          <p:cNvPr id="8" name="AutoShape 8"/>
           <p:cNvSpPr/>
           <p:nvPr/>
         </p:nvSpPr>
@@ -6126,24 +6187,31 @@
           <a:prstGeom prst="line">
             <a:avLst/>
           </a:prstGeom>
-          <a:ln cap="flat" w="9525">
+          <a:ln w="9525" cap="flat">
             <a:solidFill>
               <a:srgbClr val="2C3E50"/>
             </a:solidFill>
             <a:prstDash val="solid"/>
-            <a:headEnd type="none" len="sm" w="sm"/>
-            <a:tailEnd type="none" len="sm" w="sm"/>
+            <a:headEnd type="none" w="sm" len="sm"/>
+            <a:tailEnd type="none" w="sm" len="sm"/>
           </a:ln>
         </p:spPr>
-      </p:sp>
-      <p:sp>
-        <p:nvSpPr>
-          <p:cNvPr name="TextBox 9" id="9"/>
-          <p:cNvSpPr txBox="true"/>
+        <p:txBody>
+          <a:bodyPr/>
+          <a:lstStyle/>
+          <a:p>
+            <a:endParaRPr lang="en-IN"/>
+          </a:p>
+        </p:txBody>
+      </p:sp>
+      <p:sp>
+        <p:nvSpPr>
+          <p:cNvPr id="9" name="TextBox 9"/>
+          <p:cNvSpPr txBox="1"/>
           <p:nvPr/>
         </p:nvSpPr>
         <p:spPr>
-          <a:xfrm rot="0">
+          <a:xfrm>
             <a:off x="486670" y="2677921"/>
             <a:ext cx="13830218" cy="6727191"/>
           </a:xfrm>
@@ -6152,7 +6220,7 @@
           </a:prstGeom>
         </p:spPr>
         <p:txBody>
-          <a:bodyPr anchor="t" rtlCol="false" tIns="0" lIns="0" bIns="0" rIns="0">
+          <a:bodyPr lIns="0" tIns="0" rIns="0" bIns="0" rtlCol="0" anchor="t">
             <a:spAutoFit/>
           </a:bodyPr>
           <a:lstStyle/>
@@ -6175,22 +6243,10 @@
                 <a:cs typeface="Arial MT Pro"/>
                 <a:sym typeface="Arial MT Pro"/>
               </a:rPr>
-              <a:t>Phishing websites </a:t>
-            </a:r>
-            <a:r>
-              <a:rPr lang="en-US" sz="2899" spc="-28">
-                <a:solidFill>
-                  <a:srgbClr val="2C3E50"/>
-                </a:solidFill>
-                <a:latin typeface="Arial MT Pro"/>
-                <a:ea typeface="Arial MT Pro"/>
-                <a:cs typeface="Arial MT Pro"/>
-                <a:sym typeface="Arial MT Pro"/>
-              </a:rPr>
-              <a:t>remain a major security risk, requiring accurate automated detection. We explore multi-level webpage features to improve classification: (1) </a:t>
-            </a:r>
-            <a:r>
-              <a:rPr lang="en-US" b="true" sz="2899" spc="-28">
+              <a:t>Phishing websites remain a major security risk, requiring accurate automated detection. We explore multi-level webpage features to improve classification: (1) </a:t>
+            </a:r>
+            <a:r>
+              <a:rPr lang="en-US" sz="2899" b="1" spc="-28">
                 <a:solidFill>
                   <a:srgbClr val="2C3E50"/>
                 </a:solidFill>
@@ -6214,7 +6270,7 @@
               <a:t>, where we use </a:t>
             </a:r>
             <a:r>
-              <a:rPr lang="en-US" b="true" sz="2899" spc="-28">
+              <a:rPr lang="en-US" sz="2899" b="1" spc="-28">
                 <a:solidFill>
                   <a:srgbClr val="2C3E50"/>
                 </a:solidFill>
@@ -6238,7 +6294,7 @@
               <a:t> along with </a:t>
             </a:r>
             <a:r>
-              <a:rPr lang="en-US" b="true" sz="2899" spc="-28">
+              <a:rPr lang="en-US" sz="2899" b="1" spc="-28">
                 <a:solidFill>
                   <a:srgbClr val="2C3E50"/>
                 </a:solidFill>
@@ -6262,7 +6318,7 @@
               <a:t>, achieving </a:t>
             </a:r>
             <a:r>
-              <a:rPr lang="en-US" b="true" sz="2899" spc="-28">
+              <a:rPr lang="en-US" sz="2899" b="1" spc="-28">
                 <a:solidFill>
                   <a:srgbClr val="2C3E50"/>
                 </a:solidFill>
@@ -6271,10 +6327,22 @@
                 <a:cs typeface="Arial MT Pro Bold"/>
                 <a:sym typeface="Arial MT Pro Bold"/>
               </a:rPr>
-              <a:t>95</a:t>
-            </a:r>
-            <a:r>
-              <a:rPr lang="en-US" b="true" sz="2899" spc="-28">
+              <a:t>95 percent accuracy</a:t>
+            </a:r>
+            <a:r>
+              <a:rPr lang="en-US" sz="2899" spc="-28">
+                <a:solidFill>
+                  <a:srgbClr val="2C3E50"/>
+                </a:solidFill>
+                <a:latin typeface="Arial MT Pro"/>
+                <a:ea typeface="Arial MT Pro"/>
+                <a:cs typeface="Arial MT Pro"/>
+                <a:sym typeface="Arial MT Pro"/>
+              </a:rPr>
+              <a:t> using a </a:t>
+            </a:r>
+            <a:r>
+              <a:rPr lang="en-US" sz="2899" b="1" spc="-28">
                 <a:solidFill>
                   <a:srgbClr val="2C3E50"/>
                 </a:solidFill>
@@ -6283,10 +6351,22 @@
                 <a:cs typeface="Arial MT Pro Bold"/>
                 <a:sym typeface="Arial MT Pro Bold"/>
               </a:rPr>
-              <a:t> </a:t>
-            </a:r>
-            <a:r>
-              <a:rPr lang="en-US" b="true" sz="2899" spc="-28">
+              <a:t>two-head CNN with fully connected layers</a:t>
+            </a:r>
+            <a:r>
+              <a:rPr lang="en-US" sz="2899" spc="-28">
+                <a:solidFill>
+                  <a:srgbClr val="2C3E50"/>
+                </a:solidFill>
+                <a:latin typeface="Arial MT Pro"/>
+                <a:ea typeface="Arial MT Pro"/>
+                <a:cs typeface="Arial MT Pro"/>
+                <a:sym typeface="Arial MT Pro"/>
+              </a:rPr>
+              <a:t>; (2) </a:t>
+            </a:r>
+            <a:r>
+              <a:rPr lang="en-US" sz="2899" b="1" spc="-28">
                 <a:solidFill>
                   <a:srgbClr val="2C3E50"/>
                 </a:solidFill>
@@ -6295,10 +6375,22 @@
                 <a:cs typeface="Arial MT Pro Bold"/>
                 <a:sym typeface="Arial MT Pro Bold"/>
               </a:rPr>
-              <a:t>perce</a:t>
-            </a:r>
-            <a:r>
-              <a:rPr lang="en-US" b="true" sz="2899" spc="-28">
+              <a:t>structural hyperlink features</a:t>
+            </a:r>
+            <a:r>
+              <a:rPr lang="en-US" sz="2899" spc="-28">
+                <a:solidFill>
+                  <a:srgbClr val="2C3E50"/>
+                </a:solidFill>
+                <a:latin typeface="Arial MT Pro"/>
+                <a:ea typeface="Arial MT Pro"/>
+                <a:cs typeface="Arial MT Pro"/>
+                <a:sym typeface="Arial MT Pro"/>
+              </a:rPr>
+              <a:t> derived from webpage HTML, modeled using traditional machine learning methods, reaching </a:t>
+            </a:r>
+            <a:r>
+              <a:rPr lang="en-US" sz="2899" b="1" spc="-28">
                 <a:solidFill>
                   <a:srgbClr val="2C3E50"/>
                 </a:solidFill>
@@ -6307,10 +6399,22 @@
                 <a:cs typeface="Arial MT Pro Bold"/>
                 <a:sym typeface="Arial MT Pro Bold"/>
               </a:rPr>
-              <a:t>nt</a:t>
-            </a:r>
-            <a:r>
-              <a:rPr lang="en-US" b="true" sz="2899" spc="-28">
+              <a:t>91 percent accuracy</a:t>
+            </a:r>
+            <a:r>
+              <a:rPr lang="en-US" sz="2899" spc="-28">
+                <a:solidFill>
+                  <a:srgbClr val="2C3E50"/>
+                </a:solidFill>
+                <a:latin typeface="Arial MT Pro"/>
+                <a:ea typeface="Arial MT Pro"/>
+                <a:cs typeface="Arial MT Pro"/>
+                <a:sym typeface="Arial MT Pro"/>
+              </a:rPr>
+              <a:t>; (3) a hybrid fusion model that combines URL embeddings, heuristic features, and hyperlink structure, improving performance to </a:t>
+            </a:r>
+            <a:r>
+              <a:rPr lang="en-US" sz="2899" b="1" spc="-28">
                 <a:solidFill>
                   <a:srgbClr val="2C3E50"/>
                 </a:solidFill>
@@ -6319,7 +6423,7 @@
                 <a:cs typeface="Arial MT Pro Bold"/>
                 <a:sym typeface="Arial MT Pro Bold"/>
               </a:rPr>
-              <a:t> accuracy</a:t>
+              <a:t>96 percent accuracy</a:t>
             </a:r>
             <a:r>
               <a:rPr lang="en-US" sz="2899" spc="-28">
@@ -6331,46 +6435,10 @@
                 <a:cs typeface="Arial MT Pro"/>
                 <a:sym typeface="Arial MT Pro"/>
               </a:rPr>
-              <a:t> us</a:t>
-            </a:r>
-            <a:r>
-              <a:rPr lang="en-US" sz="2899" spc="-28">
-                <a:solidFill>
-                  <a:srgbClr val="2C3E50"/>
-                </a:solidFill>
-                <a:latin typeface="Arial MT Pro"/>
-                <a:ea typeface="Arial MT Pro"/>
-                <a:cs typeface="Arial MT Pro"/>
-                <a:sym typeface="Arial MT Pro"/>
-              </a:rPr>
-              <a:t>in</a:t>
-            </a:r>
-            <a:r>
-              <a:rPr lang="en-US" sz="2899" spc="-28">
-                <a:solidFill>
-                  <a:srgbClr val="2C3E50"/>
-                </a:solidFill>
-                <a:latin typeface="Arial MT Pro"/>
-                <a:ea typeface="Arial MT Pro"/>
-                <a:cs typeface="Arial MT Pro"/>
-                <a:sym typeface="Arial MT Pro"/>
-              </a:rPr>
-              <a:t>g</a:t>
-            </a:r>
-            <a:r>
-              <a:rPr lang="en-US" sz="2899" spc="-28">
-                <a:solidFill>
-                  <a:srgbClr val="2C3E50"/>
-                </a:solidFill>
-                <a:latin typeface="Arial MT Pro"/>
-                <a:ea typeface="Arial MT Pro"/>
-                <a:cs typeface="Arial MT Pro"/>
-                <a:sym typeface="Arial MT Pro"/>
-              </a:rPr>
-              <a:t> a </a:t>
-            </a:r>
-            <a:r>
-              <a:rPr lang="en-US" b="true" sz="2899" spc="-28">
+              <a:t>; and (4) full </a:t>
+            </a:r>
+            <a:r>
+              <a:rPr lang="en-US" sz="2899" b="1" spc="-28">
                 <a:solidFill>
                   <a:srgbClr val="2C3E50"/>
                 </a:solidFill>
@@ -6379,10 +6447,22 @@
                 <a:cs typeface="Arial MT Pro Bold"/>
                 <a:sym typeface="Arial MT Pro Bold"/>
               </a:rPr>
-              <a:t>two</a:t>
-            </a:r>
-            <a:r>
-              <a:rPr lang="en-US" b="true" sz="2899" spc="-28">
+              <a:t>HTML DOM content embeddings</a:t>
+            </a:r>
+            <a:r>
+              <a:rPr lang="en-US" sz="2899" spc="-28">
+                <a:solidFill>
+                  <a:srgbClr val="2C3E50"/>
+                </a:solidFill>
+                <a:latin typeface="Arial MT Pro"/>
+                <a:ea typeface="Arial MT Pro"/>
+                <a:cs typeface="Arial MT Pro"/>
+                <a:sym typeface="Arial MT Pro"/>
+              </a:rPr>
+              <a:t>, where sequence models including LSTM, BiLSTM, GRU, and BiGRU are evaluated, with </a:t>
+            </a:r>
+            <a:r>
+              <a:rPr lang="en-US" sz="2899" b="1" spc="-28">
                 <a:solidFill>
                   <a:srgbClr val="2C3E50"/>
                 </a:solidFill>
@@ -6391,10 +6471,22 @@
                 <a:cs typeface="Arial MT Pro Bold"/>
                 <a:sym typeface="Arial MT Pro Bold"/>
               </a:rPr>
-              <a:t>-head</a:t>
-            </a:r>
-            <a:r>
-              <a:rPr lang="en-US" b="true" sz="2899" spc="-28">
+              <a:t>BiGRU</a:t>
+            </a:r>
+            <a:r>
+              <a:rPr lang="en-US" sz="2899" spc="-28">
+                <a:solidFill>
+                  <a:srgbClr val="2C3E50"/>
+                </a:solidFill>
+                <a:latin typeface="Arial MT Pro"/>
+                <a:ea typeface="Arial MT Pro"/>
+                <a:cs typeface="Arial MT Pro"/>
+                <a:sym typeface="Arial MT Pro"/>
+              </a:rPr>
+              <a:t> achieving the highest accuracy of </a:t>
+            </a:r>
+            <a:r>
+              <a:rPr lang="en-US" sz="2899" b="1" spc="-28">
                 <a:solidFill>
                   <a:srgbClr val="2C3E50"/>
                 </a:solidFill>
@@ -6403,19 +6495,7 @@
                 <a:cs typeface="Arial MT Pro Bold"/>
                 <a:sym typeface="Arial MT Pro Bold"/>
               </a:rPr>
-              <a:t> CNN</a:t>
-            </a:r>
-            <a:r>
-              <a:rPr lang="en-US" b="true" sz="2899" spc="-28">
-                <a:solidFill>
-                  <a:srgbClr val="2C3E50"/>
-                </a:solidFill>
-                <a:latin typeface="Arial MT Pro Bold"/>
-                <a:ea typeface="Arial MT Pro Bold"/>
-                <a:cs typeface="Arial MT Pro Bold"/>
-                <a:sym typeface="Arial MT Pro Bold"/>
-              </a:rPr>
-              <a:t> with fully connected layers</a:t>
+              <a:t>97 percent</a:t>
             </a:r>
             <a:r>
               <a:rPr lang="en-US" sz="2899" spc="-28">
@@ -6427,427 +6507,7 @@
                 <a:cs typeface="Arial MT Pro"/>
                 <a:sym typeface="Arial MT Pro"/>
               </a:rPr>
-              <a:t>; (2) </a:t>
-            </a:r>
-            <a:r>
-              <a:rPr lang="en-US" b="true" sz="2899" spc="-28">
-                <a:solidFill>
-                  <a:srgbClr val="2C3E50"/>
-                </a:solidFill>
-                <a:latin typeface="Arial MT Pro Bold"/>
-                <a:ea typeface="Arial MT Pro Bold"/>
-                <a:cs typeface="Arial MT Pro Bold"/>
-                <a:sym typeface="Arial MT Pro Bold"/>
-              </a:rPr>
-              <a:t>structural hyperlink features</a:t>
-            </a:r>
-            <a:r>
-              <a:rPr lang="en-US" sz="2899" spc="-28">
-                <a:solidFill>
-                  <a:srgbClr val="2C3E50"/>
-                </a:solidFill>
-                <a:latin typeface="Arial MT Pro"/>
-                <a:ea typeface="Arial MT Pro"/>
-                <a:cs typeface="Arial MT Pro"/>
-                <a:sym typeface="Arial MT Pro"/>
-              </a:rPr>
-              <a:t> derived from web</a:t>
-            </a:r>
-            <a:r>
-              <a:rPr lang="en-US" sz="2899" spc="-28">
-                <a:solidFill>
-                  <a:srgbClr val="2C3E50"/>
-                </a:solidFill>
-                <a:latin typeface="Arial MT Pro"/>
-                <a:ea typeface="Arial MT Pro"/>
-                <a:cs typeface="Arial MT Pro"/>
-                <a:sym typeface="Arial MT Pro"/>
-              </a:rPr>
-              <a:t>p</a:t>
-            </a:r>
-            <a:r>
-              <a:rPr lang="en-US" sz="2899" spc="-28">
-                <a:solidFill>
-                  <a:srgbClr val="2C3E50"/>
-                </a:solidFill>
-                <a:latin typeface="Arial MT Pro"/>
-                <a:ea typeface="Arial MT Pro"/>
-                <a:cs typeface="Arial MT Pro"/>
-                <a:sym typeface="Arial MT Pro"/>
-              </a:rPr>
-              <a:t>ag</a:t>
-            </a:r>
-            <a:r>
-              <a:rPr lang="en-US" sz="2899" spc="-28">
-                <a:solidFill>
-                  <a:srgbClr val="2C3E50"/>
-                </a:solidFill>
-                <a:latin typeface="Arial MT Pro"/>
-                <a:ea typeface="Arial MT Pro"/>
-                <a:cs typeface="Arial MT Pro"/>
-                <a:sym typeface="Arial MT Pro"/>
-              </a:rPr>
-              <a:t>e </a:t>
-            </a:r>
-            <a:r>
-              <a:rPr lang="en-US" sz="2899" spc="-28">
-                <a:solidFill>
-                  <a:srgbClr val="2C3E50"/>
-                </a:solidFill>
-                <a:latin typeface="Arial MT Pro"/>
-                <a:ea typeface="Arial MT Pro"/>
-                <a:cs typeface="Arial MT Pro"/>
-                <a:sym typeface="Arial MT Pro"/>
-              </a:rPr>
-              <a:t>HTML, modeled using tr</a:t>
-            </a:r>
-            <a:r>
-              <a:rPr lang="en-US" sz="2899" spc="-28">
-                <a:solidFill>
-                  <a:srgbClr val="2C3E50"/>
-                </a:solidFill>
-                <a:latin typeface="Arial MT Pro"/>
-                <a:ea typeface="Arial MT Pro"/>
-                <a:cs typeface="Arial MT Pro"/>
-                <a:sym typeface="Arial MT Pro"/>
-              </a:rPr>
-              <a:t>ad</a:t>
-            </a:r>
-            <a:r>
-              <a:rPr lang="en-US" sz="2899" spc="-28">
-                <a:solidFill>
-                  <a:srgbClr val="2C3E50"/>
-                </a:solidFill>
-                <a:latin typeface="Arial MT Pro"/>
-                <a:ea typeface="Arial MT Pro"/>
-                <a:cs typeface="Arial MT Pro"/>
-                <a:sym typeface="Arial MT Pro"/>
-              </a:rPr>
-              <a:t>iti</a:t>
-            </a:r>
-            <a:r>
-              <a:rPr lang="en-US" sz="2899" spc="-28">
-                <a:solidFill>
-                  <a:srgbClr val="2C3E50"/>
-                </a:solidFill>
-                <a:latin typeface="Arial MT Pro"/>
-                <a:ea typeface="Arial MT Pro"/>
-                <a:cs typeface="Arial MT Pro"/>
-                <a:sym typeface="Arial MT Pro"/>
-              </a:rPr>
-              <a:t>o</a:t>
-            </a:r>
-            <a:r>
-              <a:rPr lang="en-US" sz="2899" spc="-28">
-                <a:solidFill>
-                  <a:srgbClr val="2C3E50"/>
-                </a:solidFill>
-                <a:latin typeface="Arial MT Pro"/>
-                <a:ea typeface="Arial MT Pro"/>
-                <a:cs typeface="Arial MT Pro"/>
-                <a:sym typeface="Arial MT Pro"/>
-              </a:rPr>
-              <a:t>nal </a:t>
-            </a:r>
-            <a:r>
-              <a:rPr lang="en-US" sz="2899" spc="-28">
-                <a:solidFill>
-                  <a:srgbClr val="2C3E50"/>
-                </a:solidFill>
-                <a:latin typeface="Arial MT Pro"/>
-                <a:ea typeface="Arial MT Pro"/>
-                <a:cs typeface="Arial MT Pro"/>
-                <a:sym typeface="Arial MT Pro"/>
-              </a:rPr>
-              <a:t>m</a:t>
-            </a:r>
-            <a:r>
-              <a:rPr lang="en-US" sz="2899" spc="-28">
-                <a:solidFill>
-                  <a:srgbClr val="2C3E50"/>
-                </a:solidFill>
-                <a:latin typeface="Arial MT Pro"/>
-                <a:ea typeface="Arial MT Pro"/>
-                <a:cs typeface="Arial MT Pro"/>
-                <a:sym typeface="Arial MT Pro"/>
-              </a:rPr>
-              <a:t>achine</a:t>
-            </a:r>
-            <a:r>
-              <a:rPr lang="en-US" sz="2899" spc="-28">
-                <a:solidFill>
-                  <a:srgbClr val="2C3E50"/>
-                </a:solidFill>
-                <a:latin typeface="Arial MT Pro"/>
-                <a:ea typeface="Arial MT Pro"/>
-                <a:cs typeface="Arial MT Pro"/>
-                <a:sym typeface="Arial MT Pro"/>
-              </a:rPr>
-              <a:t> </a:t>
-            </a:r>
-            <a:r>
-              <a:rPr lang="en-US" sz="2899" spc="-28">
-                <a:solidFill>
-                  <a:srgbClr val="2C3E50"/>
-                </a:solidFill>
-                <a:latin typeface="Arial MT Pro"/>
-                <a:ea typeface="Arial MT Pro"/>
-                <a:cs typeface="Arial MT Pro"/>
-                <a:sym typeface="Arial MT Pro"/>
-              </a:rPr>
-              <a:t>lea</a:t>
-            </a:r>
-            <a:r>
-              <a:rPr lang="en-US" sz="2899" spc="-28">
-                <a:solidFill>
-                  <a:srgbClr val="2C3E50"/>
-                </a:solidFill>
-                <a:latin typeface="Arial MT Pro"/>
-                <a:ea typeface="Arial MT Pro"/>
-                <a:cs typeface="Arial MT Pro"/>
-                <a:sym typeface="Arial MT Pro"/>
-              </a:rPr>
-              <a:t>r</a:t>
-            </a:r>
-            <a:r>
-              <a:rPr lang="en-US" sz="2899" spc="-28">
-                <a:solidFill>
-                  <a:srgbClr val="2C3E50"/>
-                </a:solidFill>
-                <a:latin typeface="Arial MT Pro"/>
-                <a:ea typeface="Arial MT Pro"/>
-                <a:cs typeface="Arial MT Pro"/>
-                <a:sym typeface="Arial MT Pro"/>
-              </a:rPr>
-              <a:t>ning m</a:t>
-            </a:r>
-            <a:r>
-              <a:rPr lang="en-US" sz="2899" spc="-28">
-                <a:solidFill>
-                  <a:srgbClr val="2C3E50"/>
-                </a:solidFill>
-                <a:latin typeface="Arial MT Pro"/>
-                <a:ea typeface="Arial MT Pro"/>
-                <a:cs typeface="Arial MT Pro"/>
-                <a:sym typeface="Arial MT Pro"/>
-              </a:rPr>
-              <a:t>e</a:t>
-            </a:r>
-            <a:r>
-              <a:rPr lang="en-US" sz="2899" spc="-28">
-                <a:solidFill>
-                  <a:srgbClr val="2C3E50"/>
-                </a:solidFill>
-                <a:latin typeface="Arial MT Pro"/>
-                <a:ea typeface="Arial MT Pro"/>
-                <a:cs typeface="Arial MT Pro"/>
-                <a:sym typeface="Arial MT Pro"/>
-              </a:rPr>
-              <a:t>thod</a:t>
-            </a:r>
-            <a:r>
-              <a:rPr lang="en-US" sz="2899" spc="-28">
-                <a:solidFill>
-                  <a:srgbClr val="2C3E50"/>
-                </a:solidFill>
-                <a:latin typeface="Arial MT Pro"/>
-                <a:ea typeface="Arial MT Pro"/>
-                <a:cs typeface="Arial MT Pro"/>
-                <a:sym typeface="Arial MT Pro"/>
-              </a:rPr>
-              <a:t>s</a:t>
-            </a:r>
-            <a:r>
-              <a:rPr lang="en-US" sz="2899" spc="-28">
-                <a:solidFill>
-                  <a:srgbClr val="2C3E50"/>
-                </a:solidFill>
-                <a:latin typeface="Arial MT Pro"/>
-                <a:ea typeface="Arial MT Pro"/>
-                <a:cs typeface="Arial MT Pro"/>
-                <a:sym typeface="Arial MT Pro"/>
-              </a:rPr>
-              <a:t>, reaching </a:t>
-            </a:r>
-            <a:r>
-              <a:rPr lang="en-US" b="true" sz="2899" spc="-28">
-                <a:solidFill>
-                  <a:srgbClr val="2C3E50"/>
-                </a:solidFill>
-                <a:latin typeface="Arial MT Pro Bold"/>
-                <a:ea typeface="Arial MT Pro Bold"/>
-                <a:cs typeface="Arial MT Pro Bold"/>
-                <a:sym typeface="Arial MT Pro Bold"/>
-              </a:rPr>
-              <a:t>91 percen</a:t>
-            </a:r>
-            <a:r>
-              <a:rPr lang="en-US" b="true" sz="2899" spc="-28">
-                <a:solidFill>
-                  <a:srgbClr val="2C3E50"/>
-                </a:solidFill>
-                <a:latin typeface="Arial MT Pro Bold"/>
-                <a:ea typeface="Arial MT Pro Bold"/>
-                <a:cs typeface="Arial MT Pro Bold"/>
-                <a:sym typeface="Arial MT Pro Bold"/>
-              </a:rPr>
-              <a:t>t </a:t>
-            </a:r>
-            <a:r>
-              <a:rPr lang="en-US" b="true" sz="2899" spc="-28">
-                <a:solidFill>
-                  <a:srgbClr val="2C3E50"/>
-                </a:solidFill>
-                <a:latin typeface="Arial MT Pro Bold"/>
-                <a:ea typeface="Arial MT Pro Bold"/>
-                <a:cs typeface="Arial MT Pro Bold"/>
-                <a:sym typeface="Arial MT Pro Bold"/>
-              </a:rPr>
-              <a:t>accuracy</a:t>
-            </a:r>
-            <a:r>
-              <a:rPr lang="en-US" sz="2899" spc="-28">
-                <a:solidFill>
-                  <a:srgbClr val="2C3E50"/>
-                </a:solidFill>
-                <a:latin typeface="Arial MT Pro"/>
-                <a:ea typeface="Arial MT Pro"/>
-                <a:cs typeface="Arial MT Pro"/>
-                <a:sym typeface="Arial MT Pro"/>
-              </a:rPr>
-              <a:t>; (3) a hybrid fusion model that combines URL embeddings, </a:t>
-            </a:r>
-            <a:r>
-              <a:rPr lang="en-US" sz="2899" spc="-28">
-                <a:solidFill>
-                  <a:srgbClr val="2C3E50"/>
-                </a:solidFill>
-                <a:latin typeface="Arial MT Pro"/>
-                <a:ea typeface="Arial MT Pro"/>
-                <a:cs typeface="Arial MT Pro"/>
-                <a:sym typeface="Arial MT Pro"/>
-              </a:rPr>
-              <a:t>heuristic features</a:t>
-            </a:r>
-            <a:r>
-              <a:rPr lang="en-US" sz="2899" spc="-28">
-                <a:solidFill>
-                  <a:srgbClr val="2C3E50"/>
-                </a:solidFill>
-                <a:latin typeface="Arial MT Pro"/>
-                <a:ea typeface="Arial MT Pro"/>
-                <a:cs typeface="Arial MT Pro"/>
-                <a:sym typeface="Arial MT Pro"/>
-              </a:rPr>
-              <a:t>, and hyperlink structure, improving performance to </a:t>
-            </a:r>
-            <a:r>
-              <a:rPr lang="en-US" b="true" sz="2899" spc="-28">
-                <a:solidFill>
-                  <a:srgbClr val="2C3E50"/>
-                </a:solidFill>
-                <a:latin typeface="Arial MT Pro Bold"/>
-                <a:ea typeface="Arial MT Pro Bold"/>
-                <a:cs typeface="Arial MT Pro Bold"/>
-                <a:sym typeface="Arial MT Pro Bold"/>
-              </a:rPr>
-              <a:t>96 percent accuracy</a:t>
-            </a:r>
-            <a:r>
-              <a:rPr lang="en-US" sz="2899" spc="-28">
-                <a:solidFill>
-                  <a:srgbClr val="2C3E50"/>
-                </a:solidFill>
-                <a:latin typeface="Arial MT Pro"/>
-                <a:ea typeface="Arial MT Pro"/>
-                <a:cs typeface="Arial MT Pro"/>
-                <a:sym typeface="Arial MT Pro"/>
-              </a:rPr>
-              <a:t>; and (4) full </a:t>
-            </a:r>
-            <a:r>
-              <a:rPr lang="en-US" b="true" sz="2899" spc="-28">
-                <a:solidFill>
-                  <a:srgbClr val="2C3E50"/>
-                </a:solidFill>
-                <a:latin typeface="Arial MT Pro Bold"/>
-                <a:ea typeface="Arial MT Pro Bold"/>
-                <a:cs typeface="Arial MT Pro Bold"/>
-                <a:sym typeface="Arial MT Pro Bold"/>
-              </a:rPr>
-              <a:t>HTML DOM content embeddings</a:t>
-            </a:r>
-            <a:r>
-              <a:rPr lang="en-US" sz="2899" spc="-28">
-                <a:solidFill>
-                  <a:srgbClr val="2C3E50"/>
-                </a:solidFill>
-                <a:latin typeface="Arial MT Pro"/>
-                <a:ea typeface="Arial MT Pro"/>
-                <a:cs typeface="Arial MT Pro"/>
-                <a:sym typeface="Arial MT Pro"/>
-              </a:rPr>
-              <a:t>, where sequence models including LSTM, BiLSTM, GRU, and BiGRU are evaluated, with </a:t>
-            </a:r>
-            <a:r>
-              <a:rPr lang="en-US" b="true" sz="2899" spc="-28">
-                <a:solidFill>
-                  <a:srgbClr val="2C3E50"/>
-                </a:solidFill>
-                <a:latin typeface="Arial MT Pro Bold"/>
-                <a:ea typeface="Arial MT Pro Bold"/>
-                <a:cs typeface="Arial MT Pro Bold"/>
-                <a:sym typeface="Arial MT Pro Bold"/>
-              </a:rPr>
-              <a:t>BiGRU</a:t>
-            </a:r>
-            <a:r>
-              <a:rPr lang="en-US" sz="2899" spc="-28">
-                <a:solidFill>
-                  <a:srgbClr val="2C3E50"/>
-                </a:solidFill>
-                <a:latin typeface="Arial MT Pro"/>
-                <a:ea typeface="Arial MT Pro"/>
-                <a:cs typeface="Arial MT Pro"/>
-                <a:sym typeface="Arial MT Pro"/>
-              </a:rPr>
-              <a:t> achieving the highest accuracy of </a:t>
-            </a:r>
-            <a:r>
-              <a:rPr lang="en-US" b="true" sz="2899" spc="-28">
-                <a:solidFill>
-                  <a:srgbClr val="2C3E50"/>
-                </a:solidFill>
-                <a:latin typeface="Arial MT Pro Bold"/>
-                <a:ea typeface="Arial MT Pro Bold"/>
-                <a:cs typeface="Arial MT Pro Bold"/>
-                <a:sym typeface="Arial MT Pro Bold"/>
-              </a:rPr>
-              <a:t>97 percent</a:t>
-            </a:r>
-            <a:r>
-              <a:rPr lang="en-US" sz="2899" spc="-28">
-                <a:solidFill>
-                  <a:srgbClr val="2C3E50"/>
-                </a:solidFill>
-                <a:latin typeface="Arial MT Pro"/>
-                <a:ea typeface="Arial MT Pro"/>
-                <a:cs typeface="Arial MT Pro"/>
-                <a:sym typeface="Arial MT Pro"/>
-              </a:rPr>
-              <a:t>. These results demonstrate that integrating linguistic, structural, and content-level webpage features significantly strengthens phishing detection performance</a:t>
-            </a:r>
-            <a:r>
-              <a:rPr lang="en-US" sz="2899" spc="-28">
-                <a:solidFill>
-                  <a:srgbClr val="2C3E50"/>
-                </a:solidFill>
-                <a:latin typeface="Arial MT Pro"/>
-                <a:ea typeface="Arial MT Pro"/>
-                <a:cs typeface="Arial MT Pro"/>
-                <a:sym typeface="Arial MT Pro"/>
-              </a:rPr>
-              <a:t>.</a:t>
+              <a:t>. These results demonstrate that integrating linguistic, structural, and content-level webpage features significantly strengthens phishing detection performance.</a:t>
             </a:r>
           </a:p>
         </p:txBody>
@@ -6861,13 +6521,14 @@
 </file>
 
 <file path=ppt/slides/slide4.xml><?xml version="1.0" encoding="utf-8"?>
-<p:sld xmlns:p="http://schemas.openxmlformats.org/presentationml/2006/main" xmlns:a="http://schemas.openxmlformats.org/drawingml/2006/main">
+<p:sld xmlns:a="http://schemas.openxmlformats.org/drawingml/2006/main" xmlns:r="http://schemas.openxmlformats.org/officeDocument/2006/relationships" xmlns:p="http://schemas.openxmlformats.org/presentationml/2006/main">
   <p:cSld>
     <p:bg>
       <p:bgPr>
         <a:solidFill>
           <a:srgbClr val="F7F9FC"/>
         </a:solidFill>
+        <a:effectLst/>
       </p:bgPr>
     </p:bg>
     <p:spTree>
@@ -6886,12 +6547,12 @@
       </p:grpSpPr>
       <p:grpSp>
         <p:nvGrpSpPr>
-          <p:cNvPr name="Group 2" id="2"/>
+          <p:cNvPr id="2" name="Group 2"/>
           <p:cNvGrpSpPr/>
           <p:nvPr/>
         </p:nvGrpSpPr>
         <p:grpSpPr>
-          <a:xfrm rot="0">
+          <a:xfrm>
             <a:off x="374119" y="1028700"/>
             <a:ext cx="12639675" cy="1764030"/>
             <a:chOff x="0" y="0"/>
@@ -6900,12 +6561,12 @@
         </p:grpSpPr>
         <p:sp>
           <p:nvSpPr>
-            <p:cNvPr name="TextBox 3" id="3"/>
-            <p:cNvSpPr txBox="true"/>
+            <p:cNvPr id="3" name="TextBox 3"/>
+            <p:cNvSpPr txBox="1"/>
             <p:nvPr/>
           </p:nvSpPr>
           <p:spPr>
-            <a:xfrm rot="0">
+            <a:xfrm>
               <a:off x="0" y="-19050"/>
               <a:ext cx="16852900" cy="1432984"/>
             </a:xfrm>
@@ -6914,18 +6575,18 @@
             </a:prstGeom>
           </p:spPr>
           <p:txBody>
-            <a:bodyPr anchor="t" rtlCol="false" tIns="0" lIns="0" bIns="0" rIns="0">
+            <a:bodyPr lIns="0" tIns="0" rIns="0" bIns="0" rtlCol="0" anchor="t">
               <a:spAutoFit/>
             </a:bodyPr>
             <a:lstStyle/>
             <a:p>
-              <a:pPr algn="l" marL="0" indent="0" lvl="0">
+              <a:pPr marL="0" lvl="0" indent="0" algn="l">
                 <a:lnSpc>
                   <a:spcPts val="7700"/>
                 </a:lnSpc>
               </a:pPr>
               <a:r>
-                <a:rPr lang="en-US" b="true" sz="7000" spc="-70">
+                <a:rPr lang="en-US" sz="7000" b="1" spc="-70">
                   <a:solidFill>
                     <a:srgbClr val="2C3E50"/>
                   </a:solidFill>
@@ -6941,12 +6602,12 @@
         </p:sp>
         <p:sp>
           <p:nvSpPr>
-            <p:cNvPr name="TextBox 4" id="4"/>
-            <p:cNvSpPr txBox="true"/>
+            <p:cNvPr id="4" name="TextBox 4"/>
+            <p:cNvSpPr txBox="1"/>
             <p:nvPr/>
           </p:nvSpPr>
           <p:spPr>
-            <a:xfrm rot="0">
+            <a:xfrm>
               <a:off x="0" y="1769534"/>
               <a:ext cx="16852900" cy="582507"/>
             </a:xfrm>
@@ -6955,28 +6616,29 @@
             </a:prstGeom>
           </p:spPr>
           <p:txBody>
-            <a:bodyPr anchor="t" rtlCol="false" tIns="0" lIns="0" bIns="0" rIns="0">
+            <a:bodyPr lIns="0" tIns="0" rIns="0" bIns="0" rtlCol="0" anchor="t">
               <a:spAutoFit/>
             </a:bodyPr>
             <a:lstStyle/>
             <a:p>
-              <a:pPr algn="l" marL="0" indent="0" lvl="0">
+              <a:pPr marL="0" lvl="0" indent="0" algn="l">
                 <a:lnSpc>
                   <a:spcPts val="3190"/>
                 </a:lnSpc>
               </a:pPr>
+              <a:endParaRPr/>
             </a:p>
           </p:txBody>
         </p:sp>
       </p:grpSp>
       <p:grpSp>
         <p:nvGrpSpPr>
-          <p:cNvPr name="Group 5" id="5"/>
+          <p:cNvPr id="5" name="Group 5"/>
           <p:cNvGrpSpPr/>
           <p:nvPr/>
         </p:nvGrpSpPr>
         <p:grpSpPr>
-          <a:xfrm rot="0">
+          <a:xfrm>
             <a:off x="15049500" y="0"/>
             <a:ext cx="3238500" cy="10287000"/>
             <a:chOff x="0" y="0"/>
@@ -6985,12 +6647,12 @@
         </p:grpSpPr>
         <p:sp>
           <p:nvSpPr>
-            <p:cNvPr name="Freeform 6" id="6"/>
+            <p:cNvPr id="6" name="Freeform 6"/>
             <p:cNvSpPr/>
             <p:nvPr/>
           </p:nvSpPr>
           <p:spPr>
-            <a:xfrm flipH="false" flipV="false" rot="0">
+            <a:xfrm>
               <a:off x="0" y="0"/>
               <a:ext cx="852938" cy="2709333"/>
             </a:xfrm>
@@ -6999,9 +6661,9 @@
               <a:gdLst/>
               <a:ahLst/>
               <a:cxnLst/>
-              <a:rect r="r" b="b" t="t" l="l"/>
+              <a:rect l="l" t="t" r="r" b="b"/>
               <a:pathLst>
-                <a:path h="2709333" w="852938">
+                <a:path w="852938" h="2709333">
                   <a:moveTo>
                     <a:pt x="0" y="0"/>
                   </a:moveTo>
@@ -7022,11 +6684,18 @@
               <a:srgbClr val="18BC9C"/>
             </a:solidFill>
           </p:spPr>
+          <p:txBody>
+            <a:bodyPr/>
+            <a:lstStyle/>
+            <a:p>
+              <a:endParaRPr lang="en-IN"/>
+            </a:p>
+          </p:txBody>
         </p:sp>
         <p:sp>
           <p:nvSpPr>
-            <p:cNvPr name="TextBox 7" id="7"/>
-            <p:cNvSpPr txBox="true"/>
+            <p:cNvPr id="7" name="TextBox 7"/>
+            <p:cNvSpPr txBox="1"/>
             <p:nvPr/>
           </p:nvSpPr>
           <p:spPr>
@@ -7039,21 +6708,22 @@
             </a:prstGeom>
           </p:spPr>
           <p:txBody>
-            <a:bodyPr anchor="ctr" rtlCol="false" tIns="50800" lIns="50800" bIns="50800" rIns="50800"/>
+            <a:bodyPr lIns="50800" tIns="50800" rIns="50800" bIns="50800" rtlCol="0" anchor="ctr"/>
             <a:lstStyle/>
             <a:p>
-              <a:pPr algn="ctr" marL="0" indent="0" lvl="0">
+              <a:pPr marL="0" lvl="0" indent="0" algn="ctr">
                 <a:lnSpc>
                   <a:spcPts val="2800"/>
                 </a:lnSpc>
               </a:pPr>
+              <a:endParaRPr/>
             </a:p>
           </p:txBody>
         </p:sp>
       </p:grpSp>
       <p:sp>
         <p:nvSpPr>
-          <p:cNvPr name="AutoShape 8" id="8"/>
+          <p:cNvPr id="8" name="AutoShape 8"/>
           <p:cNvSpPr/>
           <p:nvPr/>
         </p:nvSpPr>
@@ -7065,24 +6735,31 @@
           <a:prstGeom prst="line">
             <a:avLst/>
           </a:prstGeom>
-          <a:ln cap="flat" w="9525">
+          <a:ln w="9525" cap="flat">
             <a:solidFill>
               <a:srgbClr val="2C3E50"/>
             </a:solidFill>
             <a:prstDash val="solid"/>
-            <a:headEnd type="none" len="sm" w="sm"/>
-            <a:tailEnd type="none" len="sm" w="sm"/>
+            <a:headEnd type="none" w="sm" len="sm"/>
+            <a:tailEnd type="none" w="sm" len="sm"/>
           </a:ln>
         </p:spPr>
-      </p:sp>
-      <p:sp>
-        <p:nvSpPr>
-          <p:cNvPr name="TextBox 9" id="9"/>
-          <p:cNvSpPr txBox="true"/>
+        <p:txBody>
+          <a:bodyPr/>
+          <a:lstStyle/>
+          <a:p>
+            <a:endParaRPr lang="en-IN"/>
+          </a:p>
+        </p:txBody>
+      </p:sp>
+      <p:sp>
+        <p:nvSpPr>
+          <p:cNvPr id="9" name="TextBox 9"/>
+          <p:cNvSpPr txBox="1"/>
           <p:nvPr/>
         </p:nvSpPr>
         <p:spPr>
-          <a:xfrm rot="0">
+          <a:xfrm>
             <a:off x="374119" y="2343130"/>
             <a:ext cx="14235399" cy="6212841"/>
           </a:xfrm>
@@ -7091,7 +6768,7 @@
           </a:prstGeom>
         </p:spPr>
         <p:txBody>
-          <a:bodyPr anchor="t" rtlCol="false" tIns="0" lIns="0" bIns="0" rIns="0">
+          <a:bodyPr lIns="0" tIns="0" rIns="0" bIns="0" rtlCol="0" anchor="t">
             <a:spAutoFit/>
           </a:bodyPr>
           <a:lstStyle/>
@@ -7105,7 +6782,7 @@
               </a:spcBef>
             </a:pPr>
             <a:r>
-              <a:rPr lang="en-US" b="true" sz="2899" spc="-28">
+              <a:rPr lang="en-US" sz="2899" b="1" spc="-28">
                 <a:solidFill>
                   <a:srgbClr val="2C3E50"/>
                 </a:solidFill>
@@ -7126,7 +6803,19 @@
                 <a:cs typeface="Arial MT Pro"/>
                 <a:sym typeface="Arial MT Pro"/>
               </a:rPr>
-              <a:t>Phishing is a</a:t>
+              <a:t>Phishing is a social engineering attack to steal sensitive information or deliver malware.It is widespread and causes b</a:t>
+            </a:r>
+            <a:r>
+              <a:rPr lang="en-US" sz="2899" u="none" spc="-28">
+                <a:solidFill>
+                  <a:srgbClr val="2C3E50"/>
+                </a:solidFill>
+                <a:latin typeface="Arial MT Pro"/>
+                <a:ea typeface="Arial MT Pro"/>
+                <a:cs typeface="Arial MT Pro"/>
+                <a:sym typeface="Arial MT Pro"/>
+              </a:rPr>
+              <a:t>i</a:t>
             </a:r>
             <a:r>
               <a:rPr lang="en-US" sz="2899" spc="-28">
@@ -7138,34 +6827,10 @@
                 <a:cs typeface="Arial MT Pro"/>
                 <a:sym typeface="Arial MT Pro"/>
               </a:rPr>
-              <a:t> social engineering attack to steal sensitive information or deliver malware.It is widespread and causes b</a:t>
-            </a:r>
-            <a:r>
-              <a:rPr lang="en-US" sz="2899" spc="-28" u="none">
-                <a:solidFill>
-                  <a:srgbClr val="2C3E50"/>
-                </a:solidFill>
-                <a:latin typeface="Arial MT Pro"/>
-                <a:ea typeface="Arial MT Pro"/>
-                <a:cs typeface="Arial MT Pro"/>
-                <a:sym typeface="Arial MT Pro"/>
-              </a:rPr>
-              <a:t>i</a:t>
-            </a:r>
-            <a:r>
-              <a:rPr lang="en-US" sz="2899" spc="-28">
-                <a:solidFill>
-                  <a:srgbClr val="2C3E50"/>
-                </a:solidFill>
-                <a:latin typeface="Arial MT Pro"/>
-                <a:ea typeface="Arial MT Pro"/>
-                <a:cs typeface="Arial MT Pro"/>
-                <a:sym typeface="Arial MT Pro"/>
-              </a:rPr>
               <a:t>ll</a:t>
             </a:r>
             <a:r>
-              <a:rPr lang="en-US" sz="2899" spc="-28" u="none">
+              <a:rPr lang="en-US" sz="2899" u="none" spc="-28">
                 <a:solidFill>
                   <a:srgbClr val="2C3E50"/>
                 </a:solidFill>
@@ -7199,7 +6864,7 @@
               </a:spcBef>
             </a:pPr>
             <a:r>
-              <a:rPr lang="en-US" b="true" sz="2899" spc="-28">
+              <a:rPr lang="en-US" sz="2899" b="1" spc="-28">
                 <a:solidFill>
                   <a:srgbClr val="2C3E50"/>
                 </a:solidFill>
@@ -7233,7 +6898,7 @@
               </a:spcBef>
             </a:pPr>
             <a:r>
-              <a:rPr lang="en-US" b="true" sz="2899" spc="-28">
+              <a:rPr lang="en-US" sz="2899" b="1" spc="-28">
                 <a:solidFill>
                   <a:srgbClr val="2C3E50"/>
                 </a:solidFill>
@@ -7267,7 +6932,7 @@
               </a:spcBef>
             </a:pPr>
             <a:r>
-              <a:rPr lang="en-US" b="true" sz="2899" spc="-28">
+              <a:rPr lang="en-US" sz="2899" b="1" spc="-28">
                 <a:solidFill>
                   <a:srgbClr val="2C3E50"/>
                 </a:solidFill>
@@ -7301,7 +6966,7 @@
               </a:spcBef>
             </a:pPr>
             <a:r>
-              <a:rPr lang="en-US" b="true" sz="2899" spc="-28">
+              <a:rPr lang="en-US" sz="2899" b="1" spc="-28">
                 <a:solidFill>
                   <a:srgbClr val="2C3E50"/>
                 </a:solidFill>
@@ -7336,13 +7001,14 @@
 </file>
 
 <file path=ppt/slides/slide5.xml><?xml version="1.0" encoding="utf-8"?>
-<p:sld xmlns:p="http://schemas.openxmlformats.org/presentationml/2006/main" xmlns:a="http://schemas.openxmlformats.org/drawingml/2006/main" xmlns:r="http://schemas.openxmlformats.org/officeDocument/2006/relationships">
+<p:sld xmlns:a="http://schemas.openxmlformats.org/drawingml/2006/main" xmlns:r="http://schemas.openxmlformats.org/officeDocument/2006/relationships" xmlns:p="http://schemas.openxmlformats.org/presentationml/2006/main">
   <p:cSld>
     <p:bg>
       <p:bgPr>
         <a:solidFill>
           <a:srgbClr val="F7F9FC"/>
         </a:solidFill>
+        <a:effectLst/>
       </p:bgPr>
     </p:bg>
     <p:spTree>
@@ -7361,12 +7027,12 @@
       </p:grpSpPr>
       <p:grpSp>
         <p:nvGrpSpPr>
-          <p:cNvPr name="Group 2" id="2"/>
+          <p:cNvPr id="2" name="Group 2"/>
           <p:cNvGrpSpPr/>
           <p:nvPr/>
         </p:nvGrpSpPr>
         <p:grpSpPr>
-          <a:xfrm rot="0">
+          <a:xfrm>
             <a:off x="666750" y="693399"/>
             <a:ext cx="12639675" cy="1764030"/>
             <a:chOff x="0" y="0"/>
@@ -7375,12 +7041,12 @@
         </p:grpSpPr>
         <p:sp>
           <p:nvSpPr>
-            <p:cNvPr name="TextBox 3" id="3"/>
-            <p:cNvSpPr txBox="true"/>
+            <p:cNvPr id="3" name="TextBox 3"/>
+            <p:cNvSpPr txBox="1"/>
             <p:nvPr/>
           </p:nvSpPr>
           <p:spPr>
-            <a:xfrm rot="0">
+            <a:xfrm>
               <a:off x="0" y="-19050"/>
               <a:ext cx="16852900" cy="1432984"/>
             </a:xfrm>
@@ -7389,18 +7055,18 @@
             </a:prstGeom>
           </p:spPr>
           <p:txBody>
-            <a:bodyPr anchor="t" rtlCol="false" tIns="0" lIns="0" bIns="0" rIns="0">
+            <a:bodyPr lIns="0" tIns="0" rIns="0" bIns="0" rtlCol="0" anchor="t">
               <a:spAutoFit/>
             </a:bodyPr>
             <a:lstStyle/>
             <a:p>
-              <a:pPr algn="l" marL="0" indent="0" lvl="0">
+              <a:pPr marL="0" lvl="0" indent="0" algn="l">
                 <a:lnSpc>
                   <a:spcPts val="7700"/>
                 </a:lnSpc>
               </a:pPr>
               <a:r>
-                <a:rPr lang="en-US" b="true" sz="7000" spc="-70">
+                <a:rPr lang="en-US" sz="7000" b="1" spc="-70">
                   <a:solidFill>
                     <a:srgbClr val="2C3E50"/>
                   </a:solidFill>
@@ -7416,12 +7082,12 @@
         </p:sp>
         <p:sp>
           <p:nvSpPr>
-            <p:cNvPr name="TextBox 4" id="4"/>
-            <p:cNvSpPr txBox="true"/>
+            <p:cNvPr id="4" name="TextBox 4"/>
+            <p:cNvSpPr txBox="1"/>
             <p:nvPr/>
           </p:nvSpPr>
           <p:spPr>
-            <a:xfrm rot="0">
+            <a:xfrm>
               <a:off x="0" y="1769534"/>
               <a:ext cx="16852900" cy="582507"/>
             </a:xfrm>
@@ -7430,18 +7096,18 @@
             </a:prstGeom>
           </p:spPr>
           <p:txBody>
-            <a:bodyPr anchor="t" rtlCol="false" tIns="0" lIns="0" bIns="0" rIns="0">
+            <a:bodyPr lIns="0" tIns="0" rIns="0" bIns="0" rtlCol="0" anchor="t">
               <a:spAutoFit/>
             </a:bodyPr>
             <a:lstStyle/>
             <a:p>
-              <a:pPr algn="l" marL="0" indent="0" lvl="0">
+              <a:pPr marL="0" lvl="0" indent="0" algn="l">
                 <a:lnSpc>
                   <a:spcPts val="3190"/>
                 </a:lnSpc>
               </a:pPr>
               <a:r>
-                <a:rPr lang="en-US" b="true" sz="2900" spc="-29">
+                <a:rPr lang="en-US" sz="2900" b="1" spc="-29">
                   <a:solidFill>
                     <a:srgbClr val="2C3E50"/>
                   </a:solidFill>
@@ -7450,19 +7116,7 @@
                   <a:cs typeface="Telegraf Bold"/>
                   <a:sym typeface="Telegraf Bold"/>
                 </a:rPr>
-                <a:t>K</a:t>
-              </a:r>
-              <a:r>
-                <a:rPr lang="en-US" b="true" sz="2900" spc="-29">
-                  <a:solidFill>
-                    <a:srgbClr val="2C3E50"/>
-                  </a:solidFill>
-                  <a:latin typeface="Telegraf Bold"/>
-                  <a:ea typeface="Telegraf Bold"/>
-                  <a:cs typeface="Telegraf Bold"/>
-                  <a:sym typeface="Telegraf Bold"/>
-                </a:rPr>
-                <a:t>ey studies and findings on phishing detection techniques.</a:t>
+                <a:t>Key studies and findings on phishing detection techniques.</a:t>
               </a:r>
             </a:p>
           </p:txBody>
@@ -7470,12 +7124,12 @@
       </p:grpSp>
       <p:grpSp>
         <p:nvGrpSpPr>
-          <p:cNvPr name="Group 5" id="5"/>
+          <p:cNvPr id="5" name="Group 5"/>
           <p:cNvGrpSpPr/>
           <p:nvPr/>
         </p:nvGrpSpPr>
         <p:grpSpPr>
-          <a:xfrm rot="0">
+          <a:xfrm>
             <a:off x="15049500" y="0"/>
             <a:ext cx="3238500" cy="10287000"/>
             <a:chOff x="0" y="0"/>
@@ -7484,12 +7138,12 @@
         </p:grpSpPr>
         <p:sp>
           <p:nvSpPr>
-            <p:cNvPr name="Freeform 6" id="6"/>
+            <p:cNvPr id="6" name="Freeform 6"/>
             <p:cNvSpPr/>
             <p:nvPr/>
           </p:nvSpPr>
           <p:spPr>
-            <a:xfrm flipH="false" flipV="false" rot="0">
+            <a:xfrm>
               <a:off x="0" y="0"/>
               <a:ext cx="852938" cy="2709333"/>
             </a:xfrm>
@@ -7498,9 +7152,9 @@
               <a:gdLst/>
               <a:ahLst/>
               <a:cxnLst/>
-              <a:rect r="r" b="b" t="t" l="l"/>
+              <a:rect l="l" t="t" r="r" b="b"/>
               <a:pathLst>
-                <a:path h="2709333" w="852938">
+                <a:path w="852938" h="2709333">
                   <a:moveTo>
                     <a:pt x="0" y="0"/>
                   </a:moveTo>
@@ -7521,11 +7175,18 @@
               <a:srgbClr val="18BC9C"/>
             </a:solidFill>
           </p:spPr>
+          <p:txBody>
+            <a:bodyPr/>
+            <a:lstStyle/>
+            <a:p>
+              <a:endParaRPr lang="en-IN"/>
+            </a:p>
+          </p:txBody>
         </p:sp>
         <p:sp>
           <p:nvSpPr>
-            <p:cNvPr name="TextBox 7" id="7"/>
-            <p:cNvSpPr txBox="true"/>
+            <p:cNvPr id="7" name="TextBox 7"/>
+            <p:cNvSpPr txBox="1"/>
             <p:nvPr/>
           </p:nvSpPr>
           <p:spPr>
@@ -7538,21 +7199,22 @@
             </a:prstGeom>
           </p:spPr>
           <p:txBody>
-            <a:bodyPr anchor="ctr" rtlCol="false" tIns="50800" lIns="50800" bIns="50800" rIns="50800"/>
+            <a:bodyPr lIns="50800" tIns="50800" rIns="50800" bIns="50800" rtlCol="0" anchor="ctr"/>
             <a:lstStyle/>
             <a:p>
-              <a:pPr algn="ctr" marL="0" indent="0" lvl="0">
+              <a:pPr marL="0" lvl="0" indent="0" algn="ctr">
                 <a:lnSpc>
                   <a:spcPts val="2800"/>
                 </a:lnSpc>
               </a:pPr>
+              <a:endParaRPr/>
             </a:p>
           </p:txBody>
         </p:sp>
       </p:grpSp>
       <p:sp>
         <p:nvSpPr>
-          <p:cNvPr name="AutoShape 8" id="8"/>
+          <p:cNvPr id="8" name="AutoShape 8"/>
           <p:cNvSpPr/>
           <p:nvPr/>
         </p:nvSpPr>
@@ -7564,24 +7226,31 @@
           <a:prstGeom prst="line">
             <a:avLst/>
           </a:prstGeom>
-          <a:ln cap="flat" w="9525">
+          <a:ln w="9525" cap="flat">
             <a:solidFill>
               <a:srgbClr val="2C3E50"/>
             </a:solidFill>
             <a:prstDash val="solid"/>
-            <a:headEnd type="none" len="sm" w="sm"/>
-            <a:tailEnd type="none" len="sm" w="sm"/>
+            <a:headEnd type="none" w="sm" len="sm"/>
+            <a:tailEnd type="none" w="sm" len="sm"/>
           </a:ln>
         </p:spPr>
-      </p:sp>
-      <p:sp>
-        <p:nvSpPr>
-          <p:cNvPr name="TextBox 9" id="9"/>
-          <p:cNvSpPr txBox="true"/>
+        <p:txBody>
+          <a:bodyPr/>
+          <a:lstStyle/>
+          <a:p>
+            <a:endParaRPr lang="en-IN"/>
+          </a:p>
+        </p:txBody>
+      </p:sp>
+      <p:sp>
+        <p:nvSpPr>
+          <p:cNvPr id="9" name="TextBox 9"/>
+          <p:cNvSpPr txBox="1"/>
           <p:nvPr/>
         </p:nvSpPr>
         <p:spPr>
-          <a:xfrm rot="0">
+          <a:xfrm>
             <a:off x="666750" y="2677921"/>
             <a:ext cx="12006905" cy="6212841"/>
           </a:xfrm>
@@ -7590,19 +7259,19 @@
           </a:prstGeom>
         </p:spPr>
         <p:txBody>
-          <a:bodyPr anchor="t" rtlCol="false" tIns="0" lIns="0" bIns="0" rIns="0">
+          <a:bodyPr lIns="0" tIns="0" rIns="0" bIns="0" rtlCol="0" anchor="t">
             <a:spAutoFit/>
           </a:bodyPr>
           <a:lstStyle/>
           <a:p>
-            <a:pPr algn="just" marL="626101" indent="-313050" lvl="1">
+            <a:pPr marL="626101" lvl="1" indent="-313050" algn="just">
               <a:lnSpc>
                 <a:spcPts val="4059"/>
               </a:lnSpc>
-              <a:buAutoNum type="arabicPeriod" startAt="1"/>
+              <a:buAutoNum type="arabicPeriod"/>
             </a:pPr>
             <a:r>
-              <a:rPr lang="en-US" sz="2899" spc="-28" u="sng">
+              <a:rPr lang="en-US" sz="2899" u="sng" spc="-28">
                 <a:solidFill>
                   <a:srgbClr val="2C3E50"/>
                 </a:solidFill>
@@ -7628,14 +7297,14 @@
             </a:r>
           </a:p>
           <a:p>
-            <a:pPr algn="just" marL="626101" indent="-313050" lvl="1">
+            <a:pPr marL="626101" lvl="1" indent="-313050" algn="just">
               <a:lnSpc>
                 <a:spcPts val="4059"/>
               </a:lnSpc>
-              <a:buAutoNum type="arabicPeriod" startAt="1"/>
+              <a:buAutoNum type="arabicPeriod"/>
             </a:pPr>
             <a:r>
-              <a:rPr lang="en-US" sz="2899" spc="-28" u="sng">
+              <a:rPr lang="en-US" sz="2899" u="sng" spc="-28">
                 <a:solidFill>
                   <a:srgbClr val="2C3E50"/>
                 </a:solidFill>
@@ -7661,14 +7330,14 @@
             </a:r>
           </a:p>
           <a:p>
-            <a:pPr algn="just" marL="626101" indent="-313050" lvl="1">
+            <a:pPr marL="626101" lvl="1" indent="-313050" algn="just">
               <a:lnSpc>
                 <a:spcPts val="4059"/>
               </a:lnSpc>
-              <a:buAutoNum type="arabicPeriod" startAt="1"/>
+              <a:buAutoNum type="arabicPeriod"/>
             </a:pPr>
             <a:r>
-              <a:rPr lang="en-US" sz="2899" spc="-28" u="sng">
+              <a:rPr lang="en-US" sz="2899" u="sng" spc="-28">
                 <a:solidFill>
                   <a:srgbClr val="2C3E50"/>
                 </a:solidFill>
@@ -7694,17 +7363,17 @@
             </a:r>
           </a:p>
           <a:p>
-            <a:pPr algn="just" marL="626101" indent="-313050" lvl="1">
+            <a:pPr marL="626101" lvl="1" indent="-313050" algn="just">
               <a:lnSpc>
                 <a:spcPts val="4059"/>
               </a:lnSpc>
               <a:spcBef>
                 <a:spcPct val="0"/>
               </a:spcBef>
-              <a:buAutoNum type="arabicPeriod" startAt="1"/>
+              <a:buAutoNum type="arabicPeriod"/>
             </a:pPr>
             <a:r>
-              <a:rPr lang="en-US" sz="2899" spc="-28" u="sng">
+              <a:rPr lang="en-US" sz="2899" u="sng" spc="-28">
                 <a:solidFill>
                   <a:srgbClr val="2C3E50"/>
                 </a:solidFill>
@@ -7740,13 +7409,14 @@
 </file>
 
 <file path=ppt/slides/slide6.xml><?xml version="1.0" encoding="utf-8"?>
-<p:sld xmlns:p="http://schemas.openxmlformats.org/presentationml/2006/main" xmlns:a="http://schemas.openxmlformats.org/drawingml/2006/main" xmlns:r="http://schemas.openxmlformats.org/officeDocument/2006/relationships">
+<p:sld xmlns:a="http://schemas.openxmlformats.org/drawingml/2006/main" xmlns:r="http://schemas.openxmlformats.org/officeDocument/2006/relationships" xmlns:p="http://schemas.openxmlformats.org/presentationml/2006/main">
   <p:cSld>
     <p:bg>
       <p:bgPr>
         <a:solidFill>
           <a:srgbClr val="F7F9FC"/>
         </a:solidFill>
+        <a:effectLst/>
       </p:bgPr>
     </p:bg>
     <p:spTree>
@@ -7765,12 +7435,12 @@
       </p:grpSpPr>
       <p:grpSp>
         <p:nvGrpSpPr>
-          <p:cNvPr name="Group 2" id="2"/>
+          <p:cNvPr id="2" name="Group 2"/>
           <p:cNvGrpSpPr/>
           <p:nvPr/>
         </p:nvGrpSpPr>
         <p:grpSpPr>
-          <a:xfrm rot="0">
+          <a:xfrm>
             <a:off x="15049500" y="0"/>
             <a:ext cx="3238500" cy="10287000"/>
             <a:chOff x="0" y="0"/>
@@ -7779,12 +7449,12 @@
         </p:grpSpPr>
         <p:sp>
           <p:nvSpPr>
-            <p:cNvPr name="Freeform 3" id="3"/>
+            <p:cNvPr id="3" name="Freeform 3"/>
             <p:cNvSpPr/>
             <p:nvPr/>
           </p:nvSpPr>
           <p:spPr>
-            <a:xfrm flipH="false" flipV="false" rot="0">
+            <a:xfrm>
               <a:off x="0" y="0"/>
               <a:ext cx="852938" cy="2709333"/>
             </a:xfrm>
@@ -7793,9 +7463,9 @@
               <a:gdLst/>
               <a:ahLst/>
               <a:cxnLst/>
-              <a:rect r="r" b="b" t="t" l="l"/>
+              <a:rect l="l" t="t" r="r" b="b"/>
               <a:pathLst>
-                <a:path h="2709333" w="852938">
+                <a:path w="852938" h="2709333">
                   <a:moveTo>
                     <a:pt x="0" y="0"/>
                   </a:moveTo>
@@ -7816,11 +7486,18 @@
               <a:srgbClr val="18BC9C"/>
             </a:solidFill>
           </p:spPr>
+          <p:txBody>
+            <a:bodyPr/>
+            <a:lstStyle/>
+            <a:p>
+              <a:endParaRPr lang="en-IN"/>
+            </a:p>
+          </p:txBody>
         </p:sp>
         <p:sp>
           <p:nvSpPr>
-            <p:cNvPr name="TextBox 4" id="4"/>
-            <p:cNvSpPr txBox="true"/>
+            <p:cNvPr id="4" name="TextBox 4"/>
+            <p:cNvSpPr txBox="1"/>
             <p:nvPr/>
           </p:nvSpPr>
           <p:spPr>
@@ -7833,26 +7510,27 @@
             </a:prstGeom>
           </p:spPr>
           <p:txBody>
-            <a:bodyPr anchor="ctr" rtlCol="false" tIns="50800" lIns="50800" bIns="50800" rIns="50800"/>
+            <a:bodyPr lIns="50800" tIns="50800" rIns="50800" bIns="50800" rtlCol="0" anchor="ctr"/>
             <a:lstStyle/>
             <a:p>
-              <a:pPr algn="ctr" marL="0" indent="0" lvl="0">
+              <a:pPr marL="0" lvl="0" indent="0" algn="ctr">
                 <a:lnSpc>
                   <a:spcPts val="2800"/>
                 </a:lnSpc>
               </a:pPr>
+              <a:endParaRPr/>
             </a:p>
           </p:txBody>
         </p:sp>
       </p:grpSp>
       <p:sp>
         <p:nvSpPr>
-          <p:cNvPr name="Freeform 5" id="5"/>
+          <p:cNvPr id="5" name="Freeform 5"/>
           <p:cNvSpPr/>
           <p:nvPr/>
         </p:nvSpPr>
         <p:spPr>
-          <a:xfrm flipH="false" flipV="false" rot="0">
+          <a:xfrm>
             <a:off x="666750" y="4669135"/>
             <a:ext cx="13053910" cy="5069269"/>
           </a:xfrm>
@@ -7861,9 +7539,9 @@
             <a:gdLst/>
             <a:ahLst/>
             <a:cxnLst/>
-            <a:rect r="r" b="b" t="t" l="l"/>
+            <a:rect l="l" t="t" r="r" b="b"/>
             <a:pathLst>
-              <a:path h="5069269" w="13053910">
+              <a:path w="13053910" h="5069269">
                 <a:moveTo>
                   <a:pt x="0" y="0"/>
                 </a:moveTo>
@@ -7886,19 +7564,26 @@
           <a:blipFill>
             <a:blip r:embed="rId2"/>
             <a:stretch>
-              <a:fillRect l="0" t="0" r="0" b="0"/>
+              <a:fillRect/>
             </a:stretch>
           </a:blipFill>
         </p:spPr>
+        <p:txBody>
+          <a:bodyPr/>
+          <a:lstStyle/>
+          <a:p>
+            <a:endParaRPr lang="en-IN"/>
+          </a:p>
+        </p:txBody>
       </p:sp>
       <p:grpSp>
         <p:nvGrpSpPr>
-          <p:cNvPr name="Group 6" id="6"/>
+          <p:cNvPr id="6" name="Group 6"/>
           <p:cNvGrpSpPr/>
           <p:nvPr/>
         </p:nvGrpSpPr>
         <p:grpSpPr>
-          <a:xfrm rot="0">
+          <a:xfrm>
             <a:off x="666750" y="651490"/>
             <a:ext cx="12639675" cy="1805940"/>
             <a:chOff x="0" y="0"/>
@@ -7907,12 +7592,12 @@
         </p:grpSpPr>
         <p:sp>
           <p:nvSpPr>
-            <p:cNvPr name="TextBox 7" id="7"/>
-            <p:cNvSpPr txBox="true"/>
+            <p:cNvPr id="7" name="TextBox 7"/>
+            <p:cNvSpPr txBox="1"/>
             <p:nvPr/>
           </p:nvSpPr>
           <p:spPr>
-            <a:xfrm rot="0">
+            <a:xfrm>
               <a:off x="0" y="-19050"/>
               <a:ext cx="16852900" cy="1432984"/>
             </a:xfrm>
@@ -7921,18 +7606,18 @@
             </a:prstGeom>
           </p:spPr>
           <p:txBody>
-            <a:bodyPr anchor="t" rtlCol="false" tIns="0" lIns="0" bIns="0" rIns="0">
+            <a:bodyPr lIns="0" tIns="0" rIns="0" bIns="0" rtlCol="0" anchor="t">
               <a:spAutoFit/>
             </a:bodyPr>
             <a:lstStyle/>
             <a:p>
-              <a:pPr algn="l" marL="0" indent="0" lvl="0">
+              <a:pPr marL="0" lvl="0" indent="0" algn="l">
                 <a:lnSpc>
                   <a:spcPts val="7700"/>
                 </a:lnSpc>
               </a:pPr>
               <a:r>
-                <a:rPr lang="en-US" b="true" sz="7000" spc="-70">
+                <a:rPr lang="en-US" sz="7000" b="1" spc="-70">
                   <a:solidFill>
                     <a:srgbClr val="2C3E50"/>
                   </a:solidFill>
@@ -7948,12 +7633,12 @@
         </p:sp>
         <p:sp>
           <p:nvSpPr>
-            <p:cNvPr name="TextBox 8" id="8"/>
-            <p:cNvSpPr txBox="true"/>
+            <p:cNvPr id="8" name="TextBox 8"/>
+            <p:cNvSpPr txBox="1"/>
             <p:nvPr/>
           </p:nvSpPr>
           <p:spPr>
-            <a:xfrm rot="0">
+            <a:xfrm>
               <a:off x="0" y="1760009"/>
               <a:ext cx="16852900" cy="647912"/>
             </a:xfrm>
@@ -7962,18 +7647,18 @@
             </a:prstGeom>
           </p:spPr>
           <p:txBody>
-            <a:bodyPr anchor="t" rtlCol="false" tIns="0" lIns="0" bIns="0" rIns="0">
+            <a:bodyPr lIns="0" tIns="0" rIns="0" bIns="0" rtlCol="0" anchor="t">
               <a:spAutoFit/>
             </a:bodyPr>
             <a:lstStyle/>
             <a:p>
-              <a:pPr algn="l" marL="0" indent="0" lvl="0">
+              <a:pPr marL="0" lvl="0" indent="0" algn="l">
                 <a:lnSpc>
                   <a:spcPts val="3519"/>
                 </a:lnSpc>
               </a:pPr>
               <a:r>
-                <a:rPr lang="en-US" b="true" sz="3199" spc="-31">
+                <a:rPr lang="en-US" sz="3199" b="1" spc="-31">
                   <a:solidFill>
                     <a:srgbClr val="2C3E50"/>
                   </a:solidFill>
@@ -7982,19 +7667,7 @@
                   <a:cs typeface="Telegraf Bold"/>
                   <a:sym typeface="Telegraf Bold"/>
                 </a:rPr>
-                <a:t>Data</a:t>
-              </a:r>
-              <a:r>
-                <a:rPr lang="en-US" b="true" sz="3199" spc="-31">
-                  <a:solidFill>
-                    <a:srgbClr val="2C3E50"/>
-                  </a:solidFill>
-                  <a:latin typeface="Telegraf Bold"/>
-                  <a:ea typeface="Telegraf Bold"/>
-                  <a:cs typeface="Telegraf Bold"/>
-                  <a:sym typeface="Telegraf Bold"/>
-                </a:rPr>
-                <a:t> Collection</a:t>
+                <a:t>Data Collection</a:t>
               </a:r>
             </a:p>
           </p:txBody>
@@ -8002,12 +7675,12 @@
       </p:grpSp>
       <p:sp>
         <p:nvSpPr>
-          <p:cNvPr name="TextBox 9" id="9"/>
-          <p:cNvSpPr txBox="true"/>
+          <p:cNvPr id="9" name="TextBox 9"/>
+          <p:cNvSpPr txBox="1"/>
           <p:nvPr/>
         </p:nvSpPr>
         <p:spPr>
-          <a:xfrm rot="0">
+          <a:xfrm>
             <a:off x="666750" y="2371705"/>
             <a:ext cx="12006905" cy="1889761"/>
           </a:xfrm>
@@ -8016,7 +7689,7 @@
           </a:prstGeom>
         </p:spPr>
         <p:txBody>
-          <a:bodyPr anchor="t" rtlCol="false" tIns="0" lIns="0" bIns="0" rIns="0">
+          <a:bodyPr lIns="0" tIns="0" rIns="0" bIns="0" rtlCol="0" anchor="t">
             <a:spAutoFit/>
           </a:bodyPr>
           <a:lstStyle/>
@@ -8042,7 +7715,7 @@
               <a:t>For this study, we utilized a public dataset from Mendeley Data (</a:t>
             </a:r>
             <a:r>
-              <a:rPr lang="en-US" sz="2099" spc="-20" u="sng">
+              <a:rPr lang="en-US" sz="2099" u="sng" spc="-20">
                 <a:solidFill>
                   <a:srgbClr val="2C3E50"/>
                 </a:solidFill>
@@ -8071,12 +7744,12 @@
       </p:sp>
       <p:sp>
         <p:nvSpPr>
-          <p:cNvPr name="TextBox 10" id="10"/>
-          <p:cNvSpPr txBox="true"/>
+          <p:cNvPr id="10" name="TextBox 10"/>
+          <p:cNvSpPr txBox="1"/>
           <p:nvPr/>
         </p:nvSpPr>
         <p:spPr>
-          <a:xfrm rot="0">
+          <a:xfrm>
             <a:off x="666750" y="4204315"/>
             <a:ext cx="3451014" cy="464820"/>
           </a:xfrm>
@@ -8085,7 +7758,7 @@
           </a:prstGeom>
         </p:spPr>
         <p:txBody>
-          <a:bodyPr anchor="t" rtlCol="false" tIns="0" lIns="0" bIns="0" rIns="0">
+          <a:bodyPr lIns="0" tIns="0" rIns="0" bIns="0" rtlCol="0" anchor="t">
             <a:spAutoFit/>
           </a:bodyPr>
           <a:lstStyle/>
@@ -8096,7 +7769,7 @@
               </a:lnSpc>
             </a:pPr>
             <a:r>
-              <a:rPr lang="en-US" sz="2700" b="true">
+              <a:rPr lang="en-US" sz="2700" b="1">
                 <a:solidFill>
                   <a:srgbClr val="2C3E50"/>
                 </a:solidFill>
@@ -8119,13 +7792,14 @@
 </file>
 
 <file path=ppt/slides/slide7.xml><?xml version="1.0" encoding="utf-8"?>
-<p:sld xmlns:p="http://schemas.openxmlformats.org/presentationml/2006/main" xmlns:a="http://schemas.openxmlformats.org/drawingml/2006/main">
+<p:sld xmlns:a="http://schemas.openxmlformats.org/drawingml/2006/main" xmlns:r="http://schemas.openxmlformats.org/officeDocument/2006/relationships" xmlns:p="http://schemas.openxmlformats.org/presentationml/2006/main">
   <p:cSld>
     <p:bg>
       <p:bgPr>
         <a:solidFill>
           <a:srgbClr val="F7F9FC"/>
         </a:solidFill>
+        <a:effectLst/>
       </p:bgPr>
     </p:bg>
     <p:spTree>
@@ -8144,12 +7818,12 @@
       </p:grpSpPr>
       <p:grpSp>
         <p:nvGrpSpPr>
-          <p:cNvPr name="Group 2" id="2"/>
+          <p:cNvPr id="2" name="Group 2"/>
           <p:cNvGrpSpPr/>
           <p:nvPr/>
         </p:nvGrpSpPr>
         <p:grpSpPr>
-          <a:xfrm rot="0">
+          <a:xfrm>
             <a:off x="657225" y="448899"/>
             <a:ext cx="12639675" cy="1805940"/>
             <a:chOff x="0" y="0"/>
@@ -8158,12 +7832,12 @@
         </p:grpSpPr>
         <p:sp>
           <p:nvSpPr>
-            <p:cNvPr name="TextBox 3" id="3"/>
-            <p:cNvSpPr txBox="true"/>
+            <p:cNvPr id="3" name="TextBox 3"/>
+            <p:cNvSpPr txBox="1"/>
             <p:nvPr/>
           </p:nvSpPr>
           <p:spPr>
-            <a:xfrm rot="0">
+            <a:xfrm>
               <a:off x="0" y="-19050"/>
               <a:ext cx="16852900" cy="1432984"/>
             </a:xfrm>
@@ -8172,18 +7846,18 @@
             </a:prstGeom>
           </p:spPr>
           <p:txBody>
-            <a:bodyPr anchor="t" rtlCol="false" tIns="0" lIns="0" bIns="0" rIns="0">
+            <a:bodyPr lIns="0" tIns="0" rIns="0" bIns="0" rtlCol="0" anchor="t">
               <a:spAutoFit/>
             </a:bodyPr>
             <a:lstStyle/>
             <a:p>
-              <a:pPr algn="l" marL="0" indent="0" lvl="0">
+              <a:pPr marL="0" lvl="0" indent="0" algn="l">
                 <a:lnSpc>
                   <a:spcPts val="7700"/>
                 </a:lnSpc>
               </a:pPr>
               <a:r>
-                <a:rPr lang="en-US" b="true" sz="7000" spc="-70">
+                <a:rPr lang="en-US" sz="7000" b="1" spc="-70">
                   <a:solidFill>
                     <a:srgbClr val="2C3E50"/>
                   </a:solidFill>
@@ -8199,12 +7873,12 @@
         </p:sp>
         <p:sp>
           <p:nvSpPr>
-            <p:cNvPr name="TextBox 4" id="4"/>
-            <p:cNvSpPr txBox="true"/>
+            <p:cNvPr id="4" name="TextBox 4"/>
+            <p:cNvSpPr txBox="1"/>
             <p:nvPr/>
           </p:nvSpPr>
           <p:spPr>
-            <a:xfrm rot="0">
+            <a:xfrm>
               <a:off x="0" y="1760009"/>
               <a:ext cx="16852900" cy="647912"/>
             </a:xfrm>
@@ -8213,18 +7887,18 @@
             </a:prstGeom>
           </p:spPr>
           <p:txBody>
-            <a:bodyPr anchor="t" rtlCol="false" tIns="0" lIns="0" bIns="0" rIns="0">
+            <a:bodyPr lIns="0" tIns="0" rIns="0" bIns="0" rtlCol="0" anchor="t">
               <a:spAutoFit/>
             </a:bodyPr>
             <a:lstStyle/>
             <a:p>
-              <a:pPr algn="l" marL="0" indent="0" lvl="0">
+              <a:pPr marL="0" lvl="0" indent="0" algn="l">
                 <a:lnSpc>
                   <a:spcPts val="3519"/>
                 </a:lnSpc>
               </a:pPr>
               <a:r>
-                <a:rPr lang="en-US" b="true" sz="3199" spc="-31">
+                <a:rPr lang="en-US" sz="3199" b="1" spc="-31">
                   <a:solidFill>
                     <a:srgbClr val="2C3E50"/>
                   </a:solidFill>
@@ -8241,12 +7915,12 @@
       </p:grpSp>
       <p:grpSp>
         <p:nvGrpSpPr>
-          <p:cNvPr name="Group 5" id="5"/>
+          <p:cNvPr id="5" name="Group 5"/>
           <p:cNvGrpSpPr/>
           <p:nvPr/>
         </p:nvGrpSpPr>
         <p:grpSpPr>
-          <a:xfrm rot="0">
+          <a:xfrm>
             <a:off x="15049500" y="0"/>
             <a:ext cx="3238500" cy="10287000"/>
             <a:chOff x="0" y="0"/>
@@ -8255,12 +7929,12 @@
         </p:grpSpPr>
         <p:sp>
           <p:nvSpPr>
-            <p:cNvPr name="Freeform 6" id="6"/>
+            <p:cNvPr id="6" name="Freeform 6"/>
             <p:cNvSpPr/>
             <p:nvPr/>
           </p:nvSpPr>
           <p:spPr>
-            <a:xfrm flipH="false" flipV="false" rot="0">
+            <a:xfrm>
               <a:off x="0" y="0"/>
               <a:ext cx="852938" cy="2709333"/>
             </a:xfrm>
@@ -8269,9 +7943,9 @@
               <a:gdLst/>
               <a:ahLst/>
               <a:cxnLst/>
-              <a:rect r="r" b="b" t="t" l="l"/>
+              <a:rect l="l" t="t" r="r" b="b"/>
               <a:pathLst>
-                <a:path h="2709333" w="852938">
+                <a:path w="852938" h="2709333">
                   <a:moveTo>
                     <a:pt x="0" y="0"/>
                   </a:moveTo>
@@ -8292,11 +7966,18 @@
               <a:srgbClr val="18BC9C"/>
             </a:solidFill>
           </p:spPr>
+          <p:txBody>
+            <a:bodyPr/>
+            <a:lstStyle/>
+            <a:p>
+              <a:endParaRPr lang="en-IN"/>
+            </a:p>
+          </p:txBody>
         </p:sp>
         <p:sp>
           <p:nvSpPr>
-            <p:cNvPr name="TextBox 7" id="7"/>
-            <p:cNvSpPr txBox="true"/>
+            <p:cNvPr id="7" name="TextBox 7"/>
+            <p:cNvSpPr txBox="1"/>
             <p:nvPr/>
           </p:nvSpPr>
           <p:spPr>
@@ -8309,21 +7990,22 @@
             </a:prstGeom>
           </p:spPr>
           <p:txBody>
-            <a:bodyPr anchor="ctr" rtlCol="false" tIns="50800" lIns="50800" bIns="50800" rIns="50800"/>
+            <a:bodyPr lIns="50800" tIns="50800" rIns="50800" bIns="50800" rtlCol="0" anchor="ctr"/>
             <a:lstStyle/>
             <a:p>
-              <a:pPr algn="ctr" marL="0" indent="0" lvl="0">
+              <a:pPr marL="0" lvl="0" indent="0" algn="ctr">
                 <a:lnSpc>
                   <a:spcPts val="2800"/>
                 </a:lnSpc>
               </a:pPr>
+              <a:endParaRPr/>
             </a:p>
           </p:txBody>
         </p:sp>
       </p:grpSp>
       <p:sp>
         <p:nvSpPr>
-          <p:cNvPr name="AutoShape 8" id="8"/>
+          <p:cNvPr id="8" name="AutoShape 8"/>
           <p:cNvSpPr/>
           <p:nvPr/>
         </p:nvSpPr>
@@ -8335,24 +8017,31 @@
           <a:prstGeom prst="line">
             <a:avLst/>
           </a:prstGeom>
-          <a:ln cap="flat" w="9525">
+          <a:ln w="9525" cap="flat">
             <a:solidFill>
               <a:srgbClr val="2C3E50"/>
             </a:solidFill>
             <a:prstDash val="solid"/>
-            <a:headEnd type="none" len="sm" w="sm"/>
-            <a:tailEnd type="none" len="sm" w="sm"/>
+            <a:headEnd type="none" w="sm" len="sm"/>
+            <a:tailEnd type="none" w="sm" len="sm"/>
           </a:ln>
         </p:spPr>
-      </p:sp>
-      <p:sp>
-        <p:nvSpPr>
-          <p:cNvPr name="TextBox 9" id="9"/>
-          <p:cNvSpPr txBox="true"/>
+        <p:txBody>
+          <a:bodyPr/>
+          <a:lstStyle/>
+          <a:p>
+            <a:endParaRPr lang="en-IN"/>
+          </a:p>
+        </p:txBody>
+      </p:sp>
+      <p:sp>
+        <p:nvSpPr>
+          <p:cNvPr id="9" name="TextBox 9"/>
+          <p:cNvSpPr txBox="1"/>
           <p:nvPr/>
         </p:nvSpPr>
         <p:spPr>
-          <a:xfrm rot="0">
+          <a:xfrm>
             <a:off x="657225" y="2159589"/>
             <a:ext cx="12344556" cy="1236981"/>
           </a:xfrm>
@@ -8361,7 +8050,7 @@
           </a:prstGeom>
         </p:spPr>
         <p:txBody>
-          <a:bodyPr anchor="t" rtlCol="false" tIns="0" lIns="0" bIns="0" rIns="0">
+          <a:bodyPr lIns="0" tIns="0" rIns="0" bIns="0" rtlCol="0" anchor="t">
             <a:spAutoFit/>
           </a:bodyPr>
           <a:lstStyle/>
@@ -8396,37 +8085,46 @@
                 <a:spcPct val="0"/>
               </a:spcBef>
             </a:pPr>
-          </a:p>
-        </p:txBody>
-      </p:sp>
-      <p:sp>
-        <p:nvSpPr>
-          <p:cNvPr name="TextBox 10" id="10"/>
-          <p:cNvSpPr txBox="true"/>
+            <a:endParaRPr lang="en-US" sz="2299" spc="-22">
+              <a:solidFill>
+                <a:srgbClr val="2C3E50"/>
+              </a:solidFill>
+              <a:latin typeface="Arial MT Pro"/>
+              <a:ea typeface="Arial MT Pro"/>
+              <a:cs typeface="Arial MT Pro"/>
+              <a:sym typeface="Arial MT Pro"/>
+            </a:endParaRPr>
+          </a:p>
+        </p:txBody>
+      </p:sp>
+      <p:sp>
+        <p:nvSpPr>
+          <p:cNvPr id="10" name="TextBox 10"/>
+          <p:cNvSpPr txBox="1"/>
           <p:nvPr/>
         </p:nvSpPr>
         <p:spPr>
-          <a:xfrm rot="0">
+          <a:xfrm>
             <a:off x="666750" y="3135585"/>
-            <a:ext cx="3446621" cy="464820"/>
+            <a:ext cx="3829050" cy="454868"/>
           </a:xfrm>
           <a:prstGeom prst="rect">
             <a:avLst/>
           </a:prstGeom>
         </p:spPr>
         <p:txBody>
-          <a:bodyPr anchor="t" rtlCol="false" tIns="0" lIns="0" bIns="0" rIns="0">
+          <a:bodyPr wrap="square" lIns="0" tIns="0" rIns="0" bIns="0" rtlCol="0" anchor="t">
             <a:spAutoFit/>
           </a:bodyPr>
           <a:lstStyle/>
           <a:p>
-            <a:pPr algn="ctr">
+            <a:pPr>
               <a:lnSpc>
                 <a:spcPts val="3780"/>
               </a:lnSpc>
             </a:pPr>
             <a:r>
-              <a:rPr lang="en-US" sz="2700" b="true">
+              <a:rPr lang="en-US" sz="2700" b="1" dirty="0">
                 <a:solidFill>
                   <a:srgbClr val="2C3E50"/>
                 </a:solidFill>
@@ -8442,12 +8140,12 @@
       </p:sp>
       <p:sp>
         <p:nvSpPr>
-          <p:cNvPr name="TextBox 11" id="11"/>
-          <p:cNvSpPr txBox="true"/>
+          <p:cNvPr id="11" name="TextBox 11"/>
+          <p:cNvSpPr txBox="1"/>
           <p:nvPr/>
         </p:nvSpPr>
         <p:spPr>
-          <a:xfrm rot="0">
+          <a:xfrm>
             <a:off x="657225" y="3571830"/>
             <a:ext cx="12502126" cy="3237230"/>
           </a:xfrm>
@@ -8456,7 +8154,7 @@
           </a:prstGeom>
         </p:spPr>
         <p:txBody>
-          <a:bodyPr anchor="t" rtlCol="false" tIns="0" lIns="0" bIns="0" rIns="0">
+          <a:bodyPr lIns="0" tIns="0" rIns="0" bIns="0" rtlCol="0" anchor="t">
             <a:spAutoFit/>
           </a:bodyPr>
           <a:lstStyle/>
@@ -8467,7 +8165,7 @@
               </a:lnSpc>
             </a:pPr>
             <a:r>
-              <a:rPr lang="en-US" sz="2300" spc="-23">
+              <a:rPr lang="en-US" sz="2300" spc="-23" dirty="0">
                 <a:solidFill>
                   <a:srgbClr val="2C3E50"/>
                 </a:solidFill>
@@ -8486,7 +8184,7 @@
               </a:lnSpc>
             </a:pPr>
             <a:r>
-              <a:rPr lang="en-US" b="true" sz="2300" i="true" spc="-23">
+              <a:rPr lang="en-US" sz="2300" b="1" i="1" spc="-23" dirty="0">
                 <a:solidFill>
                   <a:srgbClr val="2C3E50"/>
                 </a:solidFill>
@@ -8498,16 +8196,112 @@
               <a:t>Length-Based</a:t>
             </a:r>
             <a:r>
-              <a:rPr lang="en-US" sz="2300" spc="-23">
-                <a:solidFill>
-                  <a:srgbClr val="2C3E50"/>
-                </a:solidFill>
-                <a:latin typeface="Arial MT Pro"/>
-                <a:ea typeface="Arial MT Pro"/>
-                <a:cs typeface="Arial MT Pro"/>
-                <a:sym typeface="Arial MT Pro"/>
-              </a:rPr>
-              <a:t>: url_length, hostname_length, path_length, tld_length.</a:t>
+              <a:rPr lang="en-US" sz="2300" spc="-23" dirty="0">
+                <a:solidFill>
+                  <a:srgbClr val="2C3E50"/>
+                </a:solidFill>
+                <a:latin typeface="Arial MT Pro"/>
+                <a:ea typeface="Arial MT Pro"/>
+                <a:cs typeface="Arial MT Pro"/>
+                <a:sym typeface="Arial MT Pro"/>
+              </a:rPr>
+              <a:t>: </a:t>
+            </a:r>
+            <a:r>
+              <a:rPr lang="en-US" sz="2300" spc="-23" dirty="0" err="1">
+                <a:solidFill>
+                  <a:srgbClr val="2C3E50"/>
+                </a:solidFill>
+                <a:latin typeface="Arial MT Pro"/>
+                <a:ea typeface="Arial MT Pro"/>
+                <a:cs typeface="Arial MT Pro"/>
+                <a:sym typeface="Arial MT Pro"/>
+              </a:rPr>
+              <a:t>url_length</a:t>
+            </a:r>
+            <a:r>
+              <a:rPr lang="en-US" sz="2300" spc="-23" dirty="0">
+                <a:solidFill>
+                  <a:srgbClr val="2C3E50"/>
+                </a:solidFill>
+                <a:latin typeface="Arial MT Pro"/>
+                <a:ea typeface="Arial MT Pro"/>
+                <a:cs typeface="Arial MT Pro"/>
+                <a:sym typeface="Arial MT Pro"/>
+              </a:rPr>
+              <a:t>, </a:t>
+            </a:r>
+            <a:r>
+              <a:rPr lang="en-US" sz="2300" spc="-23" dirty="0" err="1">
+                <a:solidFill>
+                  <a:srgbClr val="2C3E50"/>
+                </a:solidFill>
+                <a:latin typeface="Arial MT Pro"/>
+                <a:ea typeface="Arial MT Pro"/>
+                <a:cs typeface="Arial MT Pro"/>
+                <a:sym typeface="Arial MT Pro"/>
+              </a:rPr>
+              <a:t>hostname_length</a:t>
+            </a:r>
+            <a:r>
+              <a:rPr lang="en-US" sz="2300" spc="-23" dirty="0">
+                <a:solidFill>
+                  <a:srgbClr val="2C3E50"/>
+                </a:solidFill>
+                <a:latin typeface="Arial MT Pro"/>
+                <a:ea typeface="Arial MT Pro"/>
+                <a:cs typeface="Arial MT Pro"/>
+                <a:sym typeface="Arial MT Pro"/>
+              </a:rPr>
+              <a:t>, </a:t>
+            </a:r>
+            <a:r>
+              <a:rPr lang="en-US" sz="2300" spc="-23" dirty="0" err="1">
+                <a:solidFill>
+                  <a:srgbClr val="2C3E50"/>
+                </a:solidFill>
+                <a:latin typeface="Arial MT Pro"/>
+                <a:ea typeface="Arial MT Pro"/>
+                <a:cs typeface="Arial MT Pro"/>
+                <a:sym typeface="Arial MT Pro"/>
+              </a:rPr>
+              <a:t>path_length</a:t>
+            </a:r>
+            <a:r>
+              <a:rPr lang="en-US" sz="2300" spc="-23" dirty="0">
+                <a:solidFill>
+                  <a:srgbClr val="2C3E50"/>
+                </a:solidFill>
+                <a:latin typeface="Arial MT Pro"/>
+                <a:ea typeface="Arial MT Pro"/>
+                <a:cs typeface="Arial MT Pro"/>
+                <a:sym typeface="Arial MT Pro"/>
+              </a:rPr>
+              <a:t>, </a:t>
+            </a:r>
+            <a:r>
+              <a:rPr lang="en-US" sz="2300" spc="-23" dirty="0" err="1">
+                <a:solidFill>
+                  <a:srgbClr val="2C3E50"/>
+                </a:solidFill>
+                <a:latin typeface="Arial MT Pro"/>
+                <a:ea typeface="Arial MT Pro"/>
+                <a:cs typeface="Arial MT Pro"/>
+                <a:sym typeface="Arial MT Pro"/>
+              </a:rPr>
+              <a:t>tld_length</a:t>
+            </a:r>
+            <a:r>
+              <a:rPr lang="en-US" sz="2300" spc="-23" dirty="0">
+                <a:solidFill>
+                  <a:srgbClr val="2C3E50"/>
+                </a:solidFill>
+                <a:latin typeface="Arial MT Pro"/>
+                <a:ea typeface="Arial MT Pro"/>
+                <a:cs typeface="Arial MT Pro"/>
+                <a:sym typeface="Arial MT Pro"/>
+              </a:rPr>
+              <a:t>.</a:t>
             </a:r>
           </a:p>
           <a:p>
@@ -8517,7 +8311,7 @@
               </a:lnSpc>
             </a:pPr>
             <a:r>
-              <a:rPr lang="en-US" b="true" sz="2300" i="true" spc="-23">
+              <a:rPr lang="en-US" sz="2300" b="1" i="1" spc="-23" dirty="0">
                 <a:solidFill>
                   <a:srgbClr val="2C3E50"/>
                 </a:solidFill>
@@ -8529,16 +8323,112 @@
               <a:t>Character-Count</a:t>
             </a:r>
             <a:r>
-              <a:rPr lang="en-US" sz="2300" spc="-23">
-                <a:solidFill>
-                  <a:srgbClr val="2C3E50"/>
-                </a:solidFill>
-                <a:latin typeface="Arial MT Pro"/>
-                <a:ea typeface="Arial MT Pro"/>
-                <a:cs typeface="Arial MT Pro"/>
-                <a:sym typeface="Arial MT Pro"/>
-              </a:rPr>
-              <a:t>: count_hyphen, count_at, count_dot, count_digits, etc.</a:t>
+              <a:rPr lang="en-US" sz="2300" spc="-23" dirty="0">
+                <a:solidFill>
+                  <a:srgbClr val="2C3E50"/>
+                </a:solidFill>
+                <a:latin typeface="Arial MT Pro"/>
+                <a:ea typeface="Arial MT Pro"/>
+                <a:cs typeface="Arial MT Pro"/>
+                <a:sym typeface="Arial MT Pro"/>
+              </a:rPr>
+              <a:t>: </a:t>
+            </a:r>
+            <a:r>
+              <a:rPr lang="en-US" sz="2300" spc="-23" dirty="0" err="1">
+                <a:solidFill>
+                  <a:srgbClr val="2C3E50"/>
+                </a:solidFill>
+                <a:latin typeface="Arial MT Pro"/>
+                <a:ea typeface="Arial MT Pro"/>
+                <a:cs typeface="Arial MT Pro"/>
+                <a:sym typeface="Arial MT Pro"/>
+              </a:rPr>
+              <a:t>count_hyphen</a:t>
+            </a:r>
+            <a:r>
+              <a:rPr lang="en-US" sz="2300" spc="-23" dirty="0">
+                <a:solidFill>
+                  <a:srgbClr val="2C3E50"/>
+                </a:solidFill>
+                <a:latin typeface="Arial MT Pro"/>
+                <a:ea typeface="Arial MT Pro"/>
+                <a:cs typeface="Arial MT Pro"/>
+                <a:sym typeface="Arial MT Pro"/>
+              </a:rPr>
+              <a:t>, </a:t>
+            </a:r>
+            <a:r>
+              <a:rPr lang="en-US" sz="2300" spc="-23" dirty="0" err="1">
+                <a:solidFill>
+                  <a:srgbClr val="2C3E50"/>
+                </a:solidFill>
+                <a:latin typeface="Arial MT Pro"/>
+                <a:ea typeface="Arial MT Pro"/>
+                <a:cs typeface="Arial MT Pro"/>
+                <a:sym typeface="Arial MT Pro"/>
+              </a:rPr>
+              <a:t>count_at</a:t>
+            </a:r>
+            <a:r>
+              <a:rPr lang="en-US" sz="2300" spc="-23" dirty="0">
+                <a:solidFill>
+                  <a:srgbClr val="2C3E50"/>
+                </a:solidFill>
+                <a:latin typeface="Arial MT Pro"/>
+                <a:ea typeface="Arial MT Pro"/>
+                <a:cs typeface="Arial MT Pro"/>
+                <a:sym typeface="Arial MT Pro"/>
+              </a:rPr>
+              <a:t>, </a:t>
+            </a:r>
+            <a:r>
+              <a:rPr lang="en-US" sz="2300" spc="-23" dirty="0" err="1">
+                <a:solidFill>
+                  <a:srgbClr val="2C3E50"/>
+                </a:solidFill>
+                <a:latin typeface="Arial MT Pro"/>
+                <a:ea typeface="Arial MT Pro"/>
+                <a:cs typeface="Arial MT Pro"/>
+                <a:sym typeface="Arial MT Pro"/>
+              </a:rPr>
+              <a:t>count_dot</a:t>
+            </a:r>
+            <a:r>
+              <a:rPr lang="en-US" sz="2300" spc="-23" dirty="0">
+                <a:solidFill>
+                  <a:srgbClr val="2C3E50"/>
+                </a:solidFill>
+                <a:latin typeface="Arial MT Pro"/>
+                <a:ea typeface="Arial MT Pro"/>
+                <a:cs typeface="Arial MT Pro"/>
+                <a:sym typeface="Arial MT Pro"/>
+              </a:rPr>
+              <a:t>, </a:t>
+            </a:r>
+            <a:r>
+              <a:rPr lang="en-US" sz="2300" spc="-23" dirty="0" err="1">
+                <a:solidFill>
+                  <a:srgbClr val="2C3E50"/>
+                </a:solidFill>
+                <a:latin typeface="Arial MT Pro"/>
+                <a:ea typeface="Arial MT Pro"/>
+                <a:cs typeface="Arial MT Pro"/>
+                <a:sym typeface="Arial MT Pro"/>
+              </a:rPr>
+              <a:t>count_digits</a:t>
+            </a:r>
+            <a:r>
+              <a:rPr lang="en-US" sz="2300" spc="-23" dirty="0">
+                <a:solidFill>
+                  <a:srgbClr val="2C3E50"/>
+                </a:solidFill>
+                <a:latin typeface="Arial MT Pro"/>
+                <a:ea typeface="Arial MT Pro"/>
+                <a:cs typeface="Arial MT Pro"/>
+                <a:sym typeface="Arial MT Pro"/>
+              </a:rPr>
+              <a:t>, etc.</a:t>
             </a:r>
           </a:p>
           <a:p>
@@ -8548,7 +8438,7 @@
               </a:lnSpc>
             </a:pPr>
             <a:r>
-              <a:rPr lang="en-US" b="true" sz="2300" i="true" spc="-23">
+              <a:rPr lang="en-US" sz="2300" b="1" i="1" spc="-23" dirty="0">
                 <a:solidFill>
                   <a:srgbClr val="2C3E50"/>
                 </a:solidFill>
@@ -8560,16 +8450,88 @@
               <a:t>Boolean Flags</a:t>
             </a:r>
             <a:r>
-              <a:rPr lang="en-US" sz="2300" spc="-23">
-                <a:solidFill>
-                  <a:srgbClr val="2C3E50"/>
-                </a:solidFill>
-                <a:latin typeface="Arial MT Pro"/>
-                <a:ea typeface="Arial MT Pro"/>
-                <a:cs typeface="Arial MT Pro"/>
-                <a:sym typeface="Arial MT Pro"/>
-              </a:rPr>
-              <a:t>: is_ip_address, is_https, is_shortened.</a:t>
+              <a:rPr lang="en-US" sz="2300" spc="-23" dirty="0">
+                <a:solidFill>
+                  <a:srgbClr val="2C3E50"/>
+                </a:solidFill>
+                <a:latin typeface="Arial MT Pro"/>
+                <a:ea typeface="Arial MT Pro"/>
+                <a:cs typeface="Arial MT Pro"/>
+                <a:sym typeface="Arial MT Pro"/>
+              </a:rPr>
+              <a:t>: </a:t>
+            </a:r>
+            <a:r>
+              <a:rPr lang="en-US" sz="2300" spc="-23" dirty="0" err="1">
+                <a:solidFill>
+                  <a:srgbClr val="2C3E50"/>
+                </a:solidFill>
+                <a:latin typeface="Arial MT Pro"/>
+                <a:ea typeface="Arial MT Pro"/>
+                <a:cs typeface="Arial MT Pro"/>
+                <a:sym typeface="Arial MT Pro"/>
+              </a:rPr>
+              <a:t>is_ip_address</a:t>
+            </a:r>
+            <a:r>
+              <a:rPr lang="en-US" sz="2300" spc="-23" dirty="0">
+                <a:solidFill>
+                  <a:srgbClr val="2C3E50"/>
+                </a:solidFill>
+                <a:latin typeface="Arial MT Pro"/>
+                <a:ea typeface="Arial MT Pro"/>
+                <a:cs typeface="Arial MT Pro"/>
+                <a:sym typeface="Arial MT Pro"/>
+              </a:rPr>
+              <a:t>, </a:t>
+            </a:r>
+            <a:r>
+              <a:rPr lang="en-US" sz="2300" spc="-23" dirty="0" err="1">
+                <a:solidFill>
+                  <a:srgbClr val="2C3E50"/>
+                </a:solidFill>
+                <a:latin typeface="Arial MT Pro"/>
+                <a:ea typeface="Arial MT Pro"/>
+                <a:cs typeface="Arial MT Pro"/>
+                <a:sym typeface="Arial MT Pro"/>
+              </a:rPr>
+              <a:t>is_https</a:t>
+            </a:r>
+            <a:r>
+              <a:rPr lang="en-US" sz="2300" spc="-23" dirty="0">
+                <a:solidFill>
+                  <a:srgbClr val="2C3E50"/>
+                </a:solidFill>
+                <a:latin typeface="Arial MT Pro"/>
+                <a:ea typeface="Arial MT Pro"/>
+                <a:cs typeface="Arial MT Pro"/>
+                <a:sym typeface="Arial MT Pro"/>
+              </a:rPr>
+              <a:t>, </a:t>
+            </a:r>
+            <a:r>
+              <a:rPr lang="en-US" sz="2300" spc="-23" dirty="0" err="1">
+                <a:solidFill>
+                  <a:srgbClr val="2C3E50"/>
+                </a:solidFill>
+                <a:latin typeface="Arial MT Pro"/>
+                <a:ea typeface="Arial MT Pro"/>
+                <a:cs typeface="Arial MT Pro"/>
+                <a:sym typeface="Arial MT Pro"/>
+              </a:rPr>
+              <a:t>is_shortened</a:t>
+            </a:r>
+            <a:r>
+              <a:rPr lang="en-US" sz="2300" spc="-23" dirty="0">
+                <a:solidFill>
+                  <a:srgbClr val="2C3E50"/>
+                </a:solidFill>
+                <a:latin typeface="Arial MT Pro"/>
+                <a:ea typeface="Arial MT Pro"/>
+                <a:cs typeface="Arial MT Pro"/>
+                <a:sym typeface="Arial MT Pro"/>
+              </a:rPr>
+              <a:t>.</a:t>
             </a:r>
           </a:p>
           <a:p>
@@ -8579,7 +8541,7 @@
               </a:lnSpc>
             </a:pPr>
             <a:r>
-              <a:rPr lang="en-US" b="true" sz="2300" i="true" spc="-23">
+              <a:rPr lang="en-US" sz="2300" b="1" i="1" spc="-23" dirty="0">
                 <a:solidFill>
                   <a:srgbClr val="2C3E50"/>
                 </a:solidFill>
@@ -8591,16 +8553,64 @@
               <a:t>Keyword-Based</a:t>
             </a:r>
             <a:r>
-              <a:rPr lang="en-US" sz="2300" spc="-23">
-                <a:solidFill>
-                  <a:srgbClr val="2C3E50"/>
-                </a:solidFill>
-                <a:latin typeface="Arial MT Pro"/>
-                <a:ea typeface="Arial MT Pro"/>
-                <a:cs typeface="Arial MT Pro"/>
-                <a:sym typeface="Arial MT Pro"/>
-              </a:rPr>
-              <a:t>: has_suspicious_keyword (e.g., "login", "secure", "paypal").</a:t>
+              <a:rPr lang="en-US" sz="2300" spc="-23" dirty="0">
+                <a:solidFill>
+                  <a:srgbClr val="2C3E50"/>
+                </a:solidFill>
+                <a:latin typeface="Arial MT Pro"/>
+                <a:ea typeface="Arial MT Pro"/>
+                <a:cs typeface="Arial MT Pro"/>
+                <a:sym typeface="Arial MT Pro"/>
+              </a:rPr>
+              <a:t>: </a:t>
+            </a:r>
+            <a:r>
+              <a:rPr lang="en-US" sz="2300" spc="-23" dirty="0" err="1">
+                <a:solidFill>
+                  <a:srgbClr val="2C3E50"/>
+                </a:solidFill>
+                <a:latin typeface="Arial MT Pro"/>
+                <a:ea typeface="Arial MT Pro"/>
+                <a:cs typeface="Arial MT Pro"/>
+                <a:sym typeface="Arial MT Pro"/>
+              </a:rPr>
+              <a:t>has_suspicious_keyword</a:t>
+            </a:r>
+            <a:r>
+              <a:rPr lang="en-US" sz="2300" spc="-23" dirty="0">
+                <a:solidFill>
+                  <a:srgbClr val="2C3E50"/>
+                </a:solidFill>
+                <a:latin typeface="Arial MT Pro"/>
+                <a:ea typeface="Arial MT Pro"/>
+                <a:cs typeface="Arial MT Pro"/>
+                <a:sym typeface="Arial MT Pro"/>
+              </a:rPr>
+              <a:t> (e.g., "login", "secure", "</a:t>
+            </a:r>
+            <a:r>
+              <a:rPr lang="en-US" sz="2300" spc="-23" dirty="0" err="1">
+                <a:solidFill>
+                  <a:srgbClr val="2C3E50"/>
+                </a:solidFill>
+                <a:latin typeface="Arial MT Pro"/>
+                <a:ea typeface="Arial MT Pro"/>
+                <a:cs typeface="Arial MT Pro"/>
+                <a:sym typeface="Arial MT Pro"/>
+              </a:rPr>
+              <a:t>paypal</a:t>
+            </a:r>
+            <a:r>
+              <a:rPr lang="en-US" sz="2300" spc="-23" dirty="0">
+                <a:solidFill>
+                  <a:srgbClr val="2C3E50"/>
+                </a:solidFill>
+                <a:latin typeface="Arial MT Pro"/>
+                <a:ea typeface="Arial MT Pro"/>
+                <a:cs typeface="Arial MT Pro"/>
+                <a:sym typeface="Arial MT Pro"/>
+              </a:rPr>
+              <a:t>").</a:t>
             </a:r>
           </a:p>
           <a:p>
@@ -8613,7 +8623,7 @@
               </a:spcBef>
             </a:pPr>
             <a:r>
-              <a:rPr lang="en-US" b="true" sz="2300" i="true" spc="-23">
+              <a:rPr lang="en-US" sz="2300" b="1" i="1" spc="-23" dirty="0">
                 <a:solidFill>
                   <a:srgbClr val="2C3E50"/>
                 </a:solidFill>
@@ -8625,16 +8635,64 @@
               <a:t>Obfuscation-Based</a:t>
             </a:r>
             <a:r>
-              <a:rPr lang="en-US" sz="2300" spc="-23">
-                <a:solidFill>
-                  <a:srgbClr val="2C3E50"/>
-                </a:solidFill>
-                <a:latin typeface="Arial MT Pro"/>
-                <a:ea typeface="Arial MT Pro"/>
-                <a:cs typeface="Arial MT Pro"/>
-                <a:sym typeface="Arial MT Pro"/>
-              </a:rPr>
-              <a:t>: tld_in_subdomain, abnormal_subdomain.</a:t>
+              <a:rPr lang="en-US" sz="2300" spc="-23" dirty="0">
+                <a:solidFill>
+                  <a:srgbClr val="2C3E50"/>
+                </a:solidFill>
+                <a:latin typeface="Arial MT Pro"/>
+                <a:ea typeface="Arial MT Pro"/>
+                <a:cs typeface="Arial MT Pro"/>
+                <a:sym typeface="Arial MT Pro"/>
+              </a:rPr>
+              <a:t>: </a:t>
+            </a:r>
+            <a:r>
+              <a:rPr lang="en-US" sz="2300" spc="-23" dirty="0" err="1">
+                <a:solidFill>
+                  <a:srgbClr val="2C3E50"/>
+                </a:solidFill>
+                <a:latin typeface="Arial MT Pro"/>
+                <a:ea typeface="Arial MT Pro"/>
+                <a:cs typeface="Arial MT Pro"/>
+                <a:sym typeface="Arial MT Pro"/>
+              </a:rPr>
+              <a:t>tld_in_subdomain</a:t>
+            </a:r>
+            <a:r>
+              <a:rPr lang="en-US" sz="2300" spc="-23" dirty="0">
+                <a:solidFill>
+                  <a:srgbClr val="2C3E50"/>
+                </a:solidFill>
+                <a:latin typeface="Arial MT Pro"/>
+                <a:ea typeface="Arial MT Pro"/>
+                <a:cs typeface="Arial MT Pro"/>
+                <a:sym typeface="Arial MT Pro"/>
+              </a:rPr>
+              <a:t>, </a:t>
+            </a:r>
+            <a:r>
+              <a:rPr lang="en-US" sz="2300" spc="-23" dirty="0" err="1">
+                <a:solidFill>
+                  <a:srgbClr val="2C3E50"/>
+                </a:solidFill>
+                <a:latin typeface="Arial MT Pro"/>
+                <a:ea typeface="Arial MT Pro"/>
+                <a:cs typeface="Arial MT Pro"/>
+                <a:sym typeface="Arial MT Pro"/>
+              </a:rPr>
+              <a:t>abnormal_subdomain</a:t>
+            </a:r>
+            <a:r>
+              <a:rPr lang="en-US" sz="2300" spc="-23" dirty="0">
+                <a:solidFill>
+                  <a:srgbClr val="2C3E50"/>
+                </a:solidFill>
+                <a:latin typeface="Arial MT Pro"/>
+                <a:ea typeface="Arial MT Pro"/>
+                <a:cs typeface="Arial MT Pro"/>
+                <a:sym typeface="Arial MT Pro"/>
+              </a:rPr>
+              <a:t>.</a:t>
             </a:r>
           </a:p>
           <a:p>
@@ -8646,17 +8704,26 @@
                 <a:spcPct val="0"/>
               </a:spcBef>
             </a:pPr>
-          </a:p>
-        </p:txBody>
-      </p:sp>
-      <p:sp>
-        <p:nvSpPr>
-          <p:cNvPr name="TextBox 12" id="12"/>
-          <p:cNvSpPr txBox="true"/>
+            <a:endParaRPr lang="en-US" sz="2300" spc="-23" dirty="0">
+              <a:solidFill>
+                <a:srgbClr val="2C3E50"/>
+              </a:solidFill>
+              <a:latin typeface="Arial MT Pro"/>
+              <a:ea typeface="Arial MT Pro"/>
+              <a:cs typeface="Arial MT Pro"/>
+              <a:sym typeface="Arial MT Pro"/>
+            </a:endParaRPr>
+          </a:p>
+        </p:txBody>
+      </p:sp>
+      <p:sp>
+        <p:nvSpPr>
+          <p:cNvPr id="12" name="TextBox 12"/>
+          <p:cNvSpPr txBox="1"/>
           <p:nvPr/>
         </p:nvSpPr>
         <p:spPr>
-          <a:xfrm rot="0">
+          <a:xfrm>
             <a:off x="666750" y="6548075"/>
             <a:ext cx="5649290" cy="464820"/>
           </a:xfrm>
@@ -8665,7 +8732,7 @@
           </a:prstGeom>
         </p:spPr>
         <p:txBody>
-          <a:bodyPr anchor="t" rtlCol="false" tIns="0" lIns="0" bIns="0" rIns="0">
+          <a:bodyPr lIns="0" tIns="0" rIns="0" bIns="0" rtlCol="0" anchor="t">
             <a:spAutoFit/>
           </a:bodyPr>
           <a:lstStyle/>
@@ -8676,7 +8743,7 @@
               </a:lnSpc>
             </a:pPr>
             <a:r>
-              <a:rPr lang="en-US" sz="2700" b="true">
+              <a:rPr lang="en-US" sz="2700" b="1" dirty="0">
                 <a:solidFill>
                   <a:srgbClr val="2C3E50"/>
                 </a:solidFill>
@@ -8692,12 +8759,12 @@
       </p:sp>
       <p:sp>
         <p:nvSpPr>
-          <p:cNvPr name="TextBox 13" id="13"/>
-          <p:cNvSpPr txBox="true"/>
+          <p:cNvPr id="13" name="TextBox 13"/>
+          <p:cNvSpPr txBox="1"/>
           <p:nvPr/>
         </p:nvSpPr>
         <p:spPr>
-          <a:xfrm rot="0">
+          <a:xfrm>
             <a:off x="666750" y="6980682"/>
             <a:ext cx="12006905" cy="2437130"/>
           </a:xfrm>
@@ -8706,7 +8773,7 @@
           </a:prstGeom>
         </p:spPr>
         <p:txBody>
-          <a:bodyPr anchor="t" rtlCol="false" tIns="0" lIns="0" bIns="0" rIns="0">
+          <a:bodyPr lIns="0" tIns="0" rIns="0" bIns="0" rtlCol="0" anchor="t">
             <a:spAutoFit/>
           </a:bodyPr>
           <a:lstStyle/>
@@ -8745,31 +8812,7 @@
                 <a:cs typeface="Arial MT Pro"/>
                 <a:sym typeface="Arial MT Pro"/>
               </a:rPr>
-              <a:t>A fix</a:t>
-            </a:r>
-            <a:r>
-              <a:rPr lang="en-US" sz="2300" spc="-23">
-                <a:solidFill>
-                  <a:srgbClr val="2C3E50"/>
-                </a:solidFill>
-                <a:latin typeface="Arial MT Pro"/>
-                <a:ea typeface="Arial MT Pro"/>
-                <a:cs typeface="Arial MT Pro"/>
-                <a:sym typeface="Arial MT Pro"/>
-              </a:rPr>
-              <a:t>ed</a:t>
-            </a:r>
-            <a:r>
-              <a:rPr lang="en-US" sz="2300" spc="-23">
-                <a:solidFill>
-                  <a:srgbClr val="2C3E50"/>
-                </a:solidFill>
-                <a:latin typeface="Arial MT Pro"/>
-                <a:ea typeface="Arial MT Pro"/>
-                <a:cs typeface="Arial MT Pro"/>
-                <a:sym typeface="Arial MT Pro"/>
-              </a:rPr>
-              <a:t> vocabulary of 78 characters (a-z, A-Z, 0-9, and symbols) was defined.</a:t>
+              <a:t>A fixed vocabulary of 78 characters (a-z, A-Z, 0-9, and symbols) was defined.</a:t>
             </a:r>
           </a:p>
           <a:p>
@@ -8832,7 +8875,7 @@
               <a:t>The sequences were then padded (with 0s) or truncated to a fixed length of 200, resulting in a </a:t>
             </a:r>
             <a:r>
-              <a:rPr lang="en-US" b="true" sz="2300" spc="-23">
+              <a:rPr lang="en-US" sz="2300" b="1" spc="-23">
                 <a:solidFill>
                   <a:srgbClr val="2C3E50"/>
                 </a:solidFill>
@@ -8867,13 +8910,14 @@
 </file>
 
 <file path=ppt/slides/slide8.xml><?xml version="1.0" encoding="utf-8"?>
-<p:sld xmlns:p="http://schemas.openxmlformats.org/presentationml/2006/main" xmlns:a="http://schemas.openxmlformats.org/drawingml/2006/main">
+<p:sld xmlns:a="http://schemas.openxmlformats.org/drawingml/2006/main" xmlns:r="http://schemas.openxmlformats.org/officeDocument/2006/relationships" xmlns:p="http://schemas.openxmlformats.org/presentationml/2006/main">
   <p:cSld>
     <p:bg>
       <p:bgPr>
         <a:solidFill>
           <a:srgbClr val="F7F9FC"/>
         </a:solidFill>
+        <a:effectLst/>
       </p:bgPr>
     </p:bg>
     <p:spTree>
@@ -8892,12 +8936,12 @@
       </p:grpSpPr>
       <p:grpSp>
         <p:nvGrpSpPr>
-          <p:cNvPr name="Group 2" id="2"/>
+          <p:cNvPr id="2" name="Group 2"/>
           <p:cNvGrpSpPr/>
           <p:nvPr/>
         </p:nvGrpSpPr>
         <p:grpSpPr>
-          <a:xfrm rot="0">
+          <a:xfrm>
             <a:off x="666750" y="448899"/>
             <a:ext cx="12639675" cy="1805940"/>
             <a:chOff x="0" y="0"/>
@@ -8906,12 +8950,12 @@
         </p:grpSpPr>
         <p:sp>
           <p:nvSpPr>
-            <p:cNvPr name="TextBox 3" id="3"/>
-            <p:cNvSpPr txBox="true"/>
+            <p:cNvPr id="3" name="TextBox 3"/>
+            <p:cNvSpPr txBox="1"/>
             <p:nvPr/>
           </p:nvSpPr>
           <p:spPr>
-            <a:xfrm rot="0">
+            <a:xfrm>
               <a:off x="0" y="-19050"/>
               <a:ext cx="16852900" cy="1432984"/>
             </a:xfrm>
@@ -8920,18 +8964,18 @@
             </a:prstGeom>
           </p:spPr>
           <p:txBody>
-            <a:bodyPr anchor="t" rtlCol="false" tIns="0" lIns="0" bIns="0" rIns="0">
+            <a:bodyPr lIns="0" tIns="0" rIns="0" bIns="0" rtlCol="0" anchor="t">
               <a:spAutoFit/>
             </a:bodyPr>
             <a:lstStyle/>
             <a:p>
-              <a:pPr algn="l" marL="0" indent="0" lvl="0">
+              <a:pPr marL="0" lvl="0" indent="0" algn="l">
                 <a:lnSpc>
                   <a:spcPts val="7700"/>
                 </a:lnSpc>
               </a:pPr>
               <a:r>
-                <a:rPr lang="en-US" b="true" sz="7000" spc="-70">
+                <a:rPr lang="en-US" sz="7000" b="1" spc="-70">
                   <a:solidFill>
                     <a:srgbClr val="2C3E50"/>
                   </a:solidFill>
@@ -8947,12 +8991,12 @@
         </p:sp>
         <p:sp>
           <p:nvSpPr>
-            <p:cNvPr name="TextBox 4" id="4"/>
-            <p:cNvSpPr txBox="true"/>
+            <p:cNvPr id="4" name="TextBox 4"/>
+            <p:cNvSpPr txBox="1"/>
             <p:nvPr/>
           </p:nvSpPr>
           <p:spPr>
-            <a:xfrm rot="0">
+            <a:xfrm>
               <a:off x="0" y="1760009"/>
               <a:ext cx="16852900" cy="647912"/>
             </a:xfrm>
@@ -8961,18 +9005,18 @@
             </a:prstGeom>
           </p:spPr>
           <p:txBody>
-            <a:bodyPr anchor="t" rtlCol="false" tIns="0" lIns="0" bIns="0" rIns="0">
+            <a:bodyPr lIns="0" tIns="0" rIns="0" bIns="0" rtlCol="0" anchor="t">
               <a:spAutoFit/>
             </a:bodyPr>
             <a:lstStyle/>
             <a:p>
-              <a:pPr algn="l" marL="0" indent="0" lvl="0">
+              <a:pPr marL="0" lvl="0" indent="0" algn="l">
                 <a:lnSpc>
                   <a:spcPts val="3519"/>
                 </a:lnSpc>
               </a:pPr>
               <a:r>
-                <a:rPr lang="en-US" b="true" sz="3199" spc="-31">
+                <a:rPr lang="en-US" sz="3199" b="1" spc="-31">
                   <a:solidFill>
                     <a:srgbClr val="2C3E50"/>
                   </a:solidFill>
@@ -8989,12 +9033,12 @@
       </p:grpSp>
       <p:grpSp>
         <p:nvGrpSpPr>
-          <p:cNvPr name="Group 5" id="5"/>
+          <p:cNvPr id="5" name="Group 5"/>
           <p:cNvGrpSpPr/>
           <p:nvPr/>
         </p:nvGrpSpPr>
         <p:grpSpPr>
-          <a:xfrm rot="0">
+          <a:xfrm>
             <a:off x="15049500" y="0"/>
             <a:ext cx="3238500" cy="10287000"/>
             <a:chOff x="0" y="0"/>
@@ -9003,12 +9047,12 @@
         </p:grpSpPr>
         <p:sp>
           <p:nvSpPr>
-            <p:cNvPr name="Freeform 6" id="6"/>
+            <p:cNvPr id="6" name="Freeform 6"/>
             <p:cNvSpPr/>
             <p:nvPr/>
           </p:nvSpPr>
           <p:spPr>
-            <a:xfrm flipH="false" flipV="false" rot="0">
+            <a:xfrm>
               <a:off x="0" y="0"/>
               <a:ext cx="852938" cy="2709333"/>
             </a:xfrm>
@@ -9017,9 +9061,9 @@
               <a:gdLst/>
               <a:ahLst/>
               <a:cxnLst/>
-              <a:rect r="r" b="b" t="t" l="l"/>
+              <a:rect l="l" t="t" r="r" b="b"/>
               <a:pathLst>
-                <a:path h="2709333" w="852938">
+                <a:path w="852938" h="2709333">
                   <a:moveTo>
                     <a:pt x="0" y="0"/>
                   </a:moveTo>
@@ -9040,11 +9084,18 @@
               <a:srgbClr val="18BC9C"/>
             </a:solidFill>
           </p:spPr>
+          <p:txBody>
+            <a:bodyPr/>
+            <a:lstStyle/>
+            <a:p>
+              <a:endParaRPr lang="en-IN"/>
+            </a:p>
+          </p:txBody>
         </p:sp>
         <p:sp>
           <p:nvSpPr>
-            <p:cNvPr name="TextBox 7" id="7"/>
-            <p:cNvSpPr txBox="true"/>
+            <p:cNvPr id="7" name="TextBox 7"/>
+            <p:cNvSpPr txBox="1"/>
             <p:nvPr/>
           </p:nvSpPr>
           <p:spPr>
@@ -9057,21 +9108,22 @@
             </a:prstGeom>
           </p:spPr>
           <p:txBody>
-            <a:bodyPr anchor="ctr" rtlCol="false" tIns="50800" lIns="50800" bIns="50800" rIns="50800"/>
+            <a:bodyPr lIns="50800" tIns="50800" rIns="50800" bIns="50800" rtlCol="0" anchor="ctr"/>
             <a:lstStyle/>
             <a:p>
-              <a:pPr algn="ctr" marL="0" indent="0" lvl="0">
+              <a:pPr marL="0" lvl="0" indent="0" algn="ctr">
                 <a:lnSpc>
                   <a:spcPts val="2800"/>
                 </a:lnSpc>
               </a:pPr>
+              <a:endParaRPr/>
             </a:p>
           </p:txBody>
         </p:sp>
       </p:grpSp>
       <p:sp>
         <p:nvSpPr>
-          <p:cNvPr name="AutoShape 8" id="8"/>
+          <p:cNvPr id="8" name="AutoShape 8"/>
           <p:cNvSpPr/>
           <p:nvPr/>
         </p:nvSpPr>
@@ -9083,24 +9135,31 @@
           <a:prstGeom prst="line">
             <a:avLst/>
           </a:prstGeom>
-          <a:ln cap="flat" w="9525">
+          <a:ln w="9525" cap="flat">
             <a:solidFill>
               <a:srgbClr val="2C3E50"/>
             </a:solidFill>
             <a:prstDash val="solid"/>
-            <a:headEnd type="none" len="sm" w="sm"/>
-            <a:tailEnd type="none" len="sm" w="sm"/>
+            <a:headEnd type="none" w="sm" len="sm"/>
+            <a:tailEnd type="none" w="sm" len="sm"/>
           </a:ln>
         </p:spPr>
-      </p:sp>
-      <p:sp>
-        <p:nvSpPr>
-          <p:cNvPr name="TextBox 9" id="9"/>
-          <p:cNvSpPr txBox="true"/>
+        <p:txBody>
+          <a:bodyPr/>
+          <a:lstStyle/>
+          <a:p>
+            <a:endParaRPr lang="en-IN"/>
+          </a:p>
+        </p:txBody>
+      </p:sp>
+      <p:sp>
+        <p:nvSpPr>
+          <p:cNvPr id="9" name="TextBox 9"/>
+          <p:cNvSpPr txBox="1"/>
           <p:nvPr/>
         </p:nvSpPr>
         <p:spPr>
-          <a:xfrm rot="0">
+          <a:xfrm>
             <a:off x="666750" y="2159589"/>
             <a:ext cx="12006905" cy="836931"/>
           </a:xfrm>
@@ -9109,7 +9168,7 @@
           </a:prstGeom>
         </p:spPr>
         <p:txBody>
-          <a:bodyPr anchor="t" rtlCol="false" tIns="0" lIns="0" bIns="0" rIns="0">
+          <a:bodyPr lIns="0" tIns="0" rIns="0" bIns="0" rtlCol="0" anchor="t">
             <a:spAutoFit/>
           </a:bodyPr>
           <a:lstStyle/>
@@ -9139,32 +9198,32 @@
       </p:sp>
       <p:sp>
         <p:nvSpPr>
-          <p:cNvPr name="TextBox 10" id="10"/>
-          <p:cNvSpPr txBox="true"/>
+          <p:cNvPr id="10" name="TextBox 10"/>
+          <p:cNvSpPr txBox="1"/>
           <p:nvPr/>
         </p:nvSpPr>
         <p:spPr>
-          <a:xfrm rot="0">
+          <a:xfrm>
             <a:off x="666750" y="3107667"/>
-            <a:ext cx="3475911" cy="464820"/>
+            <a:ext cx="4895850" cy="454868"/>
           </a:xfrm>
           <a:prstGeom prst="rect">
             <a:avLst/>
           </a:prstGeom>
         </p:spPr>
         <p:txBody>
-          <a:bodyPr anchor="t" rtlCol="false" tIns="0" lIns="0" bIns="0" rIns="0">
+          <a:bodyPr wrap="square" lIns="0" tIns="0" rIns="0" bIns="0" rtlCol="0" anchor="t">
             <a:spAutoFit/>
           </a:bodyPr>
           <a:lstStyle/>
           <a:p>
-            <a:pPr algn="ctr">
+            <a:pPr>
               <a:lnSpc>
                 <a:spcPts val="3780"/>
               </a:lnSpc>
             </a:pPr>
             <a:r>
-              <a:rPr lang="en-US" sz="2700" b="true">
+              <a:rPr lang="en-US" sz="2700" b="1" dirty="0">
                 <a:solidFill>
                   <a:srgbClr val="2C3E50"/>
                 </a:solidFill>
@@ -9180,12 +9239,12 @@
       </p:sp>
       <p:sp>
         <p:nvSpPr>
-          <p:cNvPr name="TextBox 11" id="11"/>
-          <p:cNvSpPr txBox="true"/>
+          <p:cNvPr id="11" name="TextBox 11"/>
+          <p:cNvSpPr txBox="1"/>
           <p:nvPr/>
         </p:nvSpPr>
         <p:spPr>
-          <a:xfrm rot="0">
+          <a:xfrm>
             <a:off x="666750" y="3572487"/>
             <a:ext cx="12006905" cy="1236981"/>
           </a:xfrm>
@@ -9194,7 +9253,7 @@
           </a:prstGeom>
         </p:spPr>
         <p:txBody>
-          <a:bodyPr anchor="t" rtlCol="false" tIns="0" lIns="0" bIns="0" rIns="0">
+          <a:bodyPr lIns="0" tIns="0" rIns="0" bIns="0" rtlCol="0" anchor="t">
             <a:spAutoFit/>
           </a:bodyPr>
           <a:lstStyle/>
@@ -9205,7 +9264,7 @@
               </a:lnSpc>
             </a:pPr>
             <a:r>
-              <a:rPr lang="en-US" sz="2299" spc="-22">
+              <a:rPr lang="en-US" sz="2299" spc="-22" dirty="0">
                 <a:solidFill>
                   <a:srgbClr val="2C3E50"/>
                 </a:solidFill>
@@ -9227,28 +9286,253 @@
               </a:spcBef>
             </a:pPr>
             <a:r>
-              <a:rPr lang="en-US" sz="2299" spc="-22">
-                <a:solidFill>
-                  <a:srgbClr val="2C3E50"/>
-                </a:solidFill>
-                <a:latin typeface="Arial MT Pro"/>
-                <a:ea typeface="Arial MT Pro"/>
-                <a:cs typeface="Arial MT Pro"/>
-                <a:sym typeface="Arial MT Pro"/>
-              </a:rPr>
-              <a:t>total_links, internal_links, external_links, null_links, internal_css, external_css, internal_errors, external_errors, internal_favicon, external_favicon</a:t>
-            </a:r>
-          </a:p>
-        </p:txBody>
-      </p:sp>
-      <p:sp>
-        <p:nvSpPr>
-          <p:cNvPr name="TextBox 12" id="12"/>
-          <p:cNvSpPr txBox="true"/>
+              <a:rPr lang="en-US" sz="2299" spc="-22" dirty="0" err="1">
+                <a:solidFill>
+                  <a:srgbClr val="2C3E50"/>
+                </a:solidFill>
+                <a:latin typeface="Arial MT Pro"/>
+                <a:ea typeface="Arial MT Pro"/>
+                <a:cs typeface="Arial MT Pro"/>
+                <a:sym typeface="Arial MT Pro"/>
+              </a:rPr>
+              <a:t>total_links</a:t>
+            </a:r>
+            <a:r>
+              <a:rPr lang="en-US" sz="2299" spc="-22" dirty="0">
+                <a:solidFill>
+                  <a:srgbClr val="2C3E50"/>
+                </a:solidFill>
+                <a:latin typeface="Arial MT Pro"/>
+                <a:ea typeface="Arial MT Pro"/>
+                <a:cs typeface="Arial MT Pro"/>
+                <a:sym typeface="Arial MT Pro"/>
+              </a:rPr>
+              <a:t>, </a:t>
+            </a:r>
+            <a:r>
+              <a:rPr lang="en-US" sz="2299" spc="-22" dirty="0" err="1">
+                <a:solidFill>
+                  <a:srgbClr val="2C3E50"/>
+                </a:solidFill>
+                <a:latin typeface="Arial MT Pro"/>
+                <a:ea typeface="Arial MT Pro"/>
+                <a:cs typeface="Arial MT Pro"/>
+                <a:sym typeface="Arial MT Pro"/>
+              </a:rPr>
+              <a:t>internal_links</a:t>
+            </a:r>
+            <a:r>
+              <a:rPr lang="en-US" sz="2299" spc="-22" dirty="0">
+                <a:solidFill>
+                  <a:srgbClr val="2C3E50"/>
+                </a:solidFill>
+                <a:latin typeface="Arial MT Pro"/>
+                <a:ea typeface="Arial MT Pro"/>
+                <a:cs typeface="Arial MT Pro"/>
+                <a:sym typeface="Arial MT Pro"/>
+              </a:rPr>
+              <a:t>, </a:t>
+            </a:r>
+            <a:r>
+              <a:rPr lang="en-US" sz="2299" spc="-22" dirty="0" err="1">
+                <a:solidFill>
+                  <a:srgbClr val="2C3E50"/>
+                </a:solidFill>
+                <a:latin typeface="Arial MT Pro"/>
+                <a:ea typeface="Arial MT Pro"/>
+                <a:cs typeface="Arial MT Pro"/>
+                <a:sym typeface="Arial MT Pro"/>
+              </a:rPr>
+              <a:t>external_links</a:t>
+            </a:r>
+            <a:r>
+              <a:rPr lang="en-US" sz="2299" spc="-22" dirty="0">
+                <a:solidFill>
+                  <a:srgbClr val="2C3E50"/>
+                </a:solidFill>
+                <a:latin typeface="Arial MT Pro"/>
+                <a:ea typeface="Arial MT Pro"/>
+                <a:cs typeface="Arial MT Pro"/>
+                <a:sym typeface="Arial MT Pro"/>
+              </a:rPr>
+              <a:t>, </a:t>
+            </a:r>
+            <a:r>
+              <a:rPr lang="en-US" sz="2299" spc="-22" dirty="0" err="1">
+                <a:solidFill>
+                  <a:srgbClr val="2C3E50"/>
+                </a:solidFill>
+                <a:latin typeface="Arial MT Pro"/>
+                <a:ea typeface="Arial MT Pro"/>
+                <a:cs typeface="Arial MT Pro"/>
+                <a:sym typeface="Arial MT Pro"/>
+              </a:rPr>
+              <a:t>null_links</a:t>
+            </a:r>
+            <a:r>
+              <a:rPr lang="en-US" sz="2299" spc="-22" dirty="0">
+                <a:solidFill>
+                  <a:srgbClr val="2C3E50"/>
+                </a:solidFill>
+                <a:latin typeface="Arial MT Pro"/>
+                <a:ea typeface="Arial MT Pro"/>
+                <a:cs typeface="Arial MT Pro"/>
+                <a:sym typeface="Arial MT Pro"/>
+              </a:rPr>
+              <a:t>, </a:t>
+            </a:r>
+            <a:r>
+              <a:rPr lang="en-US" sz="2299" spc="-22" dirty="0" err="1">
+                <a:solidFill>
+                  <a:srgbClr val="2C3E50"/>
+                </a:solidFill>
+                <a:latin typeface="Arial MT Pro"/>
+                <a:ea typeface="Arial MT Pro"/>
+                <a:cs typeface="Arial MT Pro"/>
+                <a:sym typeface="Arial MT Pro"/>
+              </a:rPr>
+              <a:t>internal_css</a:t>
+            </a:r>
+            <a:r>
+              <a:rPr lang="en-US" sz="2299" spc="-22" dirty="0">
+                <a:solidFill>
+                  <a:srgbClr val="2C3E50"/>
+                </a:solidFill>
+                <a:latin typeface="Arial MT Pro"/>
+                <a:ea typeface="Arial MT Pro"/>
+                <a:cs typeface="Arial MT Pro"/>
+                <a:sym typeface="Arial MT Pro"/>
+              </a:rPr>
+              <a:t>, </a:t>
+            </a:r>
+            <a:r>
+              <a:rPr lang="en-US" sz="2299" spc="-22" dirty="0" err="1">
+                <a:solidFill>
+                  <a:srgbClr val="2C3E50"/>
+                </a:solidFill>
+                <a:latin typeface="Arial MT Pro"/>
+                <a:ea typeface="Arial MT Pro"/>
+                <a:cs typeface="Arial MT Pro"/>
+                <a:sym typeface="Arial MT Pro"/>
+              </a:rPr>
+              <a:t>external_css</a:t>
+            </a:r>
+            <a:r>
+              <a:rPr lang="en-US" sz="2299" spc="-22" dirty="0">
+                <a:solidFill>
+                  <a:srgbClr val="2C3E50"/>
+                </a:solidFill>
+                <a:latin typeface="Arial MT Pro"/>
+                <a:ea typeface="Arial MT Pro"/>
+                <a:cs typeface="Arial MT Pro"/>
+                <a:sym typeface="Arial MT Pro"/>
+              </a:rPr>
+              <a:t>, </a:t>
+            </a:r>
+            <a:r>
+              <a:rPr lang="en-US" sz="2299" spc="-22" dirty="0" err="1">
+                <a:solidFill>
+                  <a:srgbClr val="2C3E50"/>
+                </a:solidFill>
+                <a:latin typeface="Arial MT Pro"/>
+                <a:ea typeface="Arial MT Pro"/>
+                <a:cs typeface="Arial MT Pro"/>
+                <a:sym typeface="Arial MT Pro"/>
+              </a:rPr>
+              <a:t>internal_errors</a:t>
+            </a:r>
+            <a:r>
+              <a:rPr lang="en-US" sz="2299" spc="-22" dirty="0">
+                <a:solidFill>
+                  <a:srgbClr val="2C3E50"/>
+                </a:solidFill>
+                <a:latin typeface="Arial MT Pro"/>
+                <a:ea typeface="Arial MT Pro"/>
+                <a:cs typeface="Arial MT Pro"/>
+                <a:sym typeface="Arial MT Pro"/>
+              </a:rPr>
+              <a:t>, </a:t>
+            </a:r>
+            <a:r>
+              <a:rPr lang="en-US" sz="2299" spc="-22" dirty="0" err="1">
+                <a:solidFill>
+                  <a:srgbClr val="2C3E50"/>
+                </a:solidFill>
+                <a:latin typeface="Arial MT Pro"/>
+                <a:ea typeface="Arial MT Pro"/>
+                <a:cs typeface="Arial MT Pro"/>
+                <a:sym typeface="Arial MT Pro"/>
+              </a:rPr>
+              <a:t>external_errors</a:t>
+            </a:r>
+            <a:r>
+              <a:rPr lang="en-US" sz="2299" spc="-22" dirty="0">
+                <a:solidFill>
+                  <a:srgbClr val="2C3E50"/>
+                </a:solidFill>
+                <a:latin typeface="Arial MT Pro"/>
+                <a:ea typeface="Arial MT Pro"/>
+                <a:cs typeface="Arial MT Pro"/>
+                <a:sym typeface="Arial MT Pro"/>
+              </a:rPr>
+              <a:t>, </a:t>
+            </a:r>
+            <a:r>
+              <a:rPr lang="en-US" sz="2299" spc="-22" dirty="0" err="1">
+                <a:solidFill>
+                  <a:srgbClr val="2C3E50"/>
+                </a:solidFill>
+                <a:latin typeface="Arial MT Pro"/>
+                <a:ea typeface="Arial MT Pro"/>
+                <a:cs typeface="Arial MT Pro"/>
+                <a:sym typeface="Arial MT Pro"/>
+              </a:rPr>
+              <a:t>internal_favicon</a:t>
+            </a:r>
+            <a:r>
+              <a:rPr lang="en-US" sz="2299" spc="-22" dirty="0">
+                <a:solidFill>
+                  <a:srgbClr val="2C3E50"/>
+                </a:solidFill>
+                <a:latin typeface="Arial MT Pro"/>
+                <a:ea typeface="Arial MT Pro"/>
+                <a:cs typeface="Arial MT Pro"/>
+                <a:sym typeface="Arial MT Pro"/>
+              </a:rPr>
+              <a:t>, </a:t>
+            </a:r>
+            <a:r>
+              <a:rPr lang="en-US" sz="2299" spc="-22" dirty="0" err="1">
+                <a:solidFill>
+                  <a:srgbClr val="2C3E50"/>
+                </a:solidFill>
+                <a:latin typeface="Arial MT Pro"/>
+                <a:ea typeface="Arial MT Pro"/>
+                <a:cs typeface="Arial MT Pro"/>
+                <a:sym typeface="Arial MT Pro"/>
+              </a:rPr>
+              <a:t>external_favicon</a:t>
+            </a:r>
+            <a:endParaRPr lang="en-US" sz="2299" spc="-22" dirty="0">
+              <a:solidFill>
+                <a:srgbClr val="2C3E50"/>
+              </a:solidFill>
+              <a:latin typeface="Arial MT Pro"/>
+              <a:ea typeface="Arial MT Pro"/>
+              <a:cs typeface="Arial MT Pro"/>
+              <a:sym typeface="Arial MT Pro"/>
+            </a:endParaRPr>
+          </a:p>
+        </p:txBody>
+      </p:sp>
+      <p:sp>
+        <p:nvSpPr>
+          <p:cNvPr id="12" name="TextBox 12"/>
+          <p:cNvSpPr txBox="1"/>
           <p:nvPr/>
         </p:nvSpPr>
         <p:spPr>
-          <a:xfrm rot="0">
+          <a:xfrm>
             <a:off x="666750" y="5086350"/>
             <a:ext cx="6670203" cy="464820"/>
           </a:xfrm>
@@ -9257,7 +9541,7 @@
           </a:prstGeom>
         </p:spPr>
         <p:txBody>
-          <a:bodyPr anchor="t" rtlCol="false" tIns="0" lIns="0" bIns="0" rIns="0">
+          <a:bodyPr lIns="0" tIns="0" rIns="0" bIns="0" rtlCol="0" anchor="t">
             <a:spAutoFit/>
           </a:bodyPr>
           <a:lstStyle/>
@@ -9268,7 +9552,7 @@
               </a:lnSpc>
             </a:pPr>
             <a:r>
-              <a:rPr lang="en-US" sz="2700" b="true">
+              <a:rPr lang="en-US" sz="2700" b="1">
                 <a:solidFill>
                   <a:srgbClr val="2C3E50"/>
                 </a:solidFill>
@@ -9284,12 +9568,12 @@
       </p:sp>
       <p:sp>
         <p:nvSpPr>
-          <p:cNvPr name="TextBox 13" id="13"/>
-          <p:cNvSpPr txBox="true"/>
+          <p:cNvPr id="13" name="TextBox 13"/>
+          <p:cNvSpPr txBox="1"/>
           <p:nvPr/>
         </p:nvSpPr>
         <p:spPr>
-          <a:xfrm rot="0">
+          <a:xfrm>
             <a:off x="666750" y="5553539"/>
             <a:ext cx="12006905" cy="2437131"/>
           </a:xfrm>
@@ -9298,7 +9582,7 @@
           </a:prstGeom>
         </p:spPr>
         <p:txBody>
-          <a:bodyPr anchor="t" rtlCol="false" tIns="0" lIns="0" bIns="0" rIns="0">
+          <a:bodyPr lIns="0" tIns="0" rIns="0" bIns="0" rtlCol="0" anchor="t">
             <a:spAutoFit/>
           </a:bodyPr>
           <a:lstStyle/>
@@ -9322,14 +9606,14 @@
             </a:r>
           </a:p>
           <a:p>
-            <a:pPr algn="just" marL="496564" indent="-248282" lvl="1">
+            <a:pPr marL="496564" lvl="1" indent="-248282" algn="just">
               <a:lnSpc>
                 <a:spcPts val="3219"/>
               </a:lnSpc>
-              <a:buAutoNum type="arabicPeriod" startAt="1"/>
+              <a:buAutoNum type="arabicPeriod"/>
             </a:pPr>
             <a:r>
-              <a:rPr lang="en-US" b="true" sz="2299" spc="-22">
+              <a:rPr lang="en-US" sz="2299" b="1" spc="-22">
                 <a:solidFill>
                   <a:srgbClr val="2C3E50"/>
                 </a:solidFill>
@@ -9354,14 +9638,14 @@
             </a:r>
           </a:p>
           <a:p>
-            <a:pPr algn="just" marL="496564" indent="-248282" lvl="1">
+            <a:pPr marL="496564" lvl="1" indent="-248282" algn="just">
               <a:lnSpc>
                 <a:spcPts val="3219"/>
               </a:lnSpc>
-              <a:buAutoNum type="arabicPeriod" startAt="1"/>
+              <a:buAutoNum type="arabicPeriod"/>
             </a:pPr>
             <a:r>
-              <a:rPr lang="en-US" b="true" sz="2299" spc="-22">
+              <a:rPr lang="en-US" sz="2299" b="1" spc="-22">
                 <a:solidFill>
                   <a:srgbClr val="2C3E50"/>
                 </a:solidFill>
@@ -9418,13 +9702,14 @@
 </file>
 
 <file path=ppt/slides/slide9.xml><?xml version="1.0" encoding="utf-8"?>
-<p:sld xmlns:p="http://schemas.openxmlformats.org/presentationml/2006/main" xmlns:a="http://schemas.openxmlformats.org/drawingml/2006/main" xmlns:r="http://schemas.openxmlformats.org/officeDocument/2006/relationships">
+<p:sld xmlns:a="http://schemas.openxmlformats.org/drawingml/2006/main" xmlns:r="http://schemas.openxmlformats.org/officeDocument/2006/relationships" xmlns:p="http://schemas.openxmlformats.org/presentationml/2006/main">
   <p:cSld>
     <p:bg>
       <p:bgPr>
         <a:solidFill>
           <a:srgbClr val="F7F9FC"/>
         </a:solidFill>
+        <a:effectLst/>
       </p:bgPr>
     </p:bg>
     <p:spTree>
@@ -9443,12 +9728,12 @@
       </p:grpSpPr>
       <p:grpSp>
         <p:nvGrpSpPr>
-          <p:cNvPr name="Group 2" id="2"/>
+          <p:cNvPr id="2" name="Group 2"/>
           <p:cNvGrpSpPr/>
           <p:nvPr/>
         </p:nvGrpSpPr>
         <p:grpSpPr>
-          <a:xfrm rot="0">
+          <a:xfrm>
             <a:off x="15049500" y="0"/>
             <a:ext cx="3238500" cy="10287000"/>
             <a:chOff x="0" y="0"/>
@@ -9457,12 +9742,12 @@
         </p:grpSpPr>
         <p:sp>
           <p:nvSpPr>
-            <p:cNvPr name="Freeform 3" id="3"/>
+            <p:cNvPr id="3" name="Freeform 3"/>
             <p:cNvSpPr/>
             <p:nvPr/>
           </p:nvSpPr>
           <p:spPr>
-            <a:xfrm flipH="false" flipV="false" rot="0">
+            <a:xfrm>
               <a:off x="0" y="0"/>
               <a:ext cx="852938" cy="2709333"/>
             </a:xfrm>
@@ -9471,9 +9756,9 @@
               <a:gdLst/>
               <a:ahLst/>
               <a:cxnLst/>
-              <a:rect r="r" b="b" t="t" l="l"/>
+              <a:rect l="l" t="t" r="r" b="b"/>
               <a:pathLst>
-                <a:path h="2709333" w="852938">
+                <a:path w="852938" h="2709333">
                   <a:moveTo>
                     <a:pt x="0" y="0"/>
                   </a:moveTo>
@@ -9494,11 +9779,18 @@
               <a:srgbClr val="18BC9C"/>
             </a:solidFill>
           </p:spPr>
+          <p:txBody>
+            <a:bodyPr/>
+            <a:lstStyle/>
+            <a:p>
+              <a:endParaRPr lang="en-IN"/>
+            </a:p>
+          </p:txBody>
         </p:sp>
         <p:sp>
           <p:nvSpPr>
-            <p:cNvPr name="TextBox 4" id="4"/>
-            <p:cNvSpPr txBox="true"/>
+            <p:cNvPr id="4" name="TextBox 4"/>
+            <p:cNvSpPr txBox="1"/>
             <p:nvPr/>
           </p:nvSpPr>
           <p:spPr>
@@ -9511,21 +9803,22 @@
             </a:prstGeom>
           </p:spPr>
           <p:txBody>
-            <a:bodyPr anchor="ctr" rtlCol="false" tIns="50800" lIns="50800" bIns="50800" rIns="50800"/>
+            <a:bodyPr lIns="50800" tIns="50800" rIns="50800" bIns="50800" rtlCol="0" anchor="ctr"/>
             <a:lstStyle/>
             <a:p>
-              <a:pPr algn="ctr" marL="0" indent="0" lvl="0">
+              <a:pPr marL="0" lvl="0" indent="0" algn="ctr">
                 <a:lnSpc>
                   <a:spcPts val="2800"/>
                 </a:lnSpc>
               </a:pPr>
+              <a:endParaRPr/>
             </a:p>
           </p:txBody>
         </p:sp>
       </p:grpSp>
       <p:sp>
         <p:nvSpPr>
-          <p:cNvPr name="AutoShape 5" id="5"/>
+          <p:cNvPr id="5" name="AutoShape 5"/>
           <p:cNvSpPr/>
           <p:nvPr/>
         </p:nvSpPr>
@@ -9537,24 +9830,31 @@
           <a:prstGeom prst="line">
             <a:avLst/>
           </a:prstGeom>
-          <a:ln cap="flat" w="9525">
+          <a:ln w="9525" cap="flat">
             <a:solidFill>
               <a:srgbClr val="2C3E50"/>
             </a:solidFill>
             <a:prstDash val="solid"/>
-            <a:headEnd type="none" len="sm" w="sm"/>
-            <a:tailEnd type="none" len="sm" w="sm"/>
+            <a:headEnd type="none" w="sm" len="sm"/>
+            <a:tailEnd type="none" w="sm" len="sm"/>
           </a:ln>
         </p:spPr>
-      </p:sp>
-      <p:sp>
-        <p:nvSpPr>
-          <p:cNvPr name="Freeform 6" id="6"/>
+        <p:txBody>
+          <a:bodyPr/>
+          <a:lstStyle/>
+          <a:p>
+            <a:endParaRPr lang="en-IN"/>
+          </a:p>
+        </p:txBody>
+      </p:sp>
+      <p:sp>
+        <p:nvSpPr>
+          <p:cNvPr id="6" name="Freeform 6"/>
           <p:cNvSpPr/>
           <p:nvPr/>
         </p:nvSpPr>
         <p:spPr>
-          <a:xfrm flipH="false" flipV="false" rot="0">
+          <a:xfrm>
             <a:off x="666750" y="5143500"/>
             <a:ext cx="11176533" cy="4273812"/>
           </a:xfrm>
@@ -9563,9 +9863,9 @@
             <a:gdLst/>
             <a:ahLst/>
             <a:cxnLst/>
-            <a:rect r="r" b="b" t="t" l="l"/>
+            <a:rect l="l" t="t" r="r" b="b"/>
             <a:pathLst>
-              <a:path h="4273812" w="11176533">
+              <a:path w="11176533" h="4273812">
                 <a:moveTo>
                   <a:pt x="0" y="0"/>
                 </a:moveTo>
@@ -9588,19 +9888,26 @@
           <a:blipFill>
             <a:blip r:embed="rId2"/>
             <a:stretch>
-              <a:fillRect l="0" t="0" r="0" b="0"/>
+              <a:fillRect/>
             </a:stretch>
           </a:blipFill>
         </p:spPr>
-      </p:sp>
-      <p:sp>
-        <p:nvSpPr>
-          <p:cNvPr name="TextBox 7" id="7"/>
-          <p:cNvSpPr txBox="true"/>
+        <p:txBody>
+          <a:bodyPr/>
+          <a:lstStyle/>
+          <a:p>
+            <a:endParaRPr lang="en-IN"/>
+          </a:p>
+        </p:txBody>
+      </p:sp>
+      <p:sp>
+        <p:nvSpPr>
+          <p:cNvPr id="7" name="TextBox 7"/>
+          <p:cNvSpPr txBox="1"/>
           <p:nvPr/>
         </p:nvSpPr>
         <p:spPr>
-          <a:xfrm rot="0">
+          <a:xfrm>
             <a:off x="666750" y="490855"/>
             <a:ext cx="10789540" cy="537845"/>
           </a:xfrm>
@@ -9609,7 +9916,7 @@
           </a:prstGeom>
         </p:spPr>
         <p:txBody>
-          <a:bodyPr anchor="t" rtlCol="false" tIns="0" lIns="0" bIns="0" rIns="0">
+          <a:bodyPr lIns="0" tIns="0" rIns="0" bIns="0" rtlCol="0" anchor="t">
             <a:spAutoFit/>
           </a:bodyPr>
           <a:lstStyle/>
@@ -9620,7 +9927,7 @@
               </a:lnSpc>
             </a:pPr>
             <a:r>
-              <a:rPr lang="en-US" sz="3200" b="true">
+              <a:rPr lang="en-US" sz="3200" b="1">
                 <a:solidFill>
                   <a:srgbClr val="2C3E50"/>
                 </a:solidFill>
@@ -9636,12 +9943,12 @@
       </p:sp>
       <p:sp>
         <p:nvSpPr>
-          <p:cNvPr name="TextBox 8" id="8"/>
-          <p:cNvSpPr txBox="true"/>
+          <p:cNvPr id="8" name="TextBox 8"/>
+          <p:cNvSpPr txBox="1"/>
           <p:nvPr/>
         </p:nvSpPr>
         <p:spPr>
-          <a:xfrm rot="0">
+          <a:xfrm>
             <a:off x="666750" y="1168966"/>
             <a:ext cx="12006905" cy="3237231"/>
           </a:xfrm>
@@ -9650,7 +9957,7 @@
           </a:prstGeom>
         </p:spPr>
         <p:txBody>
-          <a:bodyPr anchor="t" rtlCol="false" tIns="0" lIns="0" bIns="0" rIns="0">
+          <a:bodyPr lIns="0" tIns="0" rIns="0" bIns="0" rtlCol="0" anchor="t">
             <a:spAutoFit/>
           </a:bodyPr>
           <a:lstStyle/>
@@ -9680,7 +9987,7 @@
               </a:lnSpc>
             </a:pPr>
             <a:r>
-              <a:rPr lang="en-US" b="true" sz="2299" spc="-22">
+              <a:rPr lang="en-US" sz="2299" b="1" spc="-22">
                 <a:solidFill>
                   <a:srgbClr val="2C3E50"/>
                 </a:solidFill>
@@ -9711,7 +10018,7 @@
               </a:lnSpc>
             </a:pPr>
             <a:r>
-              <a:rPr lang="en-US" b="true" sz="2299" spc="-22">
+              <a:rPr lang="en-US" sz="2299" b="1" spc="-22">
                 <a:solidFill>
                   <a:srgbClr val="2C3E50"/>
                 </a:solidFill>
